--- a/doc/Lua101CheatSheet.pptx
+++ b/doc/Lua101CheatSheet.pptx
@@ -1,14 +1,21 @@
 
 <file path=ppt/presentation.xml><?xml version="1.0" encoding="utf-8"?>
-<p:presentation xmlns:a="http://schemas.openxmlformats.org/drawingml/2006/main" xmlns:r="http://schemas.openxmlformats.org/officeDocument/2006/relationships" xmlns:p="http://schemas.openxmlformats.org/presentationml/2006/main" saveSubsetFonts="1">
+<p:presentation xmlns:a="http://schemas.openxmlformats.org/drawingml/2006/main" xmlns:r="http://schemas.openxmlformats.org/officeDocument/2006/relationships" xmlns:p="http://schemas.openxmlformats.org/presentationml/2006/main" showSpecialPlsOnTitleSld="0" saveSubsetFonts="1">
   <p:sldMasterIdLst>
     <p:sldMasterId id="2147483648" r:id="rId1"/>
+    <p:sldMasterId id="2147483660" r:id="rId2"/>
   </p:sldMasterIdLst>
+  <p:notesMasterIdLst>
+    <p:notesMasterId r:id="rId7"/>
+  </p:notesMasterIdLst>
+  <p:handoutMasterIdLst>
+    <p:handoutMasterId r:id="rId8"/>
+  </p:handoutMasterIdLst>
   <p:sldIdLst>
-    <p:sldId id="258" r:id="rId2"/>
-    <p:sldId id="259" r:id="rId3"/>
-    <p:sldId id="260" r:id="rId4"/>
-    <p:sldId id="261" r:id="rId5"/>
+    <p:sldId id="597" r:id="rId3"/>
+    <p:sldId id="598" r:id="rId4"/>
+    <p:sldId id="599" r:id="rId5"/>
+    <p:sldId id="600" r:id="rId6"/>
   </p:sldIdLst>
   <p:sldSz cx="9144000" cy="6858000" type="screen4x3"/>
   <p:notesSz cx="7315200" cy="9601200"/>
@@ -16,7 +23,7 @@
     <a:defPPr>
       <a:defRPr lang="en-US"/>
     </a:defPPr>
-    <a:lvl1pPr marL="0" algn="l" defTabSz="914400" rtl="0" eaLnBrk="1" latinLnBrk="0" hangingPunct="1">
+    <a:lvl1pPr marL="0" algn="l" defTabSz="457200" rtl="0" eaLnBrk="1" latinLnBrk="0" hangingPunct="1">
       <a:defRPr sz="1800" kern="1200">
         <a:solidFill>
           <a:schemeClr val="tx1"/>
@@ -26,7 +33,7 @@
         <a:cs typeface="+mn-cs"/>
       </a:defRPr>
     </a:lvl1pPr>
-    <a:lvl2pPr marL="457200" algn="l" defTabSz="914400" rtl="0" eaLnBrk="1" latinLnBrk="0" hangingPunct="1">
+    <a:lvl2pPr marL="457200" algn="l" defTabSz="457200" rtl="0" eaLnBrk="1" latinLnBrk="0" hangingPunct="1">
       <a:defRPr sz="1800" kern="1200">
         <a:solidFill>
           <a:schemeClr val="tx1"/>
@@ -36,7 +43,7 @@
         <a:cs typeface="+mn-cs"/>
       </a:defRPr>
     </a:lvl2pPr>
-    <a:lvl3pPr marL="914400" algn="l" defTabSz="914400" rtl="0" eaLnBrk="1" latinLnBrk="0" hangingPunct="1">
+    <a:lvl3pPr marL="914400" algn="l" defTabSz="457200" rtl="0" eaLnBrk="1" latinLnBrk="0" hangingPunct="1">
       <a:defRPr sz="1800" kern="1200">
         <a:solidFill>
           <a:schemeClr val="tx1"/>
@@ -46,7 +53,7 @@
         <a:cs typeface="+mn-cs"/>
       </a:defRPr>
     </a:lvl3pPr>
-    <a:lvl4pPr marL="1371600" algn="l" defTabSz="914400" rtl="0" eaLnBrk="1" latinLnBrk="0" hangingPunct="1">
+    <a:lvl4pPr marL="1371600" algn="l" defTabSz="457200" rtl="0" eaLnBrk="1" latinLnBrk="0" hangingPunct="1">
       <a:defRPr sz="1800" kern="1200">
         <a:solidFill>
           <a:schemeClr val="tx1"/>
@@ -56,7 +63,7 @@
         <a:cs typeface="+mn-cs"/>
       </a:defRPr>
     </a:lvl4pPr>
-    <a:lvl5pPr marL="1828800" algn="l" defTabSz="914400" rtl="0" eaLnBrk="1" latinLnBrk="0" hangingPunct="1">
+    <a:lvl5pPr marL="1828800" algn="l" defTabSz="457200" rtl="0" eaLnBrk="1" latinLnBrk="0" hangingPunct="1">
       <a:defRPr sz="1800" kern="1200">
         <a:solidFill>
           <a:schemeClr val="tx1"/>
@@ -66,7 +73,7 @@
         <a:cs typeface="+mn-cs"/>
       </a:defRPr>
     </a:lvl5pPr>
-    <a:lvl6pPr marL="2286000" algn="l" defTabSz="914400" rtl="0" eaLnBrk="1" latinLnBrk="0" hangingPunct="1">
+    <a:lvl6pPr marL="2286000" algn="l" defTabSz="457200" rtl="0" eaLnBrk="1" latinLnBrk="0" hangingPunct="1">
       <a:defRPr sz="1800" kern="1200">
         <a:solidFill>
           <a:schemeClr val="tx1"/>
@@ -76,7 +83,7 @@
         <a:cs typeface="+mn-cs"/>
       </a:defRPr>
     </a:lvl6pPr>
-    <a:lvl7pPr marL="2743200" algn="l" defTabSz="914400" rtl="0" eaLnBrk="1" latinLnBrk="0" hangingPunct="1">
+    <a:lvl7pPr marL="2743200" algn="l" defTabSz="457200" rtl="0" eaLnBrk="1" latinLnBrk="0" hangingPunct="1">
       <a:defRPr sz="1800" kern="1200">
         <a:solidFill>
           <a:schemeClr val="tx1"/>
@@ -86,7 +93,7 @@
         <a:cs typeface="+mn-cs"/>
       </a:defRPr>
     </a:lvl7pPr>
-    <a:lvl8pPr marL="3200400" algn="l" defTabSz="914400" rtl="0" eaLnBrk="1" latinLnBrk="0" hangingPunct="1">
+    <a:lvl8pPr marL="3200400" algn="l" defTabSz="457200" rtl="0" eaLnBrk="1" latinLnBrk="0" hangingPunct="1">
       <a:defRPr sz="1800" kern="1200">
         <a:solidFill>
           <a:schemeClr val="tx1"/>
@@ -96,7 +103,7 @@
         <a:cs typeface="+mn-cs"/>
       </a:defRPr>
     </a:lvl8pPr>
-    <a:lvl9pPr marL="3657600" algn="l" defTabSz="914400" rtl="0" eaLnBrk="1" latinLnBrk="0" hangingPunct="1">
+    <a:lvl9pPr marL="3657600" algn="l" defTabSz="457200" rtl="0" eaLnBrk="1" latinLnBrk="0" hangingPunct="1">
       <a:defRPr sz="1800" kern="1200">
         <a:solidFill>
           <a:schemeClr val="tx1"/>
@@ -108,6 +115,534 @@
     </a:lvl9pPr>
   </p:defaultTextStyle>
 </p:presentation>
+</file>
+
+<file path=ppt/commentAuthors.xml><?xml version="1.0" encoding="utf-8"?>
+<p:cmAuthorLst xmlns:a="http://schemas.openxmlformats.org/drawingml/2006/main" xmlns:r="http://schemas.openxmlformats.org/officeDocument/2006/relationships" xmlns:p="http://schemas.openxmlformats.org/presentationml/2006/main">
+  <p:cmAuthor id="0" name="Rick Warren" initials="RBW" lastIdx="3" clrIdx="0"/>
+</p:cmAuthorLst>
+</file>
+
+<file path=ppt/handoutMasters/handoutMaster1.xml><?xml version="1.0" encoding="utf-8"?>
+<p:handoutMaster xmlns:a="http://schemas.openxmlformats.org/drawingml/2006/main" xmlns:r="http://schemas.openxmlformats.org/officeDocument/2006/relationships" xmlns:p="http://schemas.openxmlformats.org/presentationml/2006/main">
+  <p:cSld>
+    <p:bg>
+      <p:bgRef idx="1001">
+        <a:schemeClr val="bg1"/>
+      </p:bgRef>
+    </p:bg>
+    <p:spTree>
+      <p:nvGrpSpPr>
+        <p:cNvPr id="1" name=""/>
+        <p:cNvGrpSpPr/>
+        <p:nvPr/>
+      </p:nvGrpSpPr>
+      <p:grpSpPr>
+        <a:xfrm>
+          <a:off x="0" y="0"/>
+          <a:ext cx="0" cy="0"/>
+          <a:chOff x="0" y="0"/>
+          <a:chExt cx="0" cy="0"/>
+        </a:xfrm>
+      </p:grpSpPr>
+      <p:sp>
+        <p:nvSpPr>
+          <p:cNvPr id="2" name="Header Placeholder 1"/>
+          <p:cNvSpPr>
+            <a:spLocks noGrp="1"/>
+          </p:cNvSpPr>
+          <p:nvPr>
+            <p:ph type="hdr" sz="quarter"/>
+          </p:nvPr>
+        </p:nvSpPr>
+        <p:spPr>
+          <a:xfrm>
+            <a:off x="0" y="0"/>
+            <a:ext cx="3169920" cy="480060"/>
+          </a:xfrm>
+          <a:prstGeom prst="rect">
+            <a:avLst/>
+          </a:prstGeom>
+        </p:spPr>
+        <p:txBody>
+          <a:bodyPr vert="horz" lIns="96661" tIns="48331" rIns="96661" bIns="48331" rtlCol="0"/>
+          <a:lstStyle>
+            <a:lvl1pPr algn="l">
+              <a:defRPr sz="1300"/>
+            </a:lvl1pPr>
+          </a:lstStyle>
+          <a:p>
+            <a:endParaRPr lang="en-US"/>
+          </a:p>
+        </p:txBody>
+      </p:sp>
+      <p:sp>
+        <p:nvSpPr>
+          <p:cNvPr id="3" name="Date Placeholder 2"/>
+          <p:cNvSpPr>
+            <a:spLocks noGrp="1"/>
+          </p:cNvSpPr>
+          <p:nvPr>
+            <p:ph type="dt" sz="quarter" idx="1"/>
+          </p:nvPr>
+        </p:nvSpPr>
+        <p:spPr>
+          <a:xfrm>
+            <a:off x="4143587" y="0"/>
+            <a:ext cx="3169920" cy="480060"/>
+          </a:xfrm>
+          <a:prstGeom prst="rect">
+            <a:avLst/>
+          </a:prstGeom>
+        </p:spPr>
+        <p:txBody>
+          <a:bodyPr vert="horz" lIns="96661" tIns="48331" rIns="96661" bIns="48331" rtlCol="0"/>
+          <a:lstStyle>
+            <a:lvl1pPr algn="r">
+              <a:defRPr sz="1300"/>
+            </a:lvl1pPr>
+          </a:lstStyle>
+          <a:p>
+            <a:fld id="{00656301-EC67-40A2-858D-F45F9ADE5C75}" type="datetimeFigureOut">
+              <a:rPr lang="en-US"/>
+              <a:pPr/>
+              <a:t>8/2/2013</a:t>
+            </a:fld>
+            <a:endParaRPr lang="en-US"/>
+          </a:p>
+        </p:txBody>
+      </p:sp>
+      <p:sp>
+        <p:nvSpPr>
+          <p:cNvPr id="4" name="Footer Placeholder 3"/>
+          <p:cNvSpPr>
+            <a:spLocks noGrp="1"/>
+          </p:cNvSpPr>
+          <p:nvPr>
+            <p:ph type="ftr" sz="quarter" idx="2"/>
+          </p:nvPr>
+        </p:nvSpPr>
+        <p:spPr>
+          <a:xfrm>
+            <a:off x="0" y="9119474"/>
+            <a:ext cx="3169920" cy="480060"/>
+          </a:xfrm>
+          <a:prstGeom prst="rect">
+            <a:avLst/>
+          </a:prstGeom>
+        </p:spPr>
+        <p:txBody>
+          <a:bodyPr vert="horz" lIns="96661" tIns="48331" rIns="96661" bIns="48331" rtlCol="0" anchor="b"/>
+          <a:lstStyle>
+            <a:lvl1pPr algn="l">
+              <a:defRPr sz="1300"/>
+            </a:lvl1pPr>
+          </a:lstStyle>
+          <a:p>
+            <a:endParaRPr lang="en-US"/>
+          </a:p>
+        </p:txBody>
+      </p:sp>
+      <p:sp>
+        <p:nvSpPr>
+          <p:cNvPr id="5" name="Slide Number Placeholder 4"/>
+          <p:cNvSpPr>
+            <a:spLocks noGrp="1"/>
+          </p:cNvSpPr>
+          <p:nvPr>
+            <p:ph type="sldNum" sz="quarter" idx="3"/>
+          </p:nvPr>
+        </p:nvSpPr>
+        <p:spPr>
+          <a:xfrm>
+            <a:off x="4143587" y="9119474"/>
+            <a:ext cx="3169920" cy="480060"/>
+          </a:xfrm>
+          <a:prstGeom prst="rect">
+            <a:avLst/>
+          </a:prstGeom>
+        </p:spPr>
+        <p:txBody>
+          <a:bodyPr vert="horz" lIns="96661" tIns="48331" rIns="96661" bIns="48331" rtlCol="0" anchor="b"/>
+          <a:lstStyle>
+            <a:lvl1pPr algn="r">
+              <a:defRPr sz="1300"/>
+            </a:lvl1pPr>
+          </a:lstStyle>
+          <a:p>
+            <a:fld id="{ABF574C7-BF18-464D-96C0-6F5B699AC451}" type="slidenum">
+              <a:rPr/>
+              <a:pPr/>
+              <a:t>‹#›</a:t>
+            </a:fld>
+            <a:endParaRPr lang="en-US"/>
+          </a:p>
+        </p:txBody>
+      </p:sp>
+    </p:spTree>
+    <p:extLst>
+      <p:ext uri="{BB962C8B-B14F-4D97-AF65-F5344CB8AC3E}">
+        <p14:creationId xmlns:p14="http://schemas.microsoft.com/office/powerpoint/2010/main" val="19335814"/>
+      </p:ext>
+    </p:extLst>
+  </p:cSld>
+  <p:clrMap bg1="lt1" tx1="dk1" bg2="lt2" tx2="dk2" accent1="accent1" accent2="accent2" accent3="accent3" accent4="accent4" accent5="accent5" accent6="accent6" hlink="hlink" folHlink="folHlink"/>
+  <p:hf hdr="0" ftr="0" dt="0"/>
+</p:handoutMaster>
+</file>
+
+<file path=ppt/notesMasters/notesMaster1.xml><?xml version="1.0" encoding="utf-8"?>
+<p:notesMaster xmlns:a="http://schemas.openxmlformats.org/drawingml/2006/main" xmlns:r="http://schemas.openxmlformats.org/officeDocument/2006/relationships" xmlns:p="http://schemas.openxmlformats.org/presentationml/2006/main">
+  <p:cSld>
+    <p:bg>
+      <p:bgRef idx="1001">
+        <a:schemeClr val="bg1"/>
+      </p:bgRef>
+    </p:bg>
+    <p:spTree>
+      <p:nvGrpSpPr>
+        <p:cNvPr id="1" name=""/>
+        <p:cNvGrpSpPr/>
+        <p:nvPr/>
+      </p:nvGrpSpPr>
+      <p:grpSpPr>
+        <a:xfrm>
+          <a:off x="0" y="0"/>
+          <a:ext cx="0" cy="0"/>
+          <a:chOff x="0" y="0"/>
+          <a:chExt cx="0" cy="0"/>
+        </a:xfrm>
+      </p:grpSpPr>
+      <p:sp>
+        <p:nvSpPr>
+          <p:cNvPr id="2" name="Header Placeholder 1"/>
+          <p:cNvSpPr>
+            <a:spLocks noGrp="1"/>
+          </p:cNvSpPr>
+          <p:nvPr>
+            <p:ph type="hdr" sz="quarter"/>
+          </p:nvPr>
+        </p:nvSpPr>
+        <p:spPr>
+          <a:xfrm>
+            <a:off x="0" y="0"/>
+            <a:ext cx="3169920" cy="480060"/>
+          </a:xfrm>
+          <a:prstGeom prst="rect">
+            <a:avLst/>
+          </a:prstGeom>
+        </p:spPr>
+        <p:txBody>
+          <a:bodyPr vert="horz" lIns="96661" tIns="48331" rIns="96661" bIns="48331" rtlCol="0"/>
+          <a:lstStyle>
+            <a:lvl1pPr algn="l">
+              <a:defRPr sz="1300"/>
+            </a:lvl1pPr>
+          </a:lstStyle>
+          <a:p>
+            <a:endParaRPr lang="en-US"/>
+          </a:p>
+        </p:txBody>
+      </p:sp>
+      <p:sp>
+        <p:nvSpPr>
+          <p:cNvPr id="3" name="Date Placeholder 2"/>
+          <p:cNvSpPr>
+            <a:spLocks noGrp="1"/>
+          </p:cNvSpPr>
+          <p:nvPr>
+            <p:ph type="dt" idx="1"/>
+          </p:nvPr>
+        </p:nvSpPr>
+        <p:spPr>
+          <a:xfrm>
+            <a:off x="4143587" y="0"/>
+            <a:ext cx="3169920" cy="480060"/>
+          </a:xfrm>
+          <a:prstGeom prst="rect">
+            <a:avLst/>
+          </a:prstGeom>
+        </p:spPr>
+        <p:txBody>
+          <a:bodyPr vert="horz" lIns="96661" tIns="48331" rIns="96661" bIns="48331" rtlCol="0"/>
+          <a:lstStyle>
+            <a:lvl1pPr algn="r">
+              <a:defRPr sz="1300"/>
+            </a:lvl1pPr>
+          </a:lstStyle>
+          <a:p>
+            <a:fld id="{050AF90C-60B5-4015-ABD5-C54756098D56}" type="datetimeFigureOut">
+              <a:rPr lang="en-US"/>
+              <a:pPr/>
+              <a:t>8/2/2013</a:t>
+            </a:fld>
+            <a:endParaRPr lang="en-US"/>
+          </a:p>
+        </p:txBody>
+      </p:sp>
+      <p:sp>
+        <p:nvSpPr>
+          <p:cNvPr id="4" name="Slide Image Placeholder 3"/>
+          <p:cNvSpPr>
+            <a:spLocks noGrp="1" noRot="1" noChangeAspect="1"/>
+          </p:cNvSpPr>
+          <p:nvPr>
+            <p:ph type="sldImg" idx="2"/>
+          </p:nvPr>
+        </p:nvSpPr>
+        <p:spPr>
+          <a:xfrm>
+            <a:off x="1257300" y="720725"/>
+            <a:ext cx="4800600" cy="3600450"/>
+          </a:xfrm>
+          <a:prstGeom prst="rect">
+            <a:avLst/>
+          </a:prstGeom>
+          <a:noFill/>
+          <a:ln w="12700">
+            <a:solidFill>
+              <a:prstClr val="black"/>
+            </a:solidFill>
+          </a:ln>
+        </p:spPr>
+        <p:txBody>
+          <a:bodyPr vert="horz" lIns="96661" tIns="48331" rIns="96661" bIns="48331" rtlCol="0" anchor="ctr"/>
+          <a:lstStyle/>
+          <a:p>
+            <a:endParaRPr lang="en-US"/>
+          </a:p>
+        </p:txBody>
+      </p:sp>
+      <p:sp>
+        <p:nvSpPr>
+          <p:cNvPr id="5" name="Notes Placeholder 4"/>
+          <p:cNvSpPr>
+            <a:spLocks noGrp="1"/>
+          </p:cNvSpPr>
+          <p:nvPr>
+            <p:ph type="body" sz="quarter" idx="3"/>
+          </p:nvPr>
+        </p:nvSpPr>
+        <p:spPr>
+          <a:xfrm>
+            <a:off x="731520" y="4560570"/>
+            <a:ext cx="5852160" cy="4320540"/>
+          </a:xfrm>
+          <a:prstGeom prst="rect">
+            <a:avLst/>
+          </a:prstGeom>
+        </p:spPr>
+        <p:txBody>
+          <a:bodyPr vert="horz" lIns="96661" tIns="48331" rIns="96661" bIns="48331" rtlCol="0">
+            <a:normAutofit/>
+          </a:bodyPr>
+          <a:lstStyle/>
+          <a:p>
+            <a:pPr lvl="0"/>
+            <a:r>
+              <a:rPr lang="en-US"/>
+              <a:t>Click to edit Master text styles</a:t>
+            </a:r>
+          </a:p>
+          <a:p>
+            <a:pPr lvl="1"/>
+            <a:r>
+              <a:rPr lang="en-US"/>
+              <a:t>Second level</a:t>
+            </a:r>
+          </a:p>
+          <a:p>
+            <a:pPr lvl="2"/>
+            <a:r>
+              <a:rPr lang="en-US"/>
+              <a:t>Third level</a:t>
+            </a:r>
+          </a:p>
+          <a:p>
+            <a:pPr lvl="3"/>
+            <a:r>
+              <a:rPr lang="en-US"/>
+              <a:t>Fourth level</a:t>
+            </a:r>
+          </a:p>
+          <a:p>
+            <a:pPr lvl="4"/>
+            <a:r>
+              <a:rPr lang="en-US"/>
+              <a:t>Fifth level</a:t>
+            </a:r>
+          </a:p>
+        </p:txBody>
+      </p:sp>
+      <p:sp>
+        <p:nvSpPr>
+          <p:cNvPr id="6" name="Footer Placeholder 5"/>
+          <p:cNvSpPr>
+            <a:spLocks noGrp="1"/>
+          </p:cNvSpPr>
+          <p:nvPr>
+            <p:ph type="ftr" sz="quarter" idx="4"/>
+          </p:nvPr>
+        </p:nvSpPr>
+        <p:spPr>
+          <a:xfrm>
+            <a:off x="0" y="9119474"/>
+            <a:ext cx="3169920" cy="480060"/>
+          </a:xfrm>
+          <a:prstGeom prst="rect">
+            <a:avLst/>
+          </a:prstGeom>
+        </p:spPr>
+        <p:txBody>
+          <a:bodyPr vert="horz" lIns="96661" tIns="48331" rIns="96661" bIns="48331" rtlCol="0" anchor="b"/>
+          <a:lstStyle>
+            <a:lvl1pPr algn="l">
+              <a:defRPr sz="1300"/>
+            </a:lvl1pPr>
+          </a:lstStyle>
+          <a:p>
+            <a:endParaRPr lang="en-US"/>
+          </a:p>
+        </p:txBody>
+      </p:sp>
+      <p:sp>
+        <p:nvSpPr>
+          <p:cNvPr id="7" name="Slide Number Placeholder 6"/>
+          <p:cNvSpPr>
+            <a:spLocks noGrp="1"/>
+          </p:cNvSpPr>
+          <p:nvPr>
+            <p:ph type="sldNum" sz="quarter" idx="5"/>
+          </p:nvPr>
+        </p:nvSpPr>
+        <p:spPr>
+          <a:xfrm>
+            <a:off x="4143587" y="9119474"/>
+            <a:ext cx="3169920" cy="480060"/>
+          </a:xfrm>
+          <a:prstGeom prst="rect">
+            <a:avLst/>
+          </a:prstGeom>
+        </p:spPr>
+        <p:txBody>
+          <a:bodyPr vert="horz" lIns="96661" tIns="48331" rIns="96661" bIns="48331" rtlCol="0" anchor="b"/>
+          <a:lstStyle>
+            <a:lvl1pPr algn="r">
+              <a:defRPr sz="1300"/>
+            </a:lvl1pPr>
+          </a:lstStyle>
+          <a:p>
+            <a:fld id="{28703A22-A4FA-429E-BF08-9CD51C430822}" type="slidenum">
+              <a:rPr/>
+              <a:pPr/>
+              <a:t>‹#›</a:t>
+            </a:fld>
+            <a:endParaRPr lang="en-US"/>
+          </a:p>
+        </p:txBody>
+      </p:sp>
+    </p:spTree>
+    <p:extLst>
+      <p:ext uri="{BB962C8B-B14F-4D97-AF65-F5344CB8AC3E}">
+        <p14:creationId xmlns:p14="http://schemas.microsoft.com/office/powerpoint/2010/main" val="4236751862"/>
+      </p:ext>
+    </p:extLst>
+  </p:cSld>
+  <p:clrMap bg1="lt1" tx1="dk1" bg2="lt2" tx2="dk2" accent1="accent1" accent2="accent2" accent3="accent3" accent4="accent4" accent5="accent5" accent6="accent6" hlink="hlink" folHlink="folHlink"/>
+  <p:hf hdr="0" ftr="0" dt="0"/>
+  <p:notesStyle>
+    <a:lvl1pPr marL="0" algn="l" defTabSz="457200" rtl="0" eaLnBrk="1" latinLnBrk="0" hangingPunct="1">
+      <a:defRPr sz="1200" kern="1200">
+        <a:solidFill>
+          <a:schemeClr val="tx1"/>
+        </a:solidFill>
+        <a:latin typeface="+mn-lt"/>
+        <a:ea typeface="+mn-ea"/>
+        <a:cs typeface="+mn-cs"/>
+      </a:defRPr>
+    </a:lvl1pPr>
+    <a:lvl2pPr marL="457200" algn="l" defTabSz="457200" rtl="0" eaLnBrk="1" latinLnBrk="0" hangingPunct="1">
+      <a:defRPr sz="1200" kern="1200">
+        <a:solidFill>
+          <a:schemeClr val="tx1"/>
+        </a:solidFill>
+        <a:latin typeface="+mn-lt"/>
+        <a:ea typeface="+mn-ea"/>
+        <a:cs typeface="+mn-cs"/>
+      </a:defRPr>
+    </a:lvl2pPr>
+    <a:lvl3pPr marL="914400" algn="l" defTabSz="457200" rtl="0" eaLnBrk="1" latinLnBrk="0" hangingPunct="1">
+      <a:defRPr sz="1200" kern="1200">
+        <a:solidFill>
+          <a:schemeClr val="tx1"/>
+        </a:solidFill>
+        <a:latin typeface="+mn-lt"/>
+        <a:ea typeface="+mn-ea"/>
+        <a:cs typeface="+mn-cs"/>
+      </a:defRPr>
+    </a:lvl3pPr>
+    <a:lvl4pPr marL="1371600" algn="l" defTabSz="457200" rtl="0" eaLnBrk="1" latinLnBrk="0" hangingPunct="1">
+      <a:defRPr sz="1200" kern="1200">
+        <a:solidFill>
+          <a:schemeClr val="tx1"/>
+        </a:solidFill>
+        <a:latin typeface="+mn-lt"/>
+        <a:ea typeface="+mn-ea"/>
+        <a:cs typeface="+mn-cs"/>
+      </a:defRPr>
+    </a:lvl4pPr>
+    <a:lvl5pPr marL="1828800" algn="l" defTabSz="457200" rtl="0" eaLnBrk="1" latinLnBrk="0" hangingPunct="1">
+      <a:defRPr sz="1200" kern="1200">
+        <a:solidFill>
+          <a:schemeClr val="tx1"/>
+        </a:solidFill>
+        <a:latin typeface="+mn-lt"/>
+        <a:ea typeface="+mn-ea"/>
+        <a:cs typeface="+mn-cs"/>
+      </a:defRPr>
+    </a:lvl5pPr>
+    <a:lvl6pPr marL="2286000" algn="l" defTabSz="457200" rtl="0" eaLnBrk="1" latinLnBrk="0" hangingPunct="1">
+      <a:defRPr sz="1200" kern="1200">
+        <a:solidFill>
+          <a:schemeClr val="tx1"/>
+        </a:solidFill>
+        <a:latin typeface="+mn-lt"/>
+        <a:ea typeface="+mn-ea"/>
+        <a:cs typeface="+mn-cs"/>
+      </a:defRPr>
+    </a:lvl6pPr>
+    <a:lvl7pPr marL="2743200" algn="l" defTabSz="457200" rtl="0" eaLnBrk="1" latinLnBrk="0" hangingPunct="1">
+      <a:defRPr sz="1200" kern="1200">
+        <a:solidFill>
+          <a:schemeClr val="tx1"/>
+        </a:solidFill>
+        <a:latin typeface="+mn-lt"/>
+        <a:ea typeface="+mn-ea"/>
+        <a:cs typeface="+mn-cs"/>
+      </a:defRPr>
+    </a:lvl7pPr>
+    <a:lvl8pPr marL="3200400" algn="l" defTabSz="457200" rtl="0" eaLnBrk="1" latinLnBrk="0" hangingPunct="1">
+      <a:defRPr sz="1200" kern="1200">
+        <a:solidFill>
+          <a:schemeClr val="tx1"/>
+        </a:solidFill>
+        <a:latin typeface="+mn-lt"/>
+        <a:ea typeface="+mn-ea"/>
+        <a:cs typeface="+mn-cs"/>
+      </a:defRPr>
+    </a:lvl8pPr>
+    <a:lvl9pPr marL="3657600" algn="l" defTabSz="457200" rtl="0" eaLnBrk="1" latinLnBrk="0" hangingPunct="1">
+      <a:defRPr sz="1200" kern="1200">
+        <a:solidFill>
+          <a:schemeClr val="tx1"/>
+        </a:solidFill>
+        <a:latin typeface="+mn-lt"/>
+        <a:ea typeface="+mn-ea"/>
+        <a:cs typeface="+mn-cs"/>
+      </a:defRPr>
+    </a:lvl9pPr>
+  </p:notesStyle>
+</p:notesMaster>
 </file>
 
 <file path=ppt/slideLayouts/slideLayout1.xml><?xml version="1.0" encoding="utf-8"?>
@@ -148,10 +683,9 @@
           <a:lstStyle/>
           <a:p>
             <a:r>
-              <a:rPr lang="en-US" smtClean="0"/>
+              <a:rPr lang="en-US"/>
               <a:t>Click to edit Master title style</a:t>
             </a:r>
-            <a:endParaRPr lang="en-US"/>
           </a:p>
         </p:txBody>
       </p:sp>
@@ -267,10 +801,9 @@
           </a:lstStyle>
           <a:p>
             <a:r>
-              <a:rPr lang="en-US" smtClean="0"/>
+              <a:rPr lang="en-US"/>
               <a:t>Click to edit Master subtitle style</a:t>
             </a:r>
-            <a:endParaRPr lang="en-US"/>
           </a:p>
         </p:txBody>
       </p:sp>
@@ -289,9 +822,10 @@
           <a:bodyPr/>
           <a:lstStyle/>
           <a:p>
-            <a:fld id="{8200BD6B-8244-4B60-902B-7E4A65828A4E}" type="datetimeFigureOut">
-              <a:rPr lang="en-US" smtClean="0"/>
-              <a:t>8/1/2013</a:t>
+            <a:fld id="{FA648EDB-ACF0-4D94-AD6E-886FF9061B35}" type="datetime1">
+              <a:rPr lang="en-US"/>
+              <a:pPr/>
+              <a:t>8/2/2013</a:t>
             </a:fld>
             <a:endParaRPr lang="en-US"/>
           </a:p>
@@ -312,7 +846,18 @@
           <a:bodyPr/>
           <a:lstStyle/>
           <a:p>
-            <a:endParaRPr lang="en-US"/>
+            <a:r>
+              <a:rPr lang="en-US" dirty="0"/>
+              <a:t>© </a:t>
+            </a:r>
+            <a:r>
+              <a:rPr lang="en-US" dirty="0" smtClean="0"/>
+              <a:t>2013 </a:t>
+            </a:r>
+            <a:r>
+              <a:rPr lang="en-US" dirty="0"/>
+              <a:t>RTI • COMPANY CONFIDENTIAL</a:t>
+            </a:r>
           </a:p>
         </p:txBody>
       </p:sp>
@@ -331,8 +876,9 @@
           <a:bodyPr/>
           <a:lstStyle/>
           <a:p>
-            <a:fld id="{BE9160CA-0E6A-4E03-8224-6D5C7645F756}" type="slidenum">
-              <a:rPr lang="en-US" smtClean="0"/>
+            <a:fld id="{72521373-5A87-4CE2-A4F6-782832E35F7C}" type="slidenum">
+              <a:rPr/>
+              <a:pPr/>
               <a:t>‹#›</a:t>
             </a:fld>
             <a:endParaRPr lang="en-US"/>
@@ -340,11 +886,6 @@
         </p:txBody>
       </p:sp>
     </p:spTree>
-    <p:extLst>
-      <p:ext uri="{BB962C8B-B14F-4D97-AF65-F5344CB8AC3E}">
-        <p14:creationId xmlns:p14="http://schemas.microsoft.com/office/powerpoint/2010/main" val="1848306820"/>
-      </p:ext>
-    </p:extLst>
   </p:cSld>
   <p:clrMapOvr>
     <a:masterClrMapping/>
@@ -385,10 +926,9 @@
           <a:lstStyle/>
           <a:p>
             <a:r>
-              <a:rPr lang="en-US" smtClean="0"/>
+              <a:rPr lang="en-US"/>
               <a:t>Click to edit Master title style</a:t>
             </a:r>
-            <a:endParaRPr lang="en-US"/>
           </a:p>
         </p:txBody>
       </p:sp>
@@ -409,38 +949,37 @@
           <a:p>
             <a:pPr lvl="0"/>
             <a:r>
-              <a:rPr lang="en-US" smtClean="0"/>
+              <a:rPr lang="en-US"/>
               <a:t>Click to edit Master text styles</a:t>
             </a:r>
           </a:p>
           <a:p>
             <a:pPr lvl="1"/>
             <a:r>
-              <a:rPr lang="en-US" smtClean="0"/>
+              <a:rPr lang="en-US"/>
               <a:t>Second level</a:t>
             </a:r>
           </a:p>
           <a:p>
             <a:pPr lvl="2"/>
             <a:r>
-              <a:rPr lang="en-US" smtClean="0"/>
+              <a:rPr lang="en-US"/>
               <a:t>Third level</a:t>
             </a:r>
           </a:p>
           <a:p>
             <a:pPr lvl="3"/>
             <a:r>
-              <a:rPr lang="en-US" smtClean="0"/>
+              <a:rPr lang="en-US"/>
               <a:t>Fourth level</a:t>
             </a:r>
           </a:p>
           <a:p>
             <a:pPr lvl="4"/>
             <a:r>
-              <a:rPr lang="en-US" smtClean="0"/>
+              <a:rPr lang="en-US"/>
               <a:t>Fifth level</a:t>
             </a:r>
-            <a:endParaRPr lang="en-US"/>
           </a:p>
         </p:txBody>
       </p:sp>
@@ -459,9 +998,10 @@
           <a:bodyPr/>
           <a:lstStyle/>
           <a:p>
-            <a:fld id="{8200BD6B-8244-4B60-902B-7E4A65828A4E}" type="datetimeFigureOut">
-              <a:rPr lang="en-US" smtClean="0"/>
-              <a:t>8/1/2013</a:t>
+            <a:fld id="{446CD745-96FE-42CF-BE21-26F7B421888A}" type="datetime1">
+              <a:rPr lang="en-US"/>
+              <a:pPr/>
+              <a:t>8/2/2013</a:t>
             </a:fld>
             <a:endParaRPr lang="en-US"/>
           </a:p>
@@ -482,7 +1022,10 @@
           <a:bodyPr/>
           <a:lstStyle/>
           <a:p>
-            <a:endParaRPr lang="en-US"/>
+            <a:r>
+              <a:rPr lang="en-US"/>
+              <a:t>© 2012 RTI • COMPANY CONFIDENTIAL</a:t>
+            </a:r>
           </a:p>
         </p:txBody>
       </p:sp>
@@ -501,8 +1044,9 @@
           <a:bodyPr/>
           <a:lstStyle/>
           <a:p>
-            <a:fld id="{BE9160CA-0E6A-4E03-8224-6D5C7645F756}" type="slidenum">
-              <a:rPr lang="en-US" smtClean="0"/>
+            <a:fld id="{72521373-5A87-4CE2-A4F6-782832E35F7C}" type="slidenum">
+              <a:rPr/>
+              <a:pPr/>
               <a:t>‹#›</a:t>
             </a:fld>
             <a:endParaRPr lang="en-US"/>
@@ -510,11 +1054,6 @@
         </p:txBody>
       </p:sp>
     </p:spTree>
-    <p:extLst>
-      <p:ext uri="{BB962C8B-B14F-4D97-AF65-F5344CB8AC3E}">
-        <p14:creationId xmlns:p14="http://schemas.microsoft.com/office/powerpoint/2010/main" val="530064644"/>
-      </p:ext>
-    </p:extLst>
   </p:cSld>
   <p:clrMapOvr>
     <a:masterClrMapping/>
@@ -560,10 +1099,9 @@
           <a:lstStyle/>
           <a:p>
             <a:r>
-              <a:rPr lang="en-US" smtClean="0"/>
+              <a:rPr lang="en-US"/>
               <a:t>Click to edit Master title style</a:t>
             </a:r>
-            <a:endParaRPr lang="en-US"/>
           </a:p>
         </p:txBody>
       </p:sp>
@@ -589,38 +1127,37 @@
           <a:p>
             <a:pPr lvl="0"/>
             <a:r>
-              <a:rPr lang="en-US" smtClean="0"/>
+              <a:rPr lang="en-US"/>
               <a:t>Click to edit Master text styles</a:t>
             </a:r>
           </a:p>
           <a:p>
             <a:pPr lvl="1"/>
             <a:r>
-              <a:rPr lang="en-US" smtClean="0"/>
+              <a:rPr lang="en-US"/>
               <a:t>Second level</a:t>
             </a:r>
           </a:p>
           <a:p>
             <a:pPr lvl="2"/>
             <a:r>
-              <a:rPr lang="en-US" smtClean="0"/>
+              <a:rPr lang="en-US"/>
               <a:t>Third level</a:t>
             </a:r>
           </a:p>
           <a:p>
             <a:pPr lvl="3"/>
             <a:r>
-              <a:rPr lang="en-US" smtClean="0"/>
+              <a:rPr lang="en-US"/>
               <a:t>Fourth level</a:t>
             </a:r>
           </a:p>
           <a:p>
             <a:pPr lvl="4"/>
             <a:r>
-              <a:rPr lang="en-US" smtClean="0"/>
+              <a:rPr lang="en-US"/>
               <a:t>Fifth level</a:t>
             </a:r>
-            <a:endParaRPr lang="en-US"/>
           </a:p>
         </p:txBody>
       </p:sp>
@@ -639,9 +1176,10 @@
           <a:bodyPr/>
           <a:lstStyle/>
           <a:p>
-            <a:fld id="{8200BD6B-8244-4B60-902B-7E4A65828A4E}" type="datetimeFigureOut">
-              <a:rPr lang="en-US" smtClean="0"/>
-              <a:t>8/1/2013</a:t>
+            <a:fld id="{4C0C39B5-DED6-44E7-B453-A75B16820C3A}" type="datetime1">
+              <a:rPr lang="en-US"/>
+              <a:pPr/>
+              <a:t>8/2/2013</a:t>
             </a:fld>
             <a:endParaRPr lang="en-US"/>
           </a:p>
@@ -662,7 +1200,10 @@
           <a:bodyPr/>
           <a:lstStyle/>
           <a:p>
-            <a:endParaRPr lang="en-US"/>
+            <a:r>
+              <a:rPr lang="en-US"/>
+              <a:t>© 2012 RTI • COMPANY CONFIDENTIAL</a:t>
+            </a:r>
           </a:p>
         </p:txBody>
       </p:sp>
@@ -681,8 +1222,9 @@
           <a:bodyPr/>
           <a:lstStyle/>
           <a:p>
-            <a:fld id="{BE9160CA-0E6A-4E03-8224-6D5C7645F756}" type="slidenum">
-              <a:rPr lang="en-US" smtClean="0"/>
+            <a:fld id="{72521373-5A87-4CE2-A4F6-782832E35F7C}" type="slidenum">
+              <a:rPr/>
+              <a:pPr/>
               <a:t>‹#›</a:t>
             </a:fld>
             <a:endParaRPr lang="en-US"/>
@@ -690,9 +1232,454 @@
         </p:txBody>
       </p:sp>
     </p:spTree>
+  </p:cSld>
+  <p:clrMapOvr>
+    <a:masterClrMapping/>
+  </p:clrMapOvr>
+</p:sldLayout>
+</file>
+
+<file path=ppt/slideLayouts/slideLayout12.xml><?xml version="1.0" encoding="utf-8"?>
+<p:sldLayout xmlns:a="http://schemas.openxmlformats.org/drawingml/2006/main" xmlns:r="http://schemas.openxmlformats.org/officeDocument/2006/relationships" xmlns:p="http://schemas.openxmlformats.org/presentationml/2006/main" type="title" preserve="1">
+  <p:cSld name="Title Slide">
+    <p:spTree>
+      <p:nvGrpSpPr>
+        <p:cNvPr id="1" name=""/>
+        <p:cNvGrpSpPr/>
+        <p:nvPr/>
+      </p:nvGrpSpPr>
+      <p:grpSpPr>
+        <a:xfrm>
+          <a:off x="0" y="0"/>
+          <a:ext cx="0" cy="0"/>
+          <a:chOff x="0" y="0"/>
+          <a:chExt cx="0" cy="0"/>
+        </a:xfrm>
+      </p:grpSpPr>
+      <p:pic>
+        <p:nvPicPr>
+          <p:cNvPr id="4" name="Picture 8" descr="RTI-2012NewTemplate-p3LIGHTtitlenologo.jpg"/>
+          <p:cNvPicPr>
+            <a:picLocks noChangeAspect="1"/>
+          </p:cNvPicPr>
+          <p:nvPr/>
+        </p:nvPicPr>
+        <p:blipFill>
+          <a:blip r:embed="rId2">
+            <a:extLst>
+              <a:ext uri="{28A0092B-C50C-407E-A947-70E740481C1C}">
+                <a14:useLocalDpi xmlns:a14="http://schemas.microsoft.com/office/drawing/2010/main" val="0"/>
+              </a:ext>
+            </a:extLst>
+          </a:blip>
+          <a:srcRect/>
+          <a:stretch>
+            <a:fillRect/>
+          </a:stretch>
+        </p:blipFill>
+        <p:spPr bwMode="auto">
+          <a:xfrm>
+            <a:off x="0" y="0"/>
+            <a:ext cx="9144000" cy="6858000"/>
+          </a:xfrm>
+          <a:prstGeom prst="rect">
+            <a:avLst/>
+          </a:prstGeom>
+          <a:noFill/>
+          <a:ln>
+            <a:noFill/>
+          </a:ln>
+          <a:extLst>
+            <a:ext uri="{909E8E84-426E-40DD-AFC4-6F175D3DCCD1}">
+              <a14:hiddenFill xmlns:a14="http://schemas.microsoft.com/office/drawing/2010/main">
+                <a:solidFill>
+                  <a:srgbClr val="FFFFFF"/>
+                </a:solidFill>
+              </a14:hiddenFill>
+            </a:ext>
+            <a:ext uri="{91240B29-F687-4F45-9708-019B960494DF}">
+              <a14:hiddenLine xmlns:a14="http://schemas.microsoft.com/office/drawing/2010/main" w="9525">
+                <a:solidFill>
+                  <a:srgbClr val="000000"/>
+                </a:solidFill>
+                <a:miter lim="800000"/>
+                <a:headEnd/>
+                <a:tailEnd/>
+              </a14:hiddenLine>
+            </a:ext>
+          </a:extLst>
+        </p:spPr>
+      </p:pic>
+      <p:sp>
+        <p:nvSpPr>
+          <p:cNvPr id="5" name="Subtitle 2"/>
+          <p:cNvSpPr txBox="1">
+            <a:spLocks/>
+          </p:cNvSpPr>
+          <p:nvPr/>
+        </p:nvSpPr>
+        <p:spPr>
+          <a:xfrm>
+            <a:off x="6335713" y="1252538"/>
+            <a:ext cx="1924050" cy="354012"/>
+          </a:xfrm>
+          <a:prstGeom prst="rect">
+            <a:avLst/>
+          </a:prstGeom>
+        </p:spPr>
+        <p:txBody>
+          <a:bodyPr lIns="0" tIns="0" rIns="0" bIns="0"/>
+          <a:lstStyle>
+            <a:lvl1pPr marL="0" indent="0" algn="l">
+              <a:lnSpc>
+                <a:spcPts val="2400"/>
+              </a:lnSpc>
+              <a:buNone/>
+              <a:defRPr sz="2400">
+                <a:solidFill>
+                  <a:schemeClr val="tx1">
+                    <a:tint val="75000"/>
+                  </a:schemeClr>
+                </a:solidFill>
+              </a:defRPr>
+            </a:lvl1pPr>
+            <a:lvl2pPr marL="457200" indent="0" algn="ctr">
+              <a:buNone/>
+              <a:defRPr>
+                <a:solidFill>
+                  <a:schemeClr val="tx1">
+                    <a:tint val="75000"/>
+                  </a:schemeClr>
+                </a:solidFill>
+              </a:defRPr>
+            </a:lvl2pPr>
+            <a:lvl3pPr marL="914400" indent="0" algn="ctr">
+              <a:buNone/>
+              <a:defRPr>
+                <a:solidFill>
+                  <a:schemeClr val="tx1">
+                    <a:tint val="75000"/>
+                  </a:schemeClr>
+                </a:solidFill>
+              </a:defRPr>
+            </a:lvl3pPr>
+            <a:lvl4pPr marL="1371600" indent="0" algn="ctr">
+              <a:buNone/>
+              <a:defRPr>
+                <a:solidFill>
+                  <a:schemeClr val="tx1">
+                    <a:tint val="75000"/>
+                  </a:schemeClr>
+                </a:solidFill>
+              </a:defRPr>
+            </a:lvl4pPr>
+            <a:lvl5pPr marL="1828800" indent="0" algn="ctr">
+              <a:buNone/>
+              <a:defRPr>
+                <a:solidFill>
+                  <a:schemeClr val="tx1">
+                    <a:tint val="75000"/>
+                  </a:schemeClr>
+                </a:solidFill>
+              </a:defRPr>
+            </a:lvl5pPr>
+            <a:lvl6pPr marL="2286000" indent="0" algn="ctr">
+              <a:buNone/>
+              <a:defRPr>
+                <a:solidFill>
+                  <a:schemeClr val="tx1">
+                    <a:tint val="75000"/>
+                  </a:schemeClr>
+                </a:solidFill>
+              </a:defRPr>
+            </a:lvl6pPr>
+            <a:lvl7pPr marL="2743200" indent="0" algn="ctr">
+              <a:buNone/>
+              <a:defRPr>
+                <a:solidFill>
+                  <a:schemeClr val="tx1">
+                    <a:tint val="75000"/>
+                  </a:schemeClr>
+                </a:solidFill>
+              </a:defRPr>
+            </a:lvl7pPr>
+            <a:lvl8pPr marL="3200400" indent="0" algn="ctr">
+              <a:buNone/>
+              <a:defRPr>
+                <a:solidFill>
+                  <a:schemeClr val="tx1">
+                    <a:tint val="75000"/>
+                  </a:schemeClr>
+                </a:solidFill>
+              </a:defRPr>
+            </a:lvl8pPr>
+            <a:lvl9pPr marL="3657600" indent="0" algn="ctr">
+              <a:buNone/>
+              <a:defRPr>
+                <a:solidFill>
+                  <a:schemeClr val="tx1">
+                    <a:tint val="75000"/>
+                  </a:schemeClr>
+                </a:solidFill>
+              </a:defRPr>
+            </a:lvl9pPr>
+          </a:lstStyle>
+          <a:p>
+            <a:pPr algn="r">
+              <a:spcBef>
+                <a:spcPct val="20000"/>
+              </a:spcBef>
+              <a:buFont typeface="Arial"/>
+              <a:buNone/>
+              <a:defRPr/>
+            </a:pPr>
+            <a:r>
+              <a:rPr lang="en-US" sz="1200">
+                <a:solidFill>
+                  <a:prstClr val="black">
+                    <a:tint val="75000"/>
+                  </a:prstClr>
+                </a:solidFill>
+              </a:rPr>
+              <a:t>Your systems. Working as one.</a:t>
+            </a:r>
+          </a:p>
+        </p:txBody>
+      </p:sp>
+      <p:pic>
+        <p:nvPicPr>
+          <p:cNvPr id="6" name="Picture 10" descr="rti-logo-FINALv2-2PMS.png"/>
+          <p:cNvPicPr>
+            <a:picLocks noChangeAspect="1"/>
+          </p:cNvPicPr>
+          <p:nvPr/>
+        </p:nvPicPr>
+        <p:blipFill>
+          <a:blip r:embed="rId3" cstate="print">
+            <a:extLst>
+              <a:ext uri="{28A0092B-C50C-407E-A947-70E740481C1C}">
+                <a14:useLocalDpi xmlns:a14="http://schemas.microsoft.com/office/drawing/2010/main" val="0"/>
+              </a:ext>
+            </a:extLst>
+          </a:blip>
+          <a:srcRect/>
+          <a:stretch>
+            <a:fillRect/>
+          </a:stretch>
+        </p:blipFill>
+        <p:spPr bwMode="auto">
+          <a:xfrm>
+            <a:off x="7581900" y="690563"/>
+            <a:ext cx="677863" cy="625475"/>
+          </a:xfrm>
+          <a:prstGeom prst="rect">
+            <a:avLst/>
+          </a:prstGeom>
+          <a:noFill/>
+          <a:ln>
+            <a:noFill/>
+          </a:ln>
+          <a:extLst>
+            <a:ext uri="{909E8E84-426E-40DD-AFC4-6F175D3DCCD1}">
+              <a14:hiddenFill xmlns:a14="http://schemas.microsoft.com/office/drawing/2010/main">
+                <a:solidFill>
+                  <a:srgbClr val="FFFFFF"/>
+                </a:solidFill>
+              </a14:hiddenFill>
+            </a:ext>
+            <a:ext uri="{91240B29-F687-4F45-9708-019B960494DF}">
+              <a14:hiddenLine xmlns:a14="http://schemas.microsoft.com/office/drawing/2010/main" w="9525">
+                <a:solidFill>
+                  <a:srgbClr val="000000"/>
+                </a:solidFill>
+                <a:miter lim="800000"/>
+                <a:headEnd/>
+                <a:tailEnd/>
+              </a14:hiddenLine>
+            </a:ext>
+          </a:extLst>
+        </p:spPr>
+      </p:pic>
+      <p:sp>
+        <p:nvSpPr>
+          <p:cNvPr id="2" name="Title 1"/>
+          <p:cNvSpPr>
+            <a:spLocks noGrp="1"/>
+          </p:cNvSpPr>
+          <p:nvPr>
+            <p:ph type="ctrTitle"/>
+          </p:nvPr>
+        </p:nvSpPr>
+        <p:spPr>
+          <a:xfrm>
+            <a:off x="685800" y="1424723"/>
+            <a:ext cx="6400800" cy="1848068"/>
+          </a:xfrm>
+        </p:spPr>
+        <p:txBody>
+          <a:bodyPr lIns="0" tIns="0" rIns="0" bIns="0" anchor="b" anchorCtr="0">
+            <a:noAutofit/>
+          </a:bodyPr>
+          <a:lstStyle>
+            <a:lvl1pPr algn="l">
+              <a:lnSpc>
+                <a:spcPts val="3200"/>
+              </a:lnSpc>
+              <a:defRPr>
+                <a:solidFill>
+                  <a:schemeClr val="tx2">
+                    <a:lumMod val="75000"/>
+                  </a:schemeClr>
+                </a:solidFill>
+              </a:defRPr>
+            </a:lvl1pPr>
+          </a:lstStyle>
+          <a:p>
+            <a:r>
+              <a:rPr lang="en-US" noProof="0" smtClean="0"/>
+              <a:t>Click to edit Master title style</a:t>
+            </a:r>
+            <a:endParaRPr lang="en-US" dirty="0"/>
+          </a:p>
+        </p:txBody>
+      </p:sp>
+      <p:sp>
+        <p:nvSpPr>
+          <p:cNvPr id="3" name="Subtitle 2"/>
+          <p:cNvSpPr>
+            <a:spLocks noGrp="1"/>
+          </p:cNvSpPr>
+          <p:nvPr>
+            <p:ph type="subTitle" idx="1"/>
+          </p:nvPr>
+        </p:nvSpPr>
+        <p:spPr>
+          <a:xfrm>
+            <a:off x="685800" y="5177846"/>
+            <a:ext cx="6400800" cy="708290"/>
+          </a:xfrm>
+        </p:spPr>
+        <p:txBody>
+          <a:bodyPr lIns="0" tIns="0" rIns="0" bIns="0">
+            <a:noAutofit/>
+          </a:bodyPr>
+          <a:lstStyle>
+            <a:lvl1pPr marL="342900" marR="0" indent="-342900" algn="l" defTabSz="457200" rtl="0" eaLnBrk="1" fontAlgn="auto" latinLnBrk="0" hangingPunct="1">
+              <a:lnSpc>
+                <a:spcPct val="100000"/>
+              </a:lnSpc>
+              <a:spcBef>
+                <a:spcPct val="20000"/>
+              </a:spcBef>
+              <a:spcAft>
+                <a:spcPts val="0"/>
+              </a:spcAft>
+              <a:buClrTx/>
+              <a:buSzTx/>
+              <a:buFont typeface="Arial"/>
+              <a:buNone/>
+              <a:tabLst/>
+              <a:defRPr sz="2000">
+                <a:solidFill>
+                  <a:srgbClr val="00509E"/>
+                </a:solidFill>
+              </a:defRPr>
+            </a:lvl1pPr>
+            <a:lvl2pPr marL="457200" indent="0" algn="ctr">
+              <a:buNone/>
+              <a:defRPr>
+                <a:solidFill>
+                  <a:schemeClr val="tx1">
+                    <a:tint val="75000"/>
+                  </a:schemeClr>
+                </a:solidFill>
+              </a:defRPr>
+            </a:lvl2pPr>
+            <a:lvl3pPr marL="914400" indent="0" algn="ctr">
+              <a:buNone/>
+              <a:defRPr>
+                <a:solidFill>
+                  <a:schemeClr val="tx1">
+                    <a:tint val="75000"/>
+                  </a:schemeClr>
+                </a:solidFill>
+              </a:defRPr>
+            </a:lvl3pPr>
+            <a:lvl4pPr marL="1371600" indent="0" algn="ctr">
+              <a:buNone/>
+              <a:defRPr>
+                <a:solidFill>
+                  <a:schemeClr val="tx1">
+                    <a:tint val="75000"/>
+                  </a:schemeClr>
+                </a:solidFill>
+              </a:defRPr>
+            </a:lvl4pPr>
+            <a:lvl5pPr marL="1828800" indent="0" algn="ctr">
+              <a:buNone/>
+              <a:defRPr>
+                <a:solidFill>
+                  <a:schemeClr val="tx1">
+                    <a:tint val="75000"/>
+                  </a:schemeClr>
+                </a:solidFill>
+              </a:defRPr>
+            </a:lvl5pPr>
+            <a:lvl6pPr marL="2286000" indent="0" algn="ctr">
+              <a:buNone/>
+              <a:defRPr>
+                <a:solidFill>
+                  <a:schemeClr val="tx1">
+                    <a:tint val="75000"/>
+                  </a:schemeClr>
+                </a:solidFill>
+              </a:defRPr>
+            </a:lvl6pPr>
+            <a:lvl7pPr marL="2743200" indent="0" algn="ctr">
+              <a:buNone/>
+              <a:defRPr>
+                <a:solidFill>
+                  <a:schemeClr val="tx1">
+                    <a:tint val="75000"/>
+                  </a:schemeClr>
+                </a:solidFill>
+              </a:defRPr>
+            </a:lvl7pPr>
+            <a:lvl8pPr marL="3200400" indent="0" algn="ctr">
+              <a:buNone/>
+              <a:defRPr>
+                <a:solidFill>
+                  <a:schemeClr val="tx1">
+                    <a:tint val="75000"/>
+                  </a:schemeClr>
+                </a:solidFill>
+              </a:defRPr>
+            </a:lvl8pPr>
+            <a:lvl9pPr marL="3657600" indent="0" algn="ctr">
+              <a:buNone/>
+              <a:defRPr>
+                <a:solidFill>
+                  <a:schemeClr val="tx1">
+                    <a:tint val="75000"/>
+                  </a:schemeClr>
+                </a:solidFill>
+              </a:defRPr>
+            </a:lvl9pPr>
+          </a:lstStyle>
+          <a:p>
+            <a:pPr lvl="0"/>
+            <a:r>
+              <a:rPr lang="en-US" noProof="0" smtClean="0"/>
+              <a:t>Click to edit Master subtitle style</a:t>
+            </a:r>
+            <a:endParaRPr lang="en-US" noProof="0" dirty="0"/>
+          </a:p>
+        </p:txBody>
+      </p:sp>
+    </p:spTree>
     <p:extLst>
       <p:ext uri="{BB962C8B-B14F-4D97-AF65-F5344CB8AC3E}">
-        <p14:creationId xmlns:p14="http://schemas.microsoft.com/office/powerpoint/2010/main" val="319724750"/>
+        <p14:creationId xmlns:p14="http://schemas.microsoft.com/office/powerpoint/2010/main" val="3641590696"/>
       </p:ext>
     </p:extLst>
   </p:cSld>
@@ -702,7 +1689,7 @@
 </p:sldLayout>
 </file>
 
-<file path=ppt/slideLayouts/slideLayout2.xml><?xml version="1.0" encoding="utf-8"?>
+<file path=ppt/slideLayouts/slideLayout13.xml><?xml version="1.0" encoding="utf-8"?>
 <p:sldLayout xmlns:a="http://schemas.openxmlformats.org/drawingml/2006/main" xmlns:r="http://schemas.openxmlformats.org/officeDocument/2006/relationships" xmlns:p="http://schemas.openxmlformats.org/presentationml/2006/main" type="obj" preserve="1">
   <p:cSld name="Title and Content">
     <p:spTree>
@@ -732,13 +1719,17 @@
         <p:spPr/>
         <p:txBody>
           <a:bodyPr/>
-          <a:lstStyle/>
+          <a:lstStyle>
+            <a:lvl1pPr algn="l">
+              <a:defRPr sz="4000"/>
+            </a:lvl1pPr>
+          </a:lstStyle>
           <a:p>
             <a:r>
               <a:rPr lang="en-US" smtClean="0"/>
               <a:t>Click to edit Master title style</a:t>
             </a:r>
-            <a:endParaRPr lang="en-US"/>
+            <a:endParaRPr lang="en-US" dirty="0"/>
           </a:p>
         </p:txBody>
       </p:sp>
@@ -755,7 +1746,25 @@
         <p:spPr/>
         <p:txBody>
           <a:bodyPr/>
-          <a:lstStyle/>
+          <a:lstStyle>
+            <a:lvl1pPr marL="292100" indent="-292100">
+              <a:buFont typeface="Arial" pitchFamily="34" charset="0"/>
+              <a:buChar char="•"/>
+              <a:defRPr/>
+            </a:lvl1pPr>
+            <a:lvl2pPr>
+              <a:defRPr sz="2800"/>
+            </a:lvl2pPr>
+            <a:lvl3pPr>
+              <a:defRPr sz="2400"/>
+            </a:lvl3pPr>
+            <a:lvl4pPr>
+              <a:defRPr sz="2000"/>
+            </a:lvl4pPr>
+            <a:lvl5pPr>
+              <a:defRPr sz="2000"/>
+            </a:lvl5pPr>
+          </a:lstStyle>
           <a:p>
             <a:pPr lvl="0"/>
             <a:r>
@@ -790,7 +1799,7 @@
               <a:rPr lang="en-US" smtClean="0"/>
               <a:t>Fifth level</a:t>
             </a:r>
-            <a:endParaRPr lang="en-US"/>
+            <a:endParaRPr lang="en-US" dirty="0"/>
           </a:p>
         </p:txBody>
       </p:sp>
@@ -804,16 +1813,40 @@
             <p:ph type="dt" sz="half" idx="10"/>
           </p:nvPr>
         </p:nvSpPr>
-        <p:spPr/>
+        <p:spPr>
+          <a:ln/>
+        </p:spPr>
         <p:txBody>
           <a:bodyPr/>
-          <a:lstStyle/>
-          <a:p>
-            <a:fld id="{8200BD6B-8244-4B60-902B-7E4A65828A4E}" type="datetimeFigureOut">
-              <a:rPr lang="en-US" smtClean="0"/>
-              <a:t>8/1/2013</a:t>
+          <a:lstStyle>
+            <a:lvl1pPr>
+              <a:defRPr/>
+            </a:lvl1pPr>
+          </a:lstStyle>
+          <a:p>
+            <a:pPr>
+              <a:defRPr/>
+            </a:pPr>
+            <a:fld id="{449681F5-0B5D-46C4-89F2-FE0CD93F6F03}" type="datetime1">
+              <a:rPr lang="en-US">
+                <a:solidFill>
+                  <a:prstClr val="black">
+                    <a:tint val="75000"/>
+                  </a:prstClr>
+                </a:solidFill>
+              </a:rPr>
+              <a:pPr>
+                <a:defRPr/>
+              </a:pPr>
+              <a:t>8/2/2013</a:t>
             </a:fld>
-            <a:endParaRPr lang="en-US"/>
+            <a:endParaRPr lang="en-US">
+              <a:solidFill>
+                <a:prstClr val="black">
+                  <a:tint val="75000"/>
+                </a:prstClr>
+              </a:solidFill>
+            </a:endParaRPr>
           </a:p>
         </p:txBody>
       </p:sp>
@@ -830,9 +1863,22 @@
         <p:spPr/>
         <p:txBody>
           <a:bodyPr/>
-          <a:lstStyle/>
-          <a:p>
-            <a:endParaRPr lang="en-US"/>
+          <a:lstStyle>
+            <a:lvl1pPr>
+              <a:defRPr/>
+            </a:lvl1pPr>
+          </a:lstStyle>
+          <a:p>
+            <a:pPr>
+              <a:defRPr/>
+            </a:pPr>
+            <a:endParaRPr lang="en-US">
+              <a:solidFill>
+                <a:prstClr val="black">
+                  <a:tint val="75000"/>
+                </a:prstClr>
+              </a:solidFill>
+            </a:endParaRPr>
           </a:p>
         </p:txBody>
       </p:sp>
@@ -846,23 +1892,47 @@
             <p:ph type="sldNum" sz="quarter" idx="12"/>
           </p:nvPr>
         </p:nvSpPr>
-        <p:spPr/>
+        <p:spPr>
+          <a:ln/>
+        </p:spPr>
         <p:txBody>
           <a:bodyPr/>
-          <a:lstStyle/>
-          <a:p>
-            <a:fld id="{BE9160CA-0E6A-4E03-8224-6D5C7645F756}" type="slidenum">
-              <a:rPr lang="en-US" smtClean="0"/>
+          <a:lstStyle>
+            <a:lvl1pPr>
+              <a:defRPr/>
+            </a:lvl1pPr>
+          </a:lstStyle>
+          <a:p>
+            <a:pPr>
+              <a:defRPr/>
+            </a:pPr>
+            <a:fld id="{03091E20-6345-46C4-B983-6384A4D9D3AA}" type="slidenum">
+              <a:rPr lang="en-US">
+                <a:solidFill>
+                  <a:prstClr val="black">
+                    <a:tint val="75000"/>
+                  </a:prstClr>
+                </a:solidFill>
+              </a:rPr>
+              <a:pPr>
+                <a:defRPr/>
+              </a:pPr>
               <a:t>‹#›</a:t>
             </a:fld>
-            <a:endParaRPr lang="en-US"/>
+            <a:endParaRPr lang="en-US">
+              <a:solidFill>
+                <a:prstClr val="black">
+                  <a:tint val="75000"/>
+                </a:prstClr>
+              </a:solidFill>
+            </a:endParaRPr>
           </a:p>
         </p:txBody>
       </p:sp>
     </p:spTree>
     <p:extLst>
       <p:ext uri="{BB962C8B-B14F-4D97-AF65-F5344CB8AC3E}">
-        <p14:creationId xmlns:p14="http://schemas.microsoft.com/office/powerpoint/2010/main" val="4116979871"/>
+        <p14:creationId xmlns:p14="http://schemas.microsoft.com/office/powerpoint/2010/main" val="781506343"/>
       </p:ext>
     </p:extLst>
   </p:cSld>
@@ -872,7 +1942,7 @@
 </p:sldLayout>
 </file>
 
-<file path=ppt/slideLayouts/slideLayout3.xml><?xml version="1.0" encoding="utf-8"?>
+<file path=ppt/slideLayouts/slideLayout14.xml><?xml version="1.0" encoding="utf-8"?>
 <p:sldLayout xmlns:a="http://schemas.openxmlformats.org/drawingml/2006/main" xmlns:r="http://schemas.openxmlformats.org/officeDocument/2006/relationships" xmlns:p="http://schemas.openxmlformats.org/presentationml/2006/main" type="secHead" preserve="1">
   <p:cSld name="Section Header">
     <p:spTree>
@@ -909,7 +1979,7 @@
           <a:bodyPr anchor="t"/>
           <a:lstStyle>
             <a:lvl1pPr algn="l">
-              <a:defRPr sz="4000" b="1" cap="all"/>
+              <a:defRPr sz="4000" b="0" cap="none"/>
             </a:lvl1pPr>
           </a:lstStyle>
           <a:p>
@@ -917,7 +1987,7 @@
               <a:rPr lang="en-US" smtClean="0"/>
               <a:t>Click to edit Master title style</a:t>
             </a:r>
-            <a:endParaRPr lang="en-US"/>
+            <a:endParaRPr lang="en-US" dirty="0"/>
           </a:p>
         </p:txBody>
       </p:sp>
@@ -1050,16 +2120,40 @@
             <p:ph type="dt" sz="half" idx="10"/>
           </p:nvPr>
         </p:nvSpPr>
-        <p:spPr/>
+        <p:spPr>
+          <a:ln/>
+        </p:spPr>
         <p:txBody>
           <a:bodyPr/>
-          <a:lstStyle/>
-          <a:p>
-            <a:fld id="{8200BD6B-8244-4B60-902B-7E4A65828A4E}" type="datetimeFigureOut">
-              <a:rPr lang="en-US" smtClean="0"/>
-              <a:t>8/1/2013</a:t>
+          <a:lstStyle>
+            <a:lvl1pPr>
+              <a:defRPr/>
+            </a:lvl1pPr>
+          </a:lstStyle>
+          <a:p>
+            <a:pPr>
+              <a:defRPr/>
+            </a:pPr>
+            <a:fld id="{4D14BC0D-E5FD-4893-B30B-2FF08907A7A8}" type="datetime1">
+              <a:rPr lang="en-US">
+                <a:solidFill>
+                  <a:prstClr val="black">
+                    <a:tint val="75000"/>
+                  </a:prstClr>
+                </a:solidFill>
+              </a:rPr>
+              <a:pPr>
+                <a:defRPr/>
+              </a:pPr>
+              <a:t>8/2/2013</a:t>
             </a:fld>
-            <a:endParaRPr lang="en-US"/>
+            <a:endParaRPr lang="en-US">
+              <a:solidFill>
+                <a:prstClr val="black">
+                  <a:tint val="75000"/>
+                </a:prstClr>
+              </a:solidFill>
+            </a:endParaRPr>
           </a:p>
         </p:txBody>
       </p:sp>
@@ -1076,9 +2170,22 @@
         <p:spPr/>
         <p:txBody>
           <a:bodyPr/>
-          <a:lstStyle/>
-          <a:p>
-            <a:endParaRPr lang="en-US"/>
+          <a:lstStyle>
+            <a:lvl1pPr>
+              <a:defRPr/>
+            </a:lvl1pPr>
+          </a:lstStyle>
+          <a:p>
+            <a:pPr>
+              <a:defRPr/>
+            </a:pPr>
+            <a:endParaRPr lang="en-US">
+              <a:solidFill>
+                <a:prstClr val="black">
+                  <a:tint val="75000"/>
+                </a:prstClr>
+              </a:solidFill>
+            </a:endParaRPr>
           </a:p>
         </p:txBody>
       </p:sp>
@@ -1092,23 +2199,47 @@
             <p:ph type="sldNum" sz="quarter" idx="12"/>
           </p:nvPr>
         </p:nvSpPr>
-        <p:spPr/>
+        <p:spPr>
+          <a:ln/>
+        </p:spPr>
         <p:txBody>
           <a:bodyPr/>
-          <a:lstStyle/>
-          <a:p>
-            <a:fld id="{BE9160CA-0E6A-4E03-8224-6D5C7645F756}" type="slidenum">
-              <a:rPr lang="en-US" smtClean="0"/>
+          <a:lstStyle>
+            <a:lvl1pPr>
+              <a:defRPr/>
+            </a:lvl1pPr>
+          </a:lstStyle>
+          <a:p>
+            <a:pPr>
+              <a:defRPr/>
+            </a:pPr>
+            <a:fld id="{00ED8825-B5C4-45FE-8C68-378D5DB92D27}" type="slidenum">
+              <a:rPr lang="en-US">
+                <a:solidFill>
+                  <a:prstClr val="black">
+                    <a:tint val="75000"/>
+                  </a:prstClr>
+                </a:solidFill>
+              </a:rPr>
+              <a:pPr>
+                <a:defRPr/>
+              </a:pPr>
               <a:t>‹#›</a:t>
             </a:fld>
-            <a:endParaRPr lang="en-US"/>
+            <a:endParaRPr lang="en-US">
+              <a:solidFill>
+                <a:prstClr val="black">
+                  <a:tint val="75000"/>
+                </a:prstClr>
+              </a:solidFill>
+            </a:endParaRPr>
           </a:p>
         </p:txBody>
       </p:sp>
     </p:spTree>
     <p:extLst>
       <p:ext uri="{BB962C8B-B14F-4D97-AF65-F5344CB8AC3E}">
-        <p14:creationId xmlns:p14="http://schemas.microsoft.com/office/powerpoint/2010/main" val="1094782964"/>
+        <p14:creationId xmlns:p14="http://schemas.microsoft.com/office/powerpoint/2010/main" val="2868706421"/>
       </p:ext>
     </p:extLst>
   </p:cSld>
@@ -1118,7 +2249,7 @@
 </p:sldLayout>
 </file>
 
-<file path=ppt/slideLayouts/slideLayout4.xml><?xml version="1.0" encoding="utf-8"?>
+<file path=ppt/slideLayouts/slideLayout15.xml><?xml version="1.0" encoding="utf-8"?>
 <p:sldLayout xmlns:a="http://schemas.openxmlformats.org/drawingml/2006/main" xmlns:r="http://schemas.openxmlformats.org/officeDocument/2006/relationships" xmlns:p="http://schemas.openxmlformats.org/presentationml/2006/main" type="twoObj" preserve="1">
   <p:cSld name="Two Content">
     <p:spTree>
@@ -1330,7 +2461,7 @@
       </p:sp>
       <p:sp>
         <p:nvSpPr>
-          <p:cNvPr id="5" name="Date Placeholder 4"/>
+          <p:cNvPr id="5" name="Date Placeholder 3"/>
           <p:cNvSpPr>
             <a:spLocks noGrp="1"/>
           </p:cNvSpPr>
@@ -1338,22 +2469,46 @@
             <p:ph type="dt" sz="half" idx="10"/>
           </p:nvPr>
         </p:nvSpPr>
-        <p:spPr/>
+        <p:spPr>
+          <a:ln/>
+        </p:spPr>
         <p:txBody>
           <a:bodyPr/>
-          <a:lstStyle/>
-          <a:p>
-            <a:fld id="{8200BD6B-8244-4B60-902B-7E4A65828A4E}" type="datetimeFigureOut">
-              <a:rPr lang="en-US" smtClean="0"/>
-              <a:t>8/1/2013</a:t>
+          <a:lstStyle>
+            <a:lvl1pPr>
+              <a:defRPr/>
+            </a:lvl1pPr>
+          </a:lstStyle>
+          <a:p>
+            <a:pPr>
+              <a:defRPr/>
+            </a:pPr>
+            <a:fld id="{B1D5CF37-225C-44A8-8074-FBE9B39674A3}" type="datetime1">
+              <a:rPr lang="en-US">
+                <a:solidFill>
+                  <a:prstClr val="black">
+                    <a:tint val="75000"/>
+                  </a:prstClr>
+                </a:solidFill>
+              </a:rPr>
+              <a:pPr>
+                <a:defRPr/>
+              </a:pPr>
+              <a:t>8/2/2013</a:t>
             </a:fld>
-            <a:endParaRPr lang="en-US"/>
-          </a:p>
-        </p:txBody>
-      </p:sp>
-      <p:sp>
-        <p:nvSpPr>
-          <p:cNvPr id="6" name="Footer Placeholder 5"/>
+            <a:endParaRPr lang="en-US">
+              <a:solidFill>
+                <a:prstClr val="black">
+                  <a:tint val="75000"/>
+                </a:prstClr>
+              </a:solidFill>
+            </a:endParaRPr>
+          </a:p>
+        </p:txBody>
+      </p:sp>
+      <p:sp>
+        <p:nvSpPr>
+          <p:cNvPr id="6" name="Footer Placeholder 4"/>
           <p:cNvSpPr>
             <a:spLocks noGrp="1"/>
           </p:cNvSpPr>
@@ -1364,15 +2519,28 @@
         <p:spPr/>
         <p:txBody>
           <a:bodyPr/>
-          <a:lstStyle/>
-          <a:p>
-            <a:endParaRPr lang="en-US"/>
-          </a:p>
-        </p:txBody>
-      </p:sp>
-      <p:sp>
-        <p:nvSpPr>
-          <p:cNvPr id="7" name="Slide Number Placeholder 6"/>
+          <a:lstStyle>
+            <a:lvl1pPr>
+              <a:defRPr/>
+            </a:lvl1pPr>
+          </a:lstStyle>
+          <a:p>
+            <a:pPr>
+              <a:defRPr/>
+            </a:pPr>
+            <a:endParaRPr lang="en-US">
+              <a:solidFill>
+                <a:prstClr val="black">
+                  <a:tint val="75000"/>
+                </a:prstClr>
+              </a:solidFill>
+            </a:endParaRPr>
+          </a:p>
+        </p:txBody>
+      </p:sp>
+      <p:sp>
+        <p:nvSpPr>
+          <p:cNvPr id="7" name="Slide Number Placeholder 5"/>
           <p:cNvSpPr>
             <a:spLocks noGrp="1"/>
           </p:cNvSpPr>
@@ -1380,23 +2548,47 @@
             <p:ph type="sldNum" sz="quarter" idx="12"/>
           </p:nvPr>
         </p:nvSpPr>
-        <p:spPr/>
+        <p:spPr>
+          <a:ln/>
+        </p:spPr>
         <p:txBody>
           <a:bodyPr/>
-          <a:lstStyle/>
-          <a:p>
-            <a:fld id="{BE9160CA-0E6A-4E03-8224-6D5C7645F756}" type="slidenum">
-              <a:rPr lang="en-US" smtClean="0"/>
+          <a:lstStyle>
+            <a:lvl1pPr>
+              <a:defRPr/>
+            </a:lvl1pPr>
+          </a:lstStyle>
+          <a:p>
+            <a:pPr>
+              <a:defRPr/>
+            </a:pPr>
+            <a:fld id="{A629AAA4-9D2E-4DA7-B528-8D1F9A27AFEE}" type="slidenum">
+              <a:rPr lang="en-US">
+                <a:solidFill>
+                  <a:prstClr val="black">
+                    <a:tint val="75000"/>
+                  </a:prstClr>
+                </a:solidFill>
+              </a:rPr>
+              <a:pPr>
+                <a:defRPr/>
+              </a:pPr>
               <a:t>‹#›</a:t>
             </a:fld>
-            <a:endParaRPr lang="en-US"/>
+            <a:endParaRPr lang="en-US">
+              <a:solidFill>
+                <a:prstClr val="black">
+                  <a:tint val="75000"/>
+                </a:prstClr>
+              </a:solidFill>
+            </a:endParaRPr>
           </a:p>
         </p:txBody>
       </p:sp>
     </p:spTree>
     <p:extLst>
       <p:ext uri="{BB962C8B-B14F-4D97-AF65-F5344CB8AC3E}">
-        <p14:creationId xmlns:p14="http://schemas.microsoft.com/office/powerpoint/2010/main" val="2238461846"/>
+        <p14:creationId xmlns:p14="http://schemas.microsoft.com/office/powerpoint/2010/main" val="1410974621"/>
       </p:ext>
     </p:extLst>
   </p:cSld>
@@ -1406,7 +2598,7 @@
 </p:sldLayout>
 </file>
 
-<file path=ppt/slideLayouts/slideLayout5.xml><?xml version="1.0" encoding="utf-8"?>
+<file path=ppt/slideLayouts/slideLayout16.xml><?xml version="1.0" encoding="utf-8"?>
 <p:sldLayout xmlns:a="http://schemas.openxmlformats.org/drawingml/2006/main" xmlns:r="http://schemas.openxmlformats.org/officeDocument/2006/relationships" xmlns:p="http://schemas.openxmlformats.org/presentationml/2006/main" type="twoTxTwoObj" preserve="1">
   <p:cSld name="Comparison">
     <p:spTree>
@@ -1752,7 +2944,7 @@
       </p:sp>
       <p:sp>
         <p:nvSpPr>
-          <p:cNvPr id="7" name="Date Placeholder 6"/>
+          <p:cNvPr id="7" name="Date Placeholder 3"/>
           <p:cNvSpPr>
             <a:spLocks noGrp="1"/>
           </p:cNvSpPr>
@@ -1760,22 +2952,46 @@
             <p:ph type="dt" sz="half" idx="10"/>
           </p:nvPr>
         </p:nvSpPr>
-        <p:spPr/>
+        <p:spPr>
+          <a:ln/>
+        </p:spPr>
         <p:txBody>
           <a:bodyPr/>
-          <a:lstStyle/>
-          <a:p>
-            <a:fld id="{8200BD6B-8244-4B60-902B-7E4A65828A4E}" type="datetimeFigureOut">
-              <a:rPr lang="en-US" smtClean="0"/>
-              <a:t>8/1/2013</a:t>
+          <a:lstStyle>
+            <a:lvl1pPr>
+              <a:defRPr/>
+            </a:lvl1pPr>
+          </a:lstStyle>
+          <a:p>
+            <a:pPr>
+              <a:defRPr/>
+            </a:pPr>
+            <a:fld id="{0A02C2A4-97A7-4FD1-A670-153096637109}" type="datetime1">
+              <a:rPr lang="en-US">
+                <a:solidFill>
+                  <a:prstClr val="black">
+                    <a:tint val="75000"/>
+                  </a:prstClr>
+                </a:solidFill>
+              </a:rPr>
+              <a:pPr>
+                <a:defRPr/>
+              </a:pPr>
+              <a:t>8/2/2013</a:t>
             </a:fld>
-            <a:endParaRPr lang="en-US"/>
-          </a:p>
-        </p:txBody>
-      </p:sp>
-      <p:sp>
-        <p:nvSpPr>
-          <p:cNvPr id="8" name="Footer Placeholder 7"/>
+            <a:endParaRPr lang="en-US">
+              <a:solidFill>
+                <a:prstClr val="black">
+                  <a:tint val="75000"/>
+                </a:prstClr>
+              </a:solidFill>
+            </a:endParaRPr>
+          </a:p>
+        </p:txBody>
+      </p:sp>
+      <p:sp>
+        <p:nvSpPr>
+          <p:cNvPr id="8" name="Footer Placeholder 4"/>
           <p:cNvSpPr>
             <a:spLocks noGrp="1"/>
           </p:cNvSpPr>
@@ -1786,15 +3002,28 @@
         <p:spPr/>
         <p:txBody>
           <a:bodyPr/>
-          <a:lstStyle/>
-          <a:p>
-            <a:endParaRPr lang="en-US"/>
-          </a:p>
-        </p:txBody>
-      </p:sp>
-      <p:sp>
-        <p:nvSpPr>
-          <p:cNvPr id="9" name="Slide Number Placeholder 8"/>
+          <a:lstStyle>
+            <a:lvl1pPr>
+              <a:defRPr/>
+            </a:lvl1pPr>
+          </a:lstStyle>
+          <a:p>
+            <a:pPr>
+              <a:defRPr/>
+            </a:pPr>
+            <a:endParaRPr lang="en-US">
+              <a:solidFill>
+                <a:prstClr val="black">
+                  <a:tint val="75000"/>
+                </a:prstClr>
+              </a:solidFill>
+            </a:endParaRPr>
+          </a:p>
+        </p:txBody>
+      </p:sp>
+      <p:sp>
+        <p:nvSpPr>
+          <p:cNvPr id="9" name="Slide Number Placeholder 5"/>
           <p:cNvSpPr>
             <a:spLocks noGrp="1"/>
           </p:cNvSpPr>
@@ -1802,23 +3031,47 @@
             <p:ph type="sldNum" sz="quarter" idx="12"/>
           </p:nvPr>
         </p:nvSpPr>
-        <p:spPr/>
+        <p:spPr>
+          <a:ln/>
+        </p:spPr>
         <p:txBody>
           <a:bodyPr/>
-          <a:lstStyle/>
-          <a:p>
-            <a:fld id="{BE9160CA-0E6A-4E03-8224-6D5C7645F756}" type="slidenum">
-              <a:rPr lang="en-US" smtClean="0"/>
+          <a:lstStyle>
+            <a:lvl1pPr>
+              <a:defRPr/>
+            </a:lvl1pPr>
+          </a:lstStyle>
+          <a:p>
+            <a:pPr>
+              <a:defRPr/>
+            </a:pPr>
+            <a:fld id="{16C72995-AFC1-4486-A9EF-F252D5040223}" type="slidenum">
+              <a:rPr lang="en-US">
+                <a:solidFill>
+                  <a:prstClr val="black">
+                    <a:tint val="75000"/>
+                  </a:prstClr>
+                </a:solidFill>
+              </a:rPr>
+              <a:pPr>
+                <a:defRPr/>
+              </a:pPr>
               <a:t>‹#›</a:t>
             </a:fld>
-            <a:endParaRPr lang="en-US"/>
+            <a:endParaRPr lang="en-US">
+              <a:solidFill>
+                <a:prstClr val="black">
+                  <a:tint val="75000"/>
+                </a:prstClr>
+              </a:solidFill>
+            </a:endParaRPr>
           </a:p>
         </p:txBody>
       </p:sp>
     </p:spTree>
     <p:extLst>
       <p:ext uri="{BB962C8B-B14F-4D97-AF65-F5344CB8AC3E}">
-        <p14:creationId xmlns:p14="http://schemas.microsoft.com/office/powerpoint/2010/main" val="3782222125"/>
+        <p14:creationId xmlns:p14="http://schemas.microsoft.com/office/powerpoint/2010/main" val="1431305122"/>
       </p:ext>
     </p:extLst>
   </p:cSld>
@@ -1828,7 +3081,7 @@
 </p:sldLayout>
 </file>
 
-<file path=ppt/slideLayouts/slideLayout6.xml><?xml version="1.0" encoding="utf-8"?>
+<file path=ppt/slideLayouts/slideLayout17.xml><?xml version="1.0" encoding="utf-8"?>
 <p:sldLayout xmlns:a="http://schemas.openxmlformats.org/drawingml/2006/main" xmlns:r="http://schemas.openxmlformats.org/officeDocument/2006/relationships" xmlns:p="http://schemas.openxmlformats.org/presentationml/2006/main" type="titleOnly" preserve="1">
   <p:cSld name="Title Only">
     <p:spTree>
@@ -1870,7 +3123,7 @@
       </p:sp>
       <p:sp>
         <p:nvSpPr>
-          <p:cNvPr id="3" name="Date Placeholder 2"/>
+          <p:cNvPr id="3" name="Date Placeholder 3"/>
           <p:cNvSpPr>
             <a:spLocks noGrp="1"/>
           </p:cNvSpPr>
@@ -1878,22 +3131,46 @@
             <p:ph type="dt" sz="half" idx="10"/>
           </p:nvPr>
         </p:nvSpPr>
-        <p:spPr/>
+        <p:spPr>
+          <a:ln/>
+        </p:spPr>
         <p:txBody>
           <a:bodyPr/>
-          <a:lstStyle/>
-          <a:p>
-            <a:fld id="{8200BD6B-8244-4B60-902B-7E4A65828A4E}" type="datetimeFigureOut">
-              <a:rPr lang="en-US" smtClean="0"/>
-              <a:t>8/1/2013</a:t>
+          <a:lstStyle>
+            <a:lvl1pPr>
+              <a:defRPr/>
+            </a:lvl1pPr>
+          </a:lstStyle>
+          <a:p>
+            <a:pPr>
+              <a:defRPr/>
+            </a:pPr>
+            <a:fld id="{FB487821-095E-427D-BB24-A6DA11D8CF91}" type="datetime1">
+              <a:rPr lang="en-US">
+                <a:solidFill>
+                  <a:prstClr val="black">
+                    <a:tint val="75000"/>
+                  </a:prstClr>
+                </a:solidFill>
+              </a:rPr>
+              <a:pPr>
+                <a:defRPr/>
+              </a:pPr>
+              <a:t>8/2/2013</a:t>
             </a:fld>
-            <a:endParaRPr lang="en-US"/>
-          </a:p>
-        </p:txBody>
-      </p:sp>
-      <p:sp>
-        <p:nvSpPr>
-          <p:cNvPr id="4" name="Footer Placeholder 3"/>
+            <a:endParaRPr lang="en-US">
+              <a:solidFill>
+                <a:prstClr val="black">
+                  <a:tint val="75000"/>
+                </a:prstClr>
+              </a:solidFill>
+            </a:endParaRPr>
+          </a:p>
+        </p:txBody>
+      </p:sp>
+      <p:sp>
+        <p:nvSpPr>
+          <p:cNvPr id="4" name="Footer Placeholder 4"/>
           <p:cNvSpPr>
             <a:spLocks noGrp="1"/>
           </p:cNvSpPr>
@@ -1904,15 +3181,28 @@
         <p:spPr/>
         <p:txBody>
           <a:bodyPr/>
-          <a:lstStyle/>
-          <a:p>
-            <a:endParaRPr lang="en-US"/>
-          </a:p>
-        </p:txBody>
-      </p:sp>
-      <p:sp>
-        <p:nvSpPr>
-          <p:cNvPr id="5" name="Slide Number Placeholder 4"/>
+          <a:lstStyle>
+            <a:lvl1pPr>
+              <a:defRPr/>
+            </a:lvl1pPr>
+          </a:lstStyle>
+          <a:p>
+            <a:pPr>
+              <a:defRPr/>
+            </a:pPr>
+            <a:endParaRPr lang="en-US">
+              <a:solidFill>
+                <a:prstClr val="black">
+                  <a:tint val="75000"/>
+                </a:prstClr>
+              </a:solidFill>
+            </a:endParaRPr>
+          </a:p>
+        </p:txBody>
+      </p:sp>
+      <p:sp>
+        <p:nvSpPr>
+          <p:cNvPr id="5" name="Slide Number Placeholder 5"/>
           <p:cNvSpPr>
             <a:spLocks noGrp="1"/>
           </p:cNvSpPr>
@@ -1920,23 +3210,47 @@
             <p:ph type="sldNum" sz="quarter" idx="12"/>
           </p:nvPr>
         </p:nvSpPr>
-        <p:spPr/>
+        <p:spPr>
+          <a:ln/>
+        </p:spPr>
         <p:txBody>
           <a:bodyPr/>
-          <a:lstStyle/>
-          <a:p>
-            <a:fld id="{BE9160CA-0E6A-4E03-8224-6D5C7645F756}" type="slidenum">
-              <a:rPr lang="en-US" smtClean="0"/>
+          <a:lstStyle>
+            <a:lvl1pPr>
+              <a:defRPr/>
+            </a:lvl1pPr>
+          </a:lstStyle>
+          <a:p>
+            <a:pPr>
+              <a:defRPr/>
+            </a:pPr>
+            <a:fld id="{19EFAD75-867C-49B3-9C1B-877AC31F0681}" type="slidenum">
+              <a:rPr lang="en-US">
+                <a:solidFill>
+                  <a:prstClr val="black">
+                    <a:tint val="75000"/>
+                  </a:prstClr>
+                </a:solidFill>
+              </a:rPr>
+              <a:pPr>
+                <a:defRPr/>
+              </a:pPr>
               <a:t>‹#›</a:t>
             </a:fld>
-            <a:endParaRPr lang="en-US"/>
+            <a:endParaRPr lang="en-US">
+              <a:solidFill>
+                <a:prstClr val="black">
+                  <a:tint val="75000"/>
+                </a:prstClr>
+              </a:solidFill>
+            </a:endParaRPr>
           </a:p>
         </p:txBody>
       </p:sp>
     </p:spTree>
     <p:extLst>
       <p:ext uri="{BB962C8B-B14F-4D97-AF65-F5344CB8AC3E}">
-        <p14:creationId xmlns:p14="http://schemas.microsoft.com/office/powerpoint/2010/main" val="1994461063"/>
+        <p14:creationId xmlns:p14="http://schemas.microsoft.com/office/powerpoint/2010/main" val="2305292678"/>
       </p:ext>
     </p:extLst>
   </p:cSld>
@@ -1946,7 +3260,7 @@
 </p:sldLayout>
 </file>
 
-<file path=ppt/slideLayouts/slideLayout7.xml><?xml version="1.0" encoding="utf-8"?>
+<file path=ppt/slideLayouts/slideLayout18.xml><?xml version="1.0" encoding="utf-8"?>
 <p:sldLayout xmlns:a="http://schemas.openxmlformats.org/drawingml/2006/main" xmlns:r="http://schemas.openxmlformats.org/officeDocument/2006/relationships" xmlns:p="http://schemas.openxmlformats.org/presentationml/2006/main" type="blank" preserve="1">
   <p:cSld name="Blank">
     <p:spTree>
@@ -1965,7 +3279,7 @@
       </p:grpSpPr>
       <p:sp>
         <p:nvSpPr>
-          <p:cNvPr id="2" name="Date Placeholder 1"/>
+          <p:cNvPr id="2" name="Date Placeholder 3"/>
           <p:cNvSpPr>
             <a:spLocks noGrp="1"/>
           </p:cNvSpPr>
@@ -1973,22 +3287,46 @@
             <p:ph type="dt" sz="half" idx="10"/>
           </p:nvPr>
         </p:nvSpPr>
-        <p:spPr/>
+        <p:spPr>
+          <a:ln/>
+        </p:spPr>
         <p:txBody>
           <a:bodyPr/>
-          <a:lstStyle/>
-          <a:p>
-            <a:fld id="{8200BD6B-8244-4B60-902B-7E4A65828A4E}" type="datetimeFigureOut">
-              <a:rPr lang="en-US" smtClean="0"/>
-              <a:t>8/1/2013</a:t>
+          <a:lstStyle>
+            <a:lvl1pPr>
+              <a:defRPr/>
+            </a:lvl1pPr>
+          </a:lstStyle>
+          <a:p>
+            <a:pPr>
+              <a:defRPr/>
+            </a:pPr>
+            <a:fld id="{E88C3BD7-21ED-4D83-AAC7-F1E41E017971}" type="datetime1">
+              <a:rPr lang="en-US">
+                <a:solidFill>
+                  <a:prstClr val="black">
+                    <a:tint val="75000"/>
+                  </a:prstClr>
+                </a:solidFill>
+              </a:rPr>
+              <a:pPr>
+                <a:defRPr/>
+              </a:pPr>
+              <a:t>8/2/2013</a:t>
             </a:fld>
-            <a:endParaRPr lang="en-US"/>
-          </a:p>
-        </p:txBody>
-      </p:sp>
-      <p:sp>
-        <p:nvSpPr>
-          <p:cNvPr id="3" name="Footer Placeholder 2"/>
+            <a:endParaRPr lang="en-US">
+              <a:solidFill>
+                <a:prstClr val="black">
+                  <a:tint val="75000"/>
+                </a:prstClr>
+              </a:solidFill>
+            </a:endParaRPr>
+          </a:p>
+        </p:txBody>
+      </p:sp>
+      <p:sp>
+        <p:nvSpPr>
+          <p:cNvPr id="3" name="Footer Placeholder 4"/>
           <p:cNvSpPr>
             <a:spLocks noGrp="1"/>
           </p:cNvSpPr>
@@ -1999,15 +3337,28 @@
         <p:spPr/>
         <p:txBody>
           <a:bodyPr/>
-          <a:lstStyle/>
-          <a:p>
-            <a:endParaRPr lang="en-US"/>
-          </a:p>
-        </p:txBody>
-      </p:sp>
-      <p:sp>
-        <p:nvSpPr>
-          <p:cNvPr id="4" name="Slide Number Placeholder 3"/>
+          <a:lstStyle>
+            <a:lvl1pPr>
+              <a:defRPr/>
+            </a:lvl1pPr>
+          </a:lstStyle>
+          <a:p>
+            <a:pPr>
+              <a:defRPr/>
+            </a:pPr>
+            <a:endParaRPr lang="en-US">
+              <a:solidFill>
+                <a:prstClr val="black">
+                  <a:tint val="75000"/>
+                </a:prstClr>
+              </a:solidFill>
+            </a:endParaRPr>
+          </a:p>
+        </p:txBody>
+      </p:sp>
+      <p:sp>
+        <p:nvSpPr>
+          <p:cNvPr id="4" name="Slide Number Placeholder 5"/>
           <p:cNvSpPr>
             <a:spLocks noGrp="1"/>
           </p:cNvSpPr>
@@ -2015,23 +3366,47 @@
             <p:ph type="sldNum" sz="quarter" idx="12"/>
           </p:nvPr>
         </p:nvSpPr>
-        <p:spPr/>
+        <p:spPr>
+          <a:ln/>
+        </p:spPr>
         <p:txBody>
           <a:bodyPr/>
-          <a:lstStyle/>
-          <a:p>
-            <a:fld id="{BE9160CA-0E6A-4E03-8224-6D5C7645F756}" type="slidenum">
-              <a:rPr lang="en-US" smtClean="0"/>
+          <a:lstStyle>
+            <a:lvl1pPr>
+              <a:defRPr/>
+            </a:lvl1pPr>
+          </a:lstStyle>
+          <a:p>
+            <a:pPr>
+              <a:defRPr/>
+            </a:pPr>
+            <a:fld id="{C4B09986-C6B0-4CA1-AD57-B0C15756154B}" type="slidenum">
+              <a:rPr lang="en-US">
+                <a:solidFill>
+                  <a:prstClr val="black">
+                    <a:tint val="75000"/>
+                  </a:prstClr>
+                </a:solidFill>
+              </a:rPr>
+              <a:pPr>
+                <a:defRPr/>
+              </a:pPr>
               <a:t>‹#›</a:t>
             </a:fld>
-            <a:endParaRPr lang="en-US"/>
+            <a:endParaRPr lang="en-US">
+              <a:solidFill>
+                <a:prstClr val="black">
+                  <a:tint val="75000"/>
+                </a:prstClr>
+              </a:solidFill>
+            </a:endParaRPr>
           </a:p>
         </p:txBody>
       </p:sp>
     </p:spTree>
     <p:extLst>
       <p:ext uri="{BB962C8B-B14F-4D97-AF65-F5344CB8AC3E}">
-        <p14:creationId xmlns:p14="http://schemas.microsoft.com/office/powerpoint/2010/main" val="3034570096"/>
+        <p14:creationId xmlns:p14="http://schemas.microsoft.com/office/powerpoint/2010/main" val="272676258"/>
       </p:ext>
     </p:extLst>
   </p:cSld>
@@ -2041,7 +3416,7 @@
 </p:sldLayout>
 </file>
 
-<file path=ppt/slideLayouts/slideLayout8.xml><?xml version="1.0" encoding="utf-8"?>
+<file path=ppt/slideLayouts/slideLayout19.xml><?xml version="1.0" encoding="utf-8"?>
 <p:sldLayout xmlns:a="http://schemas.openxmlformats.org/drawingml/2006/main" xmlns:r="http://schemas.openxmlformats.org/officeDocument/2006/relationships" xmlns:p="http://schemas.openxmlformats.org/presentationml/2006/main" type="objTx" preserve="1">
   <p:cSld name="Content with Caption">
     <p:spTree>
@@ -2242,6 +3617,1579 @@
       </p:sp>
       <p:sp>
         <p:nvSpPr>
+          <p:cNvPr id="5" name="Date Placeholder 3"/>
+          <p:cNvSpPr>
+            <a:spLocks noGrp="1"/>
+          </p:cNvSpPr>
+          <p:nvPr>
+            <p:ph type="dt" sz="half" idx="10"/>
+          </p:nvPr>
+        </p:nvSpPr>
+        <p:spPr>
+          <a:ln/>
+        </p:spPr>
+        <p:txBody>
+          <a:bodyPr/>
+          <a:lstStyle>
+            <a:lvl1pPr>
+              <a:defRPr/>
+            </a:lvl1pPr>
+          </a:lstStyle>
+          <a:p>
+            <a:pPr>
+              <a:defRPr/>
+            </a:pPr>
+            <a:fld id="{55D2491B-9DDB-4F3C-B234-431517F3413C}" type="datetime1">
+              <a:rPr lang="en-US">
+                <a:solidFill>
+                  <a:prstClr val="black">
+                    <a:tint val="75000"/>
+                  </a:prstClr>
+                </a:solidFill>
+              </a:rPr>
+              <a:pPr>
+                <a:defRPr/>
+              </a:pPr>
+              <a:t>8/2/2013</a:t>
+            </a:fld>
+            <a:endParaRPr lang="en-US">
+              <a:solidFill>
+                <a:prstClr val="black">
+                  <a:tint val="75000"/>
+                </a:prstClr>
+              </a:solidFill>
+            </a:endParaRPr>
+          </a:p>
+        </p:txBody>
+      </p:sp>
+      <p:sp>
+        <p:nvSpPr>
+          <p:cNvPr id="6" name="Footer Placeholder 4"/>
+          <p:cNvSpPr>
+            <a:spLocks noGrp="1"/>
+          </p:cNvSpPr>
+          <p:nvPr>
+            <p:ph type="ftr" sz="quarter" idx="11"/>
+          </p:nvPr>
+        </p:nvSpPr>
+        <p:spPr/>
+        <p:txBody>
+          <a:bodyPr/>
+          <a:lstStyle>
+            <a:lvl1pPr>
+              <a:defRPr/>
+            </a:lvl1pPr>
+          </a:lstStyle>
+          <a:p>
+            <a:pPr>
+              <a:defRPr/>
+            </a:pPr>
+            <a:endParaRPr lang="en-US">
+              <a:solidFill>
+                <a:prstClr val="black">
+                  <a:tint val="75000"/>
+                </a:prstClr>
+              </a:solidFill>
+            </a:endParaRPr>
+          </a:p>
+        </p:txBody>
+      </p:sp>
+      <p:sp>
+        <p:nvSpPr>
+          <p:cNvPr id="7" name="Slide Number Placeholder 5"/>
+          <p:cNvSpPr>
+            <a:spLocks noGrp="1"/>
+          </p:cNvSpPr>
+          <p:nvPr>
+            <p:ph type="sldNum" sz="quarter" idx="12"/>
+          </p:nvPr>
+        </p:nvSpPr>
+        <p:spPr>
+          <a:ln/>
+        </p:spPr>
+        <p:txBody>
+          <a:bodyPr/>
+          <a:lstStyle>
+            <a:lvl1pPr>
+              <a:defRPr/>
+            </a:lvl1pPr>
+          </a:lstStyle>
+          <a:p>
+            <a:pPr>
+              <a:defRPr/>
+            </a:pPr>
+            <a:fld id="{DAB35487-B1D7-46F6-8F9E-B7E5E979C9DA}" type="slidenum">
+              <a:rPr lang="en-US">
+                <a:solidFill>
+                  <a:prstClr val="black">
+                    <a:tint val="75000"/>
+                  </a:prstClr>
+                </a:solidFill>
+              </a:rPr>
+              <a:pPr>
+                <a:defRPr/>
+              </a:pPr>
+              <a:t>‹#›</a:t>
+            </a:fld>
+            <a:endParaRPr lang="en-US">
+              <a:solidFill>
+                <a:prstClr val="black">
+                  <a:tint val="75000"/>
+                </a:prstClr>
+              </a:solidFill>
+            </a:endParaRPr>
+          </a:p>
+        </p:txBody>
+      </p:sp>
+    </p:spTree>
+    <p:extLst>
+      <p:ext uri="{BB962C8B-B14F-4D97-AF65-F5344CB8AC3E}">
+        <p14:creationId xmlns:p14="http://schemas.microsoft.com/office/powerpoint/2010/main" val="645655518"/>
+      </p:ext>
+    </p:extLst>
+  </p:cSld>
+  <p:clrMapOvr>
+    <a:masterClrMapping/>
+  </p:clrMapOvr>
+</p:sldLayout>
+</file>
+
+<file path=ppt/slideLayouts/slideLayout2.xml><?xml version="1.0" encoding="utf-8"?>
+<p:sldLayout xmlns:a="http://schemas.openxmlformats.org/drawingml/2006/main" xmlns:r="http://schemas.openxmlformats.org/officeDocument/2006/relationships" xmlns:p="http://schemas.openxmlformats.org/presentationml/2006/main" type="obj" preserve="1">
+  <p:cSld name="Title and Content">
+    <p:spTree>
+      <p:nvGrpSpPr>
+        <p:cNvPr id="1" name=""/>
+        <p:cNvGrpSpPr/>
+        <p:nvPr/>
+      </p:nvGrpSpPr>
+      <p:grpSpPr>
+        <a:xfrm>
+          <a:off x="0" y="0"/>
+          <a:ext cx="0" cy="0"/>
+          <a:chOff x="0" y="0"/>
+          <a:chExt cx="0" cy="0"/>
+        </a:xfrm>
+      </p:grpSpPr>
+      <p:sp>
+        <p:nvSpPr>
+          <p:cNvPr id="2" name="Title 1"/>
+          <p:cNvSpPr>
+            <a:spLocks noGrp="1"/>
+          </p:cNvSpPr>
+          <p:nvPr>
+            <p:ph type="title"/>
+          </p:nvPr>
+        </p:nvSpPr>
+        <p:spPr/>
+        <p:txBody>
+          <a:bodyPr/>
+          <a:lstStyle/>
+          <a:p>
+            <a:r>
+              <a:rPr lang="en-US"/>
+              <a:t>Click to edit Master title style</a:t>
+            </a:r>
+          </a:p>
+        </p:txBody>
+      </p:sp>
+      <p:sp>
+        <p:nvSpPr>
+          <p:cNvPr id="3" name="Content Placeholder 2"/>
+          <p:cNvSpPr>
+            <a:spLocks noGrp="1"/>
+          </p:cNvSpPr>
+          <p:nvPr>
+            <p:ph idx="1"/>
+          </p:nvPr>
+        </p:nvSpPr>
+        <p:spPr>
+          <a:xfrm>
+            <a:off x="-213360" y="756920"/>
+            <a:ext cx="8229600" cy="4525963"/>
+          </a:xfrm>
+        </p:spPr>
+        <p:txBody>
+          <a:bodyPr/>
+          <a:lstStyle/>
+          <a:p>
+            <a:pPr lvl="0"/>
+            <a:r>
+              <a:rPr lang="en-US"/>
+              <a:t>Click to edit Master text styles</a:t>
+            </a:r>
+          </a:p>
+          <a:p>
+            <a:pPr lvl="1"/>
+            <a:r>
+              <a:rPr lang="en-US"/>
+              <a:t>Second level</a:t>
+            </a:r>
+          </a:p>
+          <a:p>
+            <a:pPr lvl="2"/>
+            <a:r>
+              <a:rPr lang="en-US"/>
+              <a:t>Third level</a:t>
+            </a:r>
+          </a:p>
+          <a:p>
+            <a:pPr lvl="3"/>
+            <a:r>
+              <a:rPr lang="en-US"/>
+              <a:t>Fourth level</a:t>
+            </a:r>
+          </a:p>
+          <a:p>
+            <a:pPr lvl="4"/>
+            <a:r>
+              <a:rPr lang="en-US"/>
+              <a:t>Fifth level</a:t>
+            </a:r>
+          </a:p>
+        </p:txBody>
+      </p:sp>
+      <p:sp>
+        <p:nvSpPr>
+          <p:cNvPr id="4" name="Date Placeholder 3"/>
+          <p:cNvSpPr>
+            <a:spLocks noGrp="1"/>
+          </p:cNvSpPr>
+          <p:nvPr>
+            <p:ph type="dt" sz="half" idx="10"/>
+          </p:nvPr>
+        </p:nvSpPr>
+        <p:spPr/>
+        <p:txBody>
+          <a:bodyPr/>
+          <a:lstStyle/>
+          <a:p>
+            <a:fld id="{3225E677-0B01-4D14-BFD4-F6DEDD7B37E7}" type="datetime1">
+              <a:rPr lang="en-US"/>
+              <a:pPr/>
+              <a:t>8/2/2013</a:t>
+            </a:fld>
+            <a:endParaRPr lang="en-US"/>
+          </a:p>
+        </p:txBody>
+      </p:sp>
+      <p:sp>
+        <p:nvSpPr>
+          <p:cNvPr id="5" name="Footer Placeholder 4"/>
+          <p:cNvSpPr>
+            <a:spLocks noGrp="1"/>
+          </p:cNvSpPr>
+          <p:nvPr>
+            <p:ph type="ftr" sz="quarter" idx="11"/>
+          </p:nvPr>
+        </p:nvSpPr>
+        <p:spPr/>
+        <p:txBody>
+          <a:bodyPr/>
+          <a:lstStyle/>
+          <a:p>
+            <a:r>
+              <a:rPr lang="en-US" dirty="0"/>
+              <a:t>© </a:t>
+            </a:r>
+            <a:r>
+              <a:rPr lang="en-US" dirty="0" smtClean="0"/>
+              <a:t>2013 </a:t>
+            </a:r>
+            <a:r>
+              <a:rPr lang="en-US" dirty="0"/>
+              <a:t>RTI • COMPANY CONFIDENTIAL</a:t>
+            </a:r>
+          </a:p>
+        </p:txBody>
+      </p:sp>
+      <p:sp>
+        <p:nvSpPr>
+          <p:cNvPr id="6" name="Slide Number Placeholder 5"/>
+          <p:cNvSpPr>
+            <a:spLocks noGrp="1"/>
+          </p:cNvSpPr>
+          <p:nvPr>
+            <p:ph type="sldNum" sz="quarter" idx="12"/>
+          </p:nvPr>
+        </p:nvSpPr>
+        <p:spPr/>
+        <p:txBody>
+          <a:bodyPr/>
+          <a:lstStyle/>
+          <a:p>
+            <a:fld id="{72521373-5A87-4CE2-A4F6-782832E35F7C}" type="slidenum">
+              <a:rPr/>
+              <a:pPr/>
+              <a:t>‹#›</a:t>
+            </a:fld>
+            <a:endParaRPr lang="en-US"/>
+          </a:p>
+        </p:txBody>
+      </p:sp>
+    </p:spTree>
+  </p:cSld>
+  <p:clrMapOvr>
+    <a:masterClrMapping/>
+  </p:clrMapOvr>
+</p:sldLayout>
+</file>
+
+<file path=ppt/slideLayouts/slideLayout20.xml><?xml version="1.0" encoding="utf-8"?>
+<p:sldLayout xmlns:a="http://schemas.openxmlformats.org/drawingml/2006/main" xmlns:r="http://schemas.openxmlformats.org/officeDocument/2006/relationships" xmlns:p="http://schemas.openxmlformats.org/presentationml/2006/main" type="picTx" preserve="1">
+  <p:cSld name="Picture with Caption">
+    <p:spTree>
+      <p:nvGrpSpPr>
+        <p:cNvPr id="1" name=""/>
+        <p:cNvGrpSpPr/>
+        <p:nvPr/>
+      </p:nvGrpSpPr>
+      <p:grpSpPr>
+        <a:xfrm>
+          <a:off x="0" y="0"/>
+          <a:ext cx="0" cy="0"/>
+          <a:chOff x="0" y="0"/>
+          <a:chExt cx="0" cy="0"/>
+        </a:xfrm>
+      </p:grpSpPr>
+      <p:sp>
+        <p:nvSpPr>
+          <p:cNvPr id="2" name="Title 1"/>
+          <p:cNvSpPr>
+            <a:spLocks noGrp="1"/>
+          </p:cNvSpPr>
+          <p:nvPr>
+            <p:ph type="title"/>
+          </p:nvPr>
+        </p:nvSpPr>
+        <p:spPr>
+          <a:xfrm>
+            <a:off x="1792288" y="4800600"/>
+            <a:ext cx="5486400" cy="566738"/>
+          </a:xfrm>
+        </p:spPr>
+        <p:txBody>
+          <a:bodyPr anchor="b"/>
+          <a:lstStyle>
+            <a:lvl1pPr algn="l">
+              <a:defRPr sz="2000" b="1"/>
+            </a:lvl1pPr>
+          </a:lstStyle>
+          <a:p>
+            <a:r>
+              <a:rPr lang="en-US" smtClean="0"/>
+              <a:t>Click to edit Master title style</a:t>
+            </a:r>
+            <a:endParaRPr lang="en-US"/>
+          </a:p>
+        </p:txBody>
+      </p:sp>
+      <p:sp>
+        <p:nvSpPr>
+          <p:cNvPr id="3" name="Picture Placeholder 2"/>
+          <p:cNvSpPr>
+            <a:spLocks noGrp="1"/>
+          </p:cNvSpPr>
+          <p:nvPr>
+            <p:ph type="pic" idx="1"/>
+          </p:nvPr>
+        </p:nvSpPr>
+        <p:spPr>
+          <a:xfrm>
+            <a:off x="1792288" y="612775"/>
+            <a:ext cx="5486400" cy="4114800"/>
+          </a:xfrm>
+        </p:spPr>
+        <p:txBody>
+          <a:bodyPr rtlCol="0">
+            <a:normAutofit/>
+          </a:bodyPr>
+          <a:lstStyle>
+            <a:lvl1pPr marL="0" indent="0">
+              <a:buNone/>
+              <a:defRPr sz="3200"/>
+            </a:lvl1pPr>
+            <a:lvl2pPr marL="457200" indent="0">
+              <a:buNone/>
+              <a:defRPr sz="2800"/>
+            </a:lvl2pPr>
+            <a:lvl3pPr marL="914400" indent="0">
+              <a:buNone/>
+              <a:defRPr sz="2400"/>
+            </a:lvl3pPr>
+            <a:lvl4pPr marL="1371600" indent="0">
+              <a:buNone/>
+              <a:defRPr sz="2000"/>
+            </a:lvl4pPr>
+            <a:lvl5pPr marL="1828800" indent="0">
+              <a:buNone/>
+              <a:defRPr sz="2000"/>
+            </a:lvl5pPr>
+            <a:lvl6pPr marL="2286000" indent="0">
+              <a:buNone/>
+              <a:defRPr sz="2000"/>
+            </a:lvl6pPr>
+            <a:lvl7pPr marL="2743200" indent="0">
+              <a:buNone/>
+              <a:defRPr sz="2000"/>
+            </a:lvl7pPr>
+            <a:lvl8pPr marL="3200400" indent="0">
+              <a:buNone/>
+              <a:defRPr sz="2000"/>
+            </a:lvl8pPr>
+            <a:lvl9pPr marL="3657600" indent="0">
+              <a:buNone/>
+              <a:defRPr sz="2000"/>
+            </a:lvl9pPr>
+          </a:lstStyle>
+          <a:p>
+            <a:pPr lvl="0"/>
+            <a:r>
+              <a:rPr lang="en-US" noProof="0" smtClean="0"/>
+              <a:t>Click icon to add picture</a:t>
+            </a:r>
+            <a:endParaRPr lang="en-US" noProof="0"/>
+          </a:p>
+        </p:txBody>
+      </p:sp>
+      <p:sp>
+        <p:nvSpPr>
+          <p:cNvPr id="4" name="Text Placeholder 3"/>
+          <p:cNvSpPr>
+            <a:spLocks noGrp="1"/>
+          </p:cNvSpPr>
+          <p:nvPr>
+            <p:ph type="body" sz="half" idx="2"/>
+          </p:nvPr>
+        </p:nvSpPr>
+        <p:spPr>
+          <a:xfrm>
+            <a:off x="1792288" y="5367338"/>
+            <a:ext cx="5486400" cy="804862"/>
+          </a:xfrm>
+        </p:spPr>
+        <p:txBody>
+          <a:bodyPr/>
+          <a:lstStyle>
+            <a:lvl1pPr marL="0" indent="0">
+              <a:buNone/>
+              <a:defRPr sz="1400"/>
+            </a:lvl1pPr>
+            <a:lvl2pPr marL="457200" indent="0">
+              <a:buNone/>
+              <a:defRPr sz="1200"/>
+            </a:lvl2pPr>
+            <a:lvl3pPr marL="914400" indent="0">
+              <a:buNone/>
+              <a:defRPr sz="1000"/>
+            </a:lvl3pPr>
+            <a:lvl4pPr marL="1371600" indent="0">
+              <a:buNone/>
+              <a:defRPr sz="900"/>
+            </a:lvl4pPr>
+            <a:lvl5pPr marL="1828800" indent="0">
+              <a:buNone/>
+              <a:defRPr sz="900"/>
+            </a:lvl5pPr>
+            <a:lvl6pPr marL="2286000" indent="0">
+              <a:buNone/>
+              <a:defRPr sz="900"/>
+            </a:lvl6pPr>
+            <a:lvl7pPr marL="2743200" indent="0">
+              <a:buNone/>
+              <a:defRPr sz="900"/>
+            </a:lvl7pPr>
+            <a:lvl8pPr marL="3200400" indent="0">
+              <a:buNone/>
+              <a:defRPr sz="900"/>
+            </a:lvl8pPr>
+            <a:lvl9pPr marL="3657600" indent="0">
+              <a:buNone/>
+              <a:defRPr sz="900"/>
+            </a:lvl9pPr>
+          </a:lstStyle>
+          <a:p>
+            <a:pPr lvl="0"/>
+            <a:r>
+              <a:rPr lang="en-US" smtClean="0"/>
+              <a:t>Click to edit Master text styles</a:t>
+            </a:r>
+          </a:p>
+        </p:txBody>
+      </p:sp>
+      <p:sp>
+        <p:nvSpPr>
+          <p:cNvPr id="5" name="Date Placeholder 3"/>
+          <p:cNvSpPr>
+            <a:spLocks noGrp="1"/>
+          </p:cNvSpPr>
+          <p:nvPr>
+            <p:ph type="dt" sz="half" idx="10"/>
+          </p:nvPr>
+        </p:nvSpPr>
+        <p:spPr>
+          <a:ln/>
+        </p:spPr>
+        <p:txBody>
+          <a:bodyPr/>
+          <a:lstStyle>
+            <a:lvl1pPr>
+              <a:defRPr/>
+            </a:lvl1pPr>
+          </a:lstStyle>
+          <a:p>
+            <a:pPr>
+              <a:defRPr/>
+            </a:pPr>
+            <a:fld id="{94D00860-704B-410F-BAFD-BDFB7A52E8D7}" type="datetime1">
+              <a:rPr lang="en-US">
+                <a:solidFill>
+                  <a:prstClr val="black">
+                    <a:tint val="75000"/>
+                  </a:prstClr>
+                </a:solidFill>
+              </a:rPr>
+              <a:pPr>
+                <a:defRPr/>
+              </a:pPr>
+              <a:t>8/2/2013</a:t>
+            </a:fld>
+            <a:endParaRPr lang="en-US">
+              <a:solidFill>
+                <a:prstClr val="black">
+                  <a:tint val="75000"/>
+                </a:prstClr>
+              </a:solidFill>
+            </a:endParaRPr>
+          </a:p>
+        </p:txBody>
+      </p:sp>
+      <p:sp>
+        <p:nvSpPr>
+          <p:cNvPr id="6" name="Footer Placeholder 4"/>
+          <p:cNvSpPr>
+            <a:spLocks noGrp="1"/>
+          </p:cNvSpPr>
+          <p:nvPr>
+            <p:ph type="ftr" sz="quarter" idx="11"/>
+          </p:nvPr>
+        </p:nvSpPr>
+        <p:spPr/>
+        <p:txBody>
+          <a:bodyPr/>
+          <a:lstStyle>
+            <a:lvl1pPr>
+              <a:defRPr/>
+            </a:lvl1pPr>
+          </a:lstStyle>
+          <a:p>
+            <a:pPr>
+              <a:defRPr/>
+            </a:pPr>
+            <a:endParaRPr lang="en-US">
+              <a:solidFill>
+                <a:prstClr val="black">
+                  <a:tint val="75000"/>
+                </a:prstClr>
+              </a:solidFill>
+            </a:endParaRPr>
+          </a:p>
+        </p:txBody>
+      </p:sp>
+      <p:sp>
+        <p:nvSpPr>
+          <p:cNvPr id="7" name="Slide Number Placeholder 5"/>
+          <p:cNvSpPr>
+            <a:spLocks noGrp="1"/>
+          </p:cNvSpPr>
+          <p:nvPr>
+            <p:ph type="sldNum" sz="quarter" idx="12"/>
+          </p:nvPr>
+        </p:nvSpPr>
+        <p:spPr>
+          <a:ln/>
+        </p:spPr>
+        <p:txBody>
+          <a:bodyPr/>
+          <a:lstStyle>
+            <a:lvl1pPr>
+              <a:defRPr/>
+            </a:lvl1pPr>
+          </a:lstStyle>
+          <a:p>
+            <a:pPr>
+              <a:defRPr/>
+            </a:pPr>
+            <a:fld id="{50014F2C-F487-4928-9396-990257059DBC}" type="slidenum">
+              <a:rPr lang="en-US">
+                <a:solidFill>
+                  <a:prstClr val="black">
+                    <a:tint val="75000"/>
+                  </a:prstClr>
+                </a:solidFill>
+              </a:rPr>
+              <a:pPr>
+                <a:defRPr/>
+              </a:pPr>
+              <a:t>‹#›</a:t>
+            </a:fld>
+            <a:endParaRPr lang="en-US">
+              <a:solidFill>
+                <a:prstClr val="black">
+                  <a:tint val="75000"/>
+                </a:prstClr>
+              </a:solidFill>
+            </a:endParaRPr>
+          </a:p>
+        </p:txBody>
+      </p:sp>
+    </p:spTree>
+    <p:extLst>
+      <p:ext uri="{BB962C8B-B14F-4D97-AF65-F5344CB8AC3E}">
+        <p14:creationId xmlns:p14="http://schemas.microsoft.com/office/powerpoint/2010/main" val="1465097005"/>
+      </p:ext>
+    </p:extLst>
+  </p:cSld>
+  <p:clrMapOvr>
+    <a:masterClrMapping/>
+  </p:clrMapOvr>
+</p:sldLayout>
+</file>
+
+<file path=ppt/slideLayouts/slideLayout21.xml><?xml version="1.0" encoding="utf-8"?>
+<p:sldLayout xmlns:a="http://schemas.openxmlformats.org/drawingml/2006/main" xmlns:r="http://schemas.openxmlformats.org/officeDocument/2006/relationships" xmlns:p="http://schemas.openxmlformats.org/presentationml/2006/main" type="vertTx" preserve="1">
+  <p:cSld name="Title and Vertical Text">
+    <p:spTree>
+      <p:nvGrpSpPr>
+        <p:cNvPr id="1" name=""/>
+        <p:cNvGrpSpPr/>
+        <p:nvPr/>
+      </p:nvGrpSpPr>
+      <p:grpSpPr>
+        <a:xfrm>
+          <a:off x="0" y="0"/>
+          <a:ext cx="0" cy="0"/>
+          <a:chOff x="0" y="0"/>
+          <a:chExt cx="0" cy="0"/>
+        </a:xfrm>
+      </p:grpSpPr>
+      <p:sp>
+        <p:nvSpPr>
+          <p:cNvPr id="2" name="Title 1"/>
+          <p:cNvSpPr>
+            <a:spLocks noGrp="1"/>
+          </p:cNvSpPr>
+          <p:nvPr>
+            <p:ph type="title"/>
+          </p:nvPr>
+        </p:nvSpPr>
+        <p:spPr/>
+        <p:txBody>
+          <a:bodyPr/>
+          <a:lstStyle/>
+          <a:p>
+            <a:r>
+              <a:rPr lang="en-US" smtClean="0"/>
+              <a:t>Click to edit Master title style</a:t>
+            </a:r>
+            <a:endParaRPr lang="en-US"/>
+          </a:p>
+        </p:txBody>
+      </p:sp>
+      <p:sp>
+        <p:nvSpPr>
+          <p:cNvPr id="3" name="Vertical Text Placeholder 2"/>
+          <p:cNvSpPr>
+            <a:spLocks noGrp="1"/>
+          </p:cNvSpPr>
+          <p:nvPr>
+            <p:ph type="body" orient="vert" idx="1"/>
+          </p:nvPr>
+        </p:nvSpPr>
+        <p:spPr/>
+        <p:txBody>
+          <a:bodyPr vert="eaVert"/>
+          <a:lstStyle/>
+          <a:p>
+            <a:pPr lvl="0"/>
+            <a:r>
+              <a:rPr lang="en-US" smtClean="0"/>
+              <a:t>Click to edit Master text styles</a:t>
+            </a:r>
+          </a:p>
+          <a:p>
+            <a:pPr lvl="1"/>
+            <a:r>
+              <a:rPr lang="en-US" smtClean="0"/>
+              <a:t>Second level</a:t>
+            </a:r>
+          </a:p>
+          <a:p>
+            <a:pPr lvl="2"/>
+            <a:r>
+              <a:rPr lang="en-US" smtClean="0"/>
+              <a:t>Third level</a:t>
+            </a:r>
+          </a:p>
+          <a:p>
+            <a:pPr lvl="3"/>
+            <a:r>
+              <a:rPr lang="en-US" smtClean="0"/>
+              <a:t>Fourth level</a:t>
+            </a:r>
+          </a:p>
+          <a:p>
+            <a:pPr lvl="4"/>
+            <a:r>
+              <a:rPr lang="en-US" smtClean="0"/>
+              <a:t>Fifth level</a:t>
+            </a:r>
+            <a:endParaRPr lang="en-US"/>
+          </a:p>
+        </p:txBody>
+      </p:sp>
+      <p:sp>
+        <p:nvSpPr>
+          <p:cNvPr id="4" name="Date Placeholder 3"/>
+          <p:cNvSpPr>
+            <a:spLocks noGrp="1"/>
+          </p:cNvSpPr>
+          <p:nvPr>
+            <p:ph type="dt" sz="half" idx="10"/>
+          </p:nvPr>
+        </p:nvSpPr>
+        <p:spPr>
+          <a:ln/>
+        </p:spPr>
+        <p:txBody>
+          <a:bodyPr/>
+          <a:lstStyle>
+            <a:lvl1pPr>
+              <a:defRPr/>
+            </a:lvl1pPr>
+          </a:lstStyle>
+          <a:p>
+            <a:pPr>
+              <a:defRPr/>
+            </a:pPr>
+            <a:fld id="{4111D0C0-8A01-4E6F-832E-2B0441A06F41}" type="datetime1">
+              <a:rPr lang="en-US">
+                <a:solidFill>
+                  <a:prstClr val="black">
+                    <a:tint val="75000"/>
+                  </a:prstClr>
+                </a:solidFill>
+              </a:rPr>
+              <a:pPr>
+                <a:defRPr/>
+              </a:pPr>
+              <a:t>8/2/2013</a:t>
+            </a:fld>
+            <a:endParaRPr lang="en-US">
+              <a:solidFill>
+                <a:prstClr val="black">
+                  <a:tint val="75000"/>
+                </a:prstClr>
+              </a:solidFill>
+            </a:endParaRPr>
+          </a:p>
+        </p:txBody>
+      </p:sp>
+      <p:sp>
+        <p:nvSpPr>
+          <p:cNvPr id="5" name="Footer Placeholder 4"/>
+          <p:cNvSpPr>
+            <a:spLocks noGrp="1"/>
+          </p:cNvSpPr>
+          <p:nvPr>
+            <p:ph type="ftr" sz="quarter" idx="11"/>
+          </p:nvPr>
+        </p:nvSpPr>
+        <p:spPr/>
+        <p:txBody>
+          <a:bodyPr/>
+          <a:lstStyle>
+            <a:lvl1pPr>
+              <a:defRPr/>
+            </a:lvl1pPr>
+          </a:lstStyle>
+          <a:p>
+            <a:pPr>
+              <a:defRPr/>
+            </a:pPr>
+            <a:endParaRPr lang="en-US">
+              <a:solidFill>
+                <a:prstClr val="black">
+                  <a:tint val="75000"/>
+                </a:prstClr>
+              </a:solidFill>
+            </a:endParaRPr>
+          </a:p>
+        </p:txBody>
+      </p:sp>
+      <p:sp>
+        <p:nvSpPr>
+          <p:cNvPr id="6" name="Slide Number Placeholder 5"/>
+          <p:cNvSpPr>
+            <a:spLocks noGrp="1"/>
+          </p:cNvSpPr>
+          <p:nvPr>
+            <p:ph type="sldNum" sz="quarter" idx="12"/>
+          </p:nvPr>
+        </p:nvSpPr>
+        <p:spPr>
+          <a:ln/>
+        </p:spPr>
+        <p:txBody>
+          <a:bodyPr/>
+          <a:lstStyle>
+            <a:lvl1pPr>
+              <a:defRPr/>
+            </a:lvl1pPr>
+          </a:lstStyle>
+          <a:p>
+            <a:pPr>
+              <a:defRPr/>
+            </a:pPr>
+            <a:fld id="{3AF5E124-983E-4593-9C47-7F895B6EC3D4}" type="slidenum">
+              <a:rPr lang="en-US">
+                <a:solidFill>
+                  <a:prstClr val="black">
+                    <a:tint val="75000"/>
+                  </a:prstClr>
+                </a:solidFill>
+              </a:rPr>
+              <a:pPr>
+                <a:defRPr/>
+              </a:pPr>
+              <a:t>‹#›</a:t>
+            </a:fld>
+            <a:endParaRPr lang="en-US">
+              <a:solidFill>
+                <a:prstClr val="black">
+                  <a:tint val="75000"/>
+                </a:prstClr>
+              </a:solidFill>
+            </a:endParaRPr>
+          </a:p>
+        </p:txBody>
+      </p:sp>
+    </p:spTree>
+    <p:extLst>
+      <p:ext uri="{BB962C8B-B14F-4D97-AF65-F5344CB8AC3E}">
+        <p14:creationId xmlns:p14="http://schemas.microsoft.com/office/powerpoint/2010/main" val="1438874414"/>
+      </p:ext>
+    </p:extLst>
+  </p:cSld>
+  <p:clrMapOvr>
+    <a:masterClrMapping/>
+  </p:clrMapOvr>
+</p:sldLayout>
+</file>
+
+<file path=ppt/slideLayouts/slideLayout22.xml><?xml version="1.0" encoding="utf-8"?>
+<p:sldLayout xmlns:a="http://schemas.openxmlformats.org/drawingml/2006/main" xmlns:r="http://schemas.openxmlformats.org/officeDocument/2006/relationships" xmlns:p="http://schemas.openxmlformats.org/presentationml/2006/main" type="vertTitleAndTx" preserve="1">
+  <p:cSld name="Vertical Title and Text">
+    <p:spTree>
+      <p:nvGrpSpPr>
+        <p:cNvPr id="1" name=""/>
+        <p:cNvGrpSpPr/>
+        <p:nvPr/>
+      </p:nvGrpSpPr>
+      <p:grpSpPr>
+        <a:xfrm>
+          <a:off x="0" y="0"/>
+          <a:ext cx="0" cy="0"/>
+          <a:chOff x="0" y="0"/>
+          <a:chExt cx="0" cy="0"/>
+        </a:xfrm>
+      </p:grpSpPr>
+      <p:sp>
+        <p:nvSpPr>
+          <p:cNvPr id="2" name="Vertical Title 1"/>
+          <p:cNvSpPr>
+            <a:spLocks noGrp="1"/>
+          </p:cNvSpPr>
+          <p:nvPr>
+            <p:ph type="title" orient="vert"/>
+          </p:nvPr>
+        </p:nvSpPr>
+        <p:spPr>
+          <a:xfrm>
+            <a:off x="6629400" y="274638"/>
+            <a:ext cx="2057400" cy="5851525"/>
+          </a:xfrm>
+        </p:spPr>
+        <p:txBody>
+          <a:bodyPr vert="eaVert"/>
+          <a:lstStyle/>
+          <a:p>
+            <a:r>
+              <a:rPr lang="en-US" smtClean="0"/>
+              <a:t>Click to edit Master title style</a:t>
+            </a:r>
+            <a:endParaRPr lang="en-US"/>
+          </a:p>
+        </p:txBody>
+      </p:sp>
+      <p:sp>
+        <p:nvSpPr>
+          <p:cNvPr id="3" name="Vertical Text Placeholder 2"/>
+          <p:cNvSpPr>
+            <a:spLocks noGrp="1"/>
+          </p:cNvSpPr>
+          <p:nvPr>
+            <p:ph type="body" orient="vert" idx="1"/>
+          </p:nvPr>
+        </p:nvSpPr>
+        <p:spPr>
+          <a:xfrm>
+            <a:off x="457200" y="274638"/>
+            <a:ext cx="6019800" cy="5851525"/>
+          </a:xfrm>
+        </p:spPr>
+        <p:txBody>
+          <a:bodyPr vert="eaVert"/>
+          <a:lstStyle/>
+          <a:p>
+            <a:pPr lvl="0"/>
+            <a:r>
+              <a:rPr lang="en-US" smtClean="0"/>
+              <a:t>Click to edit Master text styles</a:t>
+            </a:r>
+          </a:p>
+          <a:p>
+            <a:pPr lvl="1"/>
+            <a:r>
+              <a:rPr lang="en-US" smtClean="0"/>
+              <a:t>Second level</a:t>
+            </a:r>
+          </a:p>
+          <a:p>
+            <a:pPr lvl="2"/>
+            <a:r>
+              <a:rPr lang="en-US" smtClean="0"/>
+              <a:t>Third level</a:t>
+            </a:r>
+          </a:p>
+          <a:p>
+            <a:pPr lvl="3"/>
+            <a:r>
+              <a:rPr lang="en-US" smtClean="0"/>
+              <a:t>Fourth level</a:t>
+            </a:r>
+          </a:p>
+          <a:p>
+            <a:pPr lvl="4"/>
+            <a:r>
+              <a:rPr lang="en-US" smtClean="0"/>
+              <a:t>Fifth level</a:t>
+            </a:r>
+            <a:endParaRPr lang="en-US"/>
+          </a:p>
+        </p:txBody>
+      </p:sp>
+      <p:sp>
+        <p:nvSpPr>
+          <p:cNvPr id="4" name="Date Placeholder 3"/>
+          <p:cNvSpPr>
+            <a:spLocks noGrp="1"/>
+          </p:cNvSpPr>
+          <p:nvPr>
+            <p:ph type="dt" sz="half" idx="10"/>
+          </p:nvPr>
+        </p:nvSpPr>
+        <p:spPr>
+          <a:ln/>
+        </p:spPr>
+        <p:txBody>
+          <a:bodyPr/>
+          <a:lstStyle>
+            <a:lvl1pPr>
+              <a:defRPr/>
+            </a:lvl1pPr>
+          </a:lstStyle>
+          <a:p>
+            <a:pPr>
+              <a:defRPr/>
+            </a:pPr>
+            <a:fld id="{C4A7BEDB-EE24-467F-88DF-63DE041A6ACD}" type="datetime1">
+              <a:rPr lang="en-US">
+                <a:solidFill>
+                  <a:prstClr val="black">
+                    <a:tint val="75000"/>
+                  </a:prstClr>
+                </a:solidFill>
+              </a:rPr>
+              <a:pPr>
+                <a:defRPr/>
+              </a:pPr>
+              <a:t>8/2/2013</a:t>
+            </a:fld>
+            <a:endParaRPr lang="en-US">
+              <a:solidFill>
+                <a:prstClr val="black">
+                  <a:tint val="75000"/>
+                </a:prstClr>
+              </a:solidFill>
+            </a:endParaRPr>
+          </a:p>
+        </p:txBody>
+      </p:sp>
+      <p:sp>
+        <p:nvSpPr>
+          <p:cNvPr id="5" name="Footer Placeholder 4"/>
+          <p:cNvSpPr>
+            <a:spLocks noGrp="1"/>
+          </p:cNvSpPr>
+          <p:nvPr>
+            <p:ph type="ftr" sz="quarter" idx="11"/>
+          </p:nvPr>
+        </p:nvSpPr>
+        <p:spPr/>
+        <p:txBody>
+          <a:bodyPr/>
+          <a:lstStyle>
+            <a:lvl1pPr>
+              <a:defRPr/>
+            </a:lvl1pPr>
+          </a:lstStyle>
+          <a:p>
+            <a:pPr>
+              <a:defRPr/>
+            </a:pPr>
+            <a:endParaRPr lang="en-US">
+              <a:solidFill>
+                <a:prstClr val="black">
+                  <a:tint val="75000"/>
+                </a:prstClr>
+              </a:solidFill>
+            </a:endParaRPr>
+          </a:p>
+        </p:txBody>
+      </p:sp>
+      <p:sp>
+        <p:nvSpPr>
+          <p:cNvPr id="6" name="Slide Number Placeholder 5"/>
+          <p:cNvSpPr>
+            <a:spLocks noGrp="1"/>
+          </p:cNvSpPr>
+          <p:nvPr>
+            <p:ph type="sldNum" sz="quarter" idx="12"/>
+          </p:nvPr>
+        </p:nvSpPr>
+        <p:spPr>
+          <a:ln/>
+        </p:spPr>
+        <p:txBody>
+          <a:bodyPr/>
+          <a:lstStyle>
+            <a:lvl1pPr>
+              <a:defRPr/>
+            </a:lvl1pPr>
+          </a:lstStyle>
+          <a:p>
+            <a:pPr>
+              <a:defRPr/>
+            </a:pPr>
+            <a:fld id="{DA08EE9C-12D8-4E45-A689-ADC4E3B0CCEA}" type="slidenum">
+              <a:rPr lang="en-US">
+                <a:solidFill>
+                  <a:prstClr val="black">
+                    <a:tint val="75000"/>
+                  </a:prstClr>
+                </a:solidFill>
+              </a:rPr>
+              <a:pPr>
+                <a:defRPr/>
+              </a:pPr>
+              <a:t>‹#›</a:t>
+            </a:fld>
+            <a:endParaRPr lang="en-US">
+              <a:solidFill>
+                <a:prstClr val="black">
+                  <a:tint val="75000"/>
+                </a:prstClr>
+              </a:solidFill>
+            </a:endParaRPr>
+          </a:p>
+        </p:txBody>
+      </p:sp>
+    </p:spTree>
+    <p:extLst>
+      <p:ext uri="{BB962C8B-B14F-4D97-AF65-F5344CB8AC3E}">
+        <p14:creationId xmlns:p14="http://schemas.microsoft.com/office/powerpoint/2010/main" val="1031867929"/>
+      </p:ext>
+    </p:extLst>
+  </p:cSld>
+  <p:clrMapOvr>
+    <a:masterClrMapping/>
+  </p:clrMapOvr>
+</p:sldLayout>
+</file>
+
+<file path=ppt/slideLayouts/slideLayout3.xml><?xml version="1.0" encoding="utf-8"?>
+<p:sldLayout xmlns:a="http://schemas.openxmlformats.org/drawingml/2006/main" xmlns:r="http://schemas.openxmlformats.org/officeDocument/2006/relationships" xmlns:p="http://schemas.openxmlformats.org/presentationml/2006/main" type="secHead" preserve="1">
+  <p:cSld name="Section Header">
+    <p:spTree>
+      <p:nvGrpSpPr>
+        <p:cNvPr id="1" name=""/>
+        <p:cNvGrpSpPr/>
+        <p:nvPr/>
+      </p:nvGrpSpPr>
+      <p:grpSpPr>
+        <a:xfrm>
+          <a:off x="0" y="0"/>
+          <a:ext cx="0" cy="0"/>
+          <a:chOff x="0" y="0"/>
+          <a:chExt cx="0" cy="0"/>
+        </a:xfrm>
+      </p:grpSpPr>
+      <p:sp>
+        <p:nvSpPr>
+          <p:cNvPr id="2" name="Title 1"/>
+          <p:cNvSpPr>
+            <a:spLocks noGrp="1"/>
+          </p:cNvSpPr>
+          <p:nvPr>
+            <p:ph type="title"/>
+          </p:nvPr>
+        </p:nvSpPr>
+        <p:spPr>
+          <a:xfrm>
+            <a:off x="722313" y="4406900"/>
+            <a:ext cx="7772400" cy="1362075"/>
+          </a:xfrm>
+        </p:spPr>
+        <p:txBody>
+          <a:bodyPr anchor="t"/>
+          <a:lstStyle>
+            <a:lvl1pPr algn="l">
+              <a:defRPr sz="4000" b="1" cap="all"/>
+            </a:lvl1pPr>
+          </a:lstStyle>
+          <a:p>
+            <a:r>
+              <a:rPr lang="en-US"/>
+              <a:t>Click to edit Master title style</a:t>
+            </a:r>
+          </a:p>
+        </p:txBody>
+      </p:sp>
+      <p:sp>
+        <p:nvSpPr>
+          <p:cNvPr id="3" name="Text Placeholder 2"/>
+          <p:cNvSpPr>
+            <a:spLocks noGrp="1"/>
+          </p:cNvSpPr>
+          <p:nvPr>
+            <p:ph type="body" idx="1"/>
+          </p:nvPr>
+        </p:nvSpPr>
+        <p:spPr>
+          <a:xfrm>
+            <a:off x="722313" y="2906713"/>
+            <a:ext cx="7772400" cy="1500187"/>
+          </a:xfrm>
+        </p:spPr>
+        <p:txBody>
+          <a:bodyPr anchor="b"/>
+          <a:lstStyle>
+            <a:lvl1pPr marL="0" indent="0">
+              <a:buNone/>
+              <a:defRPr sz="2000">
+                <a:solidFill>
+                  <a:schemeClr val="tx1">
+                    <a:tint val="75000"/>
+                  </a:schemeClr>
+                </a:solidFill>
+              </a:defRPr>
+            </a:lvl1pPr>
+            <a:lvl2pPr marL="457200" indent="0">
+              <a:buNone/>
+              <a:defRPr sz="1800">
+                <a:solidFill>
+                  <a:schemeClr val="tx1">
+                    <a:tint val="75000"/>
+                  </a:schemeClr>
+                </a:solidFill>
+              </a:defRPr>
+            </a:lvl2pPr>
+            <a:lvl3pPr marL="914400" indent="0">
+              <a:buNone/>
+              <a:defRPr sz="1600">
+                <a:solidFill>
+                  <a:schemeClr val="tx1">
+                    <a:tint val="75000"/>
+                  </a:schemeClr>
+                </a:solidFill>
+              </a:defRPr>
+            </a:lvl3pPr>
+            <a:lvl4pPr marL="1371600" indent="0">
+              <a:buNone/>
+              <a:defRPr sz="1400">
+                <a:solidFill>
+                  <a:schemeClr val="tx1">
+                    <a:tint val="75000"/>
+                  </a:schemeClr>
+                </a:solidFill>
+              </a:defRPr>
+            </a:lvl4pPr>
+            <a:lvl5pPr marL="1828800" indent="0">
+              <a:buNone/>
+              <a:defRPr sz="1400">
+                <a:solidFill>
+                  <a:schemeClr val="tx1">
+                    <a:tint val="75000"/>
+                  </a:schemeClr>
+                </a:solidFill>
+              </a:defRPr>
+            </a:lvl5pPr>
+            <a:lvl6pPr marL="2286000" indent="0">
+              <a:buNone/>
+              <a:defRPr sz="1400">
+                <a:solidFill>
+                  <a:schemeClr val="tx1">
+                    <a:tint val="75000"/>
+                  </a:schemeClr>
+                </a:solidFill>
+              </a:defRPr>
+            </a:lvl6pPr>
+            <a:lvl7pPr marL="2743200" indent="0">
+              <a:buNone/>
+              <a:defRPr sz="1400">
+                <a:solidFill>
+                  <a:schemeClr val="tx1">
+                    <a:tint val="75000"/>
+                  </a:schemeClr>
+                </a:solidFill>
+              </a:defRPr>
+            </a:lvl7pPr>
+            <a:lvl8pPr marL="3200400" indent="0">
+              <a:buNone/>
+              <a:defRPr sz="1400">
+                <a:solidFill>
+                  <a:schemeClr val="tx1">
+                    <a:tint val="75000"/>
+                  </a:schemeClr>
+                </a:solidFill>
+              </a:defRPr>
+            </a:lvl8pPr>
+            <a:lvl9pPr marL="3657600" indent="0">
+              <a:buNone/>
+              <a:defRPr sz="1400">
+                <a:solidFill>
+                  <a:schemeClr val="tx1">
+                    <a:tint val="75000"/>
+                  </a:schemeClr>
+                </a:solidFill>
+              </a:defRPr>
+            </a:lvl9pPr>
+          </a:lstStyle>
+          <a:p>
+            <a:pPr lvl="0"/>
+            <a:r>
+              <a:rPr lang="en-US"/>
+              <a:t>Click to edit Master text styles</a:t>
+            </a:r>
+          </a:p>
+        </p:txBody>
+      </p:sp>
+      <p:sp>
+        <p:nvSpPr>
+          <p:cNvPr id="4" name="Date Placeholder 3"/>
+          <p:cNvSpPr>
+            <a:spLocks noGrp="1"/>
+          </p:cNvSpPr>
+          <p:nvPr>
+            <p:ph type="dt" sz="half" idx="10"/>
+          </p:nvPr>
+        </p:nvSpPr>
+        <p:spPr/>
+        <p:txBody>
+          <a:bodyPr/>
+          <a:lstStyle/>
+          <a:p>
+            <a:fld id="{0F7AAD8F-5F72-437E-90CC-78440834E065}" type="datetime1">
+              <a:rPr lang="en-US"/>
+              <a:pPr/>
+              <a:t>8/2/2013</a:t>
+            </a:fld>
+            <a:endParaRPr lang="en-US"/>
+          </a:p>
+        </p:txBody>
+      </p:sp>
+      <p:sp>
+        <p:nvSpPr>
+          <p:cNvPr id="5" name="Footer Placeholder 4"/>
+          <p:cNvSpPr>
+            <a:spLocks noGrp="1"/>
+          </p:cNvSpPr>
+          <p:nvPr>
+            <p:ph type="ftr" sz="quarter" idx="11"/>
+          </p:nvPr>
+        </p:nvSpPr>
+        <p:spPr/>
+        <p:txBody>
+          <a:bodyPr/>
+          <a:lstStyle/>
+          <a:p>
+            <a:r>
+              <a:rPr lang="en-US" dirty="0"/>
+              <a:t>© </a:t>
+            </a:r>
+            <a:r>
+              <a:rPr lang="en-US" dirty="0" smtClean="0"/>
+              <a:t>2013 </a:t>
+            </a:r>
+            <a:r>
+              <a:rPr lang="en-US" dirty="0"/>
+              <a:t>RTI • COMPANY CONFIDENTIAL</a:t>
+            </a:r>
+          </a:p>
+        </p:txBody>
+      </p:sp>
+      <p:sp>
+        <p:nvSpPr>
+          <p:cNvPr id="6" name="Slide Number Placeholder 5"/>
+          <p:cNvSpPr>
+            <a:spLocks noGrp="1"/>
+          </p:cNvSpPr>
+          <p:nvPr>
+            <p:ph type="sldNum" sz="quarter" idx="12"/>
+          </p:nvPr>
+        </p:nvSpPr>
+        <p:spPr/>
+        <p:txBody>
+          <a:bodyPr/>
+          <a:lstStyle/>
+          <a:p>
+            <a:fld id="{72521373-5A87-4CE2-A4F6-782832E35F7C}" type="slidenum">
+              <a:rPr/>
+              <a:pPr/>
+              <a:t>‹#›</a:t>
+            </a:fld>
+            <a:endParaRPr lang="en-US"/>
+          </a:p>
+        </p:txBody>
+      </p:sp>
+    </p:spTree>
+  </p:cSld>
+  <p:clrMapOvr>
+    <a:masterClrMapping/>
+  </p:clrMapOvr>
+</p:sldLayout>
+</file>
+
+<file path=ppt/slideLayouts/slideLayout4.xml><?xml version="1.0" encoding="utf-8"?>
+<p:sldLayout xmlns:a="http://schemas.openxmlformats.org/drawingml/2006/main" xmlns:r="http://schemas.openxmlformats.org/officeDocument/2006/relationships" xmlns:p="http://schemas.openxmlformats.org/presentationml/2006/main" type="twoObj" preserve="1">
+  <p:cSld name="Two Content">
+    <p:spTree>
+      <p:nvGrpSpPr>
+        <p:cNvPr id="1" name=""/>
+        <p:cNvGrpSpPr/>
+        <p:nvPr/>
+      </p:nvGrpSpPr>
+      <p:grpSpPr>
+        <a:xfrm>
+          <a:off x="0" y="0"/>
+          <a:ext cx="0" cy="0"/>
+          <a:chOff x="0" y="0"/>
+          <a:chExt cx="0" cy="0"/>
+        </a:xfrm>
+      </p:grpSpPr>
+      <p:sp>
+        <p:nvSpPr>
+          <p:cNvPr id="2" name="Title 1"/>
+          <p:cNvSpPr>
+            <a:spLocks noGrp="1"/>
+          </p:cNvSpPr>
+          <p:nvPr>
+            <p:ph type="title"/>
+          </p:nvPr>
+        </p:nvSpPr>
+        <p:spPr/>
+        <p:txBody>
+          <a:bodyPr/>
+          <a:lstStyle/>
+          <a:p>
+            <a:r>
+              <a:rPr lang="en-US"/>
+              <a:t>Click to edit Master title style</a:t>
+            </a:r>
+          </a:p>
+        </p:txBody>
+      </p:sp>
+      <p:sp>
+        <p:nvSpPr>
+          <p:cNvPr id="3" name="Content Placeholder 2"/>
+          <p:cNvSpPr>
+            <a:spLocks noGrp="1"/>
+          </p:cNvSpPr>
+          <p:nvPr>
+            <p:ph sz="half" idx="1"/>
+          </p:nvPr>
+        </p:nvSpPr>
+        <p:spPr>
+          <a:xfrm>
+            <a:off x="457200" y="1600200"/>
+            <a:ext cx="4038600" cy="4525963"/>
+          </a:xfrm>
+        </p:spPr>
+        <p:txBody>
+          <a:bodyPr/>
+          <a:lstStyle>
+            <a:lvl1pPr>
+              <a:defRPr sz="2800"/>
+            </a:lvl1pPr>
+            <a:lvl2pPr>
+              <a:defRPr sz="2400"/>
+            </a:lvl2pPr>
+            <a:lvl3pPr>
+              <a:defRPr sz="2000"/>
+            </a:lvl3pPr>
+            <a:lvl4pPr>
+              <a:defRPr sz="1800"/>
+            </a:lvl4pPr>
+            <a:lvl5pPr>
+              <a:defRPr sz="1800"/>
+            </a:lvl5pPr>
+            <a:lvl6pPr>
+              <a:defRPr sz="1800"/>
+            </a:lvl6pPr>
+            <a:lvl7pPr>
+              <a:defRPr sz="1800"/>
+            </a:lvl7pPr>
+            <a:lvl8pPr>
+              <a:defRPr sz="1800"/>
+            </a:lvl8pPr>
+            <a:lvl9pPr>
+              <a:defRPr sz="1800"/>
+            </a:lvl9pPr>
+          </a:lstStyle>
+          <a:p>
+            <a:pPr lvl="0"/>
+            <a:r>
+              <a:rPr lang="en-US"/>
+              <a:t>Click to edit Master text styles</a:t>
+            </a:r>
+          </a:p>
+          <a:p>
+            <a:pPr lvl="1"/>
+            <a:r>
+              <a:rPr lang="en-US"/>
+              <a:t>Second level</a:t>
+            </a:r>
+          </a:p>
+          <a:p>
+            <a:pPr lvl="2"/>
+            <a:r>
+              <a:rPr lang="en-US"/>
+              <a:t>Third level</a:t>
+            </a:r>
+          </a:p>
+          <a:p>
+            <a:pPr lvl="3"/>
+            <a:r>
+              <a:rPr lang="en-US"/>
+              <a:t>Fourth level</a:t>
+            </a:r>
+          </a:p>
+          <a:p>
+            <a:pPr lvl="4"/>
+            <a:r>
+              <a:rPr lang="en-US"/>
+              <a:t>Fifth level</a:t>
+            </a:r>
+          </a:p>
+        </p:txBody>
+      </p:sp>
+      <p:sp>
+        <p:nvSpPr>
+          <p:cNvPr id="4" name="Content Placeholder 3"/>
+          <p:cNvSpPr>
+            <a:spLocks noGrp="1"/>
+          </p:cNvSpPr>
+          <p:nvPr>
+            <p:ph sz="half" idx="2"/>
+          </p:nvPr>
+        </p:nvSpPr>
+        <p:spPr>
+          <a:xfrm>
+            <a:off x="4648200" y="1600200"/>
+            <a:ext cx="4038600" cy="4525963"/>
+          </a:xfrm>
+        </p:spPr>
+        <p:txBody>
+          <a:bodyPr/>
+          <a:lstStyle>
+            <a:lvl1pPr>
+              <a:defRPr sz="2800"/>
+            </a:lvl1pPr>
+            <a:lvl2pPr>
+              <a:defRPr sz="2400"/>
+            </a:lvl2pPr>
+            <a:lvl3pPr>
+              <a:defRPr sz="2000"/>
+            </a:lvl3pPr>
+            <a:lvl4pPr>
+              <a:defRPr sz="1800"/>
+            </a:lvl4pPr>
+            <a:lvl5pPr>
+              <a:defRPr sz="1800"/>
+            </a:lvl5pPr>
+            <a:lvl6pPr>
+              <a:defRPr sz="1800"/>
+            </a:lvl6pPr>
+            <a:lvl7pPr>
+              <a:defRPr sz="1800"/>
+            </a:lvl7pPr>
+            <a:lvl8pPr>
+              <a:defRPr sz="1800"/>
+            </a:lvl8pPr>
+            <a:lvl9pPr>
+              <a:defRPr sz="1800"/>
+            </a:lvl9pPr>
+          </a:lstStyle>
+          <a:p>
+            <a:pPr lvl="0"/>
+            <a:r>
+              <a:rPr lang="en-US"/>
+              <a:t>Click to edit Master text styles</a:t>
+            </a:r>
+          </a:p>
+          <a:p>
+            <a:pPr lvl="1"/>
+            <a:r>
+              <a:rPr lang="en-US"/>
+              <a:t>Second level</a:t>
+            </a:r>
+          </a:p>
+          <a:p>
+            <a:pPr lvl="2"/>
+            <a:r>
+              <a:rPr lang="en-US"/>
+              <a:t>Third level</a:t>
+            </a:r>
+          </a:p>
+          <a:p>
+            <a:pPr lvl="3"/>
+            <a:r>
+              <a:rPr lang="en-US"/>
+              <a:t>Fourth level</a:t>
+            </a:r>
+          </a:p>
+          <a:p>
+            <a:pPr lvl="4"/>
+            <a:r>
+              <a:rPr lang="en-US"/>
+              <a:t>Fifth level</a:t>
+            </a:r>
+          </a:p>
+        </p:txBody>
+      </p:sp>
+      <p:sp>
+        <p:nvSpPr>
           <p:cNvPr id="5" name="Date Placeholder 4"/>
           <p:cNvSpPr>
             <a:spLocks noGrp="1"/>
@@ -2255,9 +5203,10 @@
           <a:bodyPr/>
           <a:lstStyle/>
           <a:p>
-            <a:fld id="{8200BD6B-8244-4B60-902B-7E4A65828A4E}" type="datetimeFigureOut">
-              <a:rPr lang="en-US" smtClean="0"/>
-              <a:t>8/1/2013</a:t>
+            <a:fld id="{E85DCAF5-ACA9-4993-8FBE-C20A01B5A857}" type="datetime1">
+              <a:rPr lang="en-US"/>
+              <a:pPr/>
+              <a:t>8/2/2013</a:t>
             </a:fld>
             <a:endParaRPr lang="en-US"/>
           </a:p>
@@ -2278,7 +5227,18 @@
           <a:bodyPr/>
           <a:lstStyle/>
           <a:p>
-            <a:endParaRPr lang="en-US"/>
+            <a:r>
+              <a:rPr lang="en-US" dirty="0"/>
+              <a:t>© </a:t>
+            </a:r>
+            <a:r>
+              <a:rPr lang="en-US" dirty="0" smtClean="0"/>
+              <a:t>2013 </a:t>
+            </a:r>
+            <a:r>
+              <a:rPr lang="en-US" dirty="0"/>
+              <a:t>RTI • COMPANY CONFIDENTIAL</a:t>
+            </a:r>
           </a:p>
         </p:txBody>
       </p:sp>
@@ -2297,8 +5257,9 @@
           <a:bodyPr/>
           <a:lstStyle/>
           <a:p>
-            <a:fld id="{BE9160CA-0E6A-4E03-8224-6D5C7645F756}" type="slidenum">
-              <a:rPr lang="en-US" smtClean="0"/>
+            <a:fld id="{72521373-5A87-4CE2-A4F6-782832E35F7C}" type="slidenum">
+              <a:rPr/>
+              <a:pPr/>
               <a:t>‹#›</a:t>
             </a:fld>
             <a:endParaRPr lang="en-US"/>
@@ -2306,11 +5267,912 @@
         </p:txBody>
       </p:sp>
     </p:spTree>
-    <p:extLst>
-      <p:ext uri="{BB962C8B-B14F-4D97-AF65-F5344CB8AC3E}">
-        <p14:creationId xmlns:p14="http://schemas.microsoft.com/office/powerpoint/2010/main" val="4218574019"/>
-      </p:ext>
-    </p:extLst>
+  </p:cSld>
+  <p:clrMapOvr>
+    <a:masterClrMapping/>
+  </p:clrMapOvr>
+</p:sldLayout>
+</file>
+
+<file path=ppt/slideLayouts/slideLayout5.xml><?xml version="1.0" encoding="utf-8"?>
+<p:sldLayout xmlns:a="http://schemas.openxmlformats.org/drawingml/2006/main" xmlns:r="http://schemas.openxmlformats.org/officeDocument/2006/relationships" xmlns:p="http://schemas.openxmlformats.org/presentationml/2006/main" type="twoTxTwoObj" preserve="1">
+  <p:cSld name="Comparison">
+    <p:spTree>
+      <p:nvGrpSpPr>
+        <p:cNvPr id="1" name=""/>
+        <p:cNvGrpSpPr/>
+        <p:nvPr/>
+      </p:nvGrpSpPr>
+      <p:grpSpPr>
+        <a:xfrm>
+          <a:off x="0" y="0"/>
+          <a:ext cx="0" cy="0"/>
+          <a:chOff x="0" y="0"/>
+          <a:chExt cx="0" cy="0"/>
+        </a:xfrm>
+      </p:grpSpPr>
+      <p:sp>
+        <p:nvSpPr>
+          <p:cNvPr id="2" name="Title 1"/>
+          <p:cNvSpPr>
+            <a:spLocks noGrp="1"/>
+          </p:cNvSpPr>
+          <p:nvPr>
+            <p:ph type="title"/>
+          </p:nvPr>
+        </p:nvSpPr>
+        <p:spPr/>
+        <p:txBody>
+          <a:bodyPr/>
+          <a:lstStyle>
+            <a:lvl1pPr>
+              <a:defRPr/>
+            </a:lvl1pPr>
+          </a:lstStyle>
+          <a:p>
+            <a:r>
+              <a:rPr lang="en-US"/>
+              <a:t>Click to edit Master title style</a:t>
+            </a:r>
+          </a:p>
+        </p:txBody>
+      </p:sp>
+      <p:sp>
+        <p:nvSpPr>
+          <p:cNvPr id="3" name="Text Placeholder 2"/>
+          <p:cNvSpPr>
+            <a:spLocks noGrp="1"/>
+          </p:cNvSpPr>
+          <p:nvPr>
+            <p:ph type="body" idx="1"/>
+          </p:nvPr>
+        </p:nvSpPr>
+        <p:spPr>
+          <a:xfrm>
+            <a:off x="457200" y="1535113"/>
+            <a:ext cx="4040188" cy="639762"/>
+          </a:xfrm>
+        </p:spPr>
+        <p:txBody>
+          <a:bodyPr anchor="b"/>
+          <a:lstStyle>
+            <a:lvl1pPr marL="0" indent="0">
+              <a:buNone/>
+              <a:defRPr sz="2400" b="1"/>
+            </a:lvl1pPr>
+            <a:lvl2pPr marL="457200" indent="0">
+              <a:buNone/>
+              <a:defRPr sz="2000" b="1"/>
+            </a:lvl2pPr>
+            <a:lvl3pPr marL="914400" indent="0">
+              <a:buNone/>
+              <a:defRPr sz="1800" b="1"/>
+            </a:lvl3pPr>
+            <a:lvl4pPr marL="1371600" indent="0">
+              <a:buNone/>
+              <a:defRPr sz="1600" b="1"/>
+            </a:lvl4pPr>
+            <a:lvl5pPr marL="1828800" indent="0">
+              <a:buNone/>
+              <a:defRPr sz="1600" b="1"/>
+            </a:lvl5pPr>
+            <a:lvl6pPr marL="2286000" indent="0">
+              <a:buNone/>
+              <a:defRPr sz="1600" b="1"/>
+            </a:lvl6pPr>
+            <a:lvl7pPr marL="2743200" indent="0">
+              <a:buNone/>
+              <a:defRPr sz="1600" b="1"/>
+            </a:lvl7pPr>
+            <a:lvl8pPr marL="3200400" indent="0">
+              <a:buNone/>
+              <a:defRPr sz="1600" b="1"/>
+            </a:lvl8pPr>
+            <a:lvl9pPr marL="3657600" indent="0">
+              <a:buNone/>
+              <a:defRPr sz="1600" b="1"/>
+            </a:lvl9pPr>
+          </a:lstStyle>
+          <a:p>
+            <a:pPr lvl="0"/>
+            <a:r>
+              <a:rPr lang="en-US"/>
+              <a:t>Click to edit Master text styles</a:t>
+            </a:r>
+          </a:p>
+        </p:txBody>
+      </p:sp>
+      <p:sp>
+        <p:nvSpPr>
+          <p:cNvPr id="4" name="Content Placeholder 3"/>
+          <p:cNvSpPr>
+            <a:spLocks noGrp="1"/>
+          </p:cNvSpPr>
+          <p:nvPr>
+            <p:ph sz="half" idx="2"/>
+          </p:nvPr>
+        </p:nvSpPr>
+        <p:spPr>
+          <a:xfrm>
+            <a:off x="457200" y="2174875"/>
+            <a:ext cx="4040188" cy="3951288"/>
+          </a:xfrm>
+        </p:spPr>
+        <p:txBody>
+          <a:bodyPr/>
+          <a:lstStyle>
+            <a:lvl1pPr>
+              <a:defRPr sz="2400"/>
+            </a:lvl1pPr>
+            <a:lvl2pPr>
+              <a:defRPr sz="2000"/>
+            </a:lvl2pPr>
+            <a:lvl3pPr>
+              <a:defRPr sz="1800"/>
+            </a:lvl3pPr>
+            <a:lvl4pPr>
+              <a:defRPr sz="1600"/>
+            </a:lvl4pPr>
+            <a:lvl5pPr>
+              <a:defRPr sz="1600"/>
+            </a:lvl5pPr>
+            <a:lvl6pPr>
+              <a:defRPr sz="1600"/>
+            </a:lvl6pPr>
+            <a:lvl7pPr>
+              <a:defRPr sz="1600"/>
+            </a:lvl7pPr>
+            <a:lvl8pPr>
+              <a:defRPr sz="1600"/>
+            </a:lvl8pPr>
+            <a:lvl9pPr>
+              <a:defRPr sz="1600"/>
+            </a:lvl9pPr>
+          </a:lstStyle>
+          <a:p>
+            <a:pPr lvl="0"/>
+            <a:r>
+              <a:rPr lang="en-US"/>
+              <a:t>Click to edit Master text styles</a:t>
+            </a:r>
+          </a:p>
+          <a:p>
+            <a:pPr lvl="1"/>
+            <a:r>
+              <a:rPr lang="en-US"/>
+              <a:t>Second level</a:t>
+            </a:r>
+          </a:p>
+          <a:p>
+            <a:pPr lvl="2"/>
+            <a:r>
+              <a:rPr lang="en-US"/>
+              <a:t>Third level</a:t>
+            </a:r>
+          </a:p>
+          <a:p>
+            <a:pPr lvl="3"/>
+            <a:r>
+              <a:rPr lang="en-US"/>
+              <a:t>Fourth level</a:t>
+            </a:r>
+          </a:p>
+          <a:p>
+            <a:pPr lvl="4"/>
+            <a:r>
+              <a:rPr lang="en-US"/>
+              <a:t>Fifth level</a:t>
+            </a:r>
+          </a:p>
+        </p:txBody>
+      </p:sp>
+      <p:sp>
+        <p:nvSpPr>
+          <p:cNvPr id="5" name="Text Placeholder 4"/>
+          <p:cNvSpPr>
+            <a:spLocks noGrp="1"/>
+          </p:cNvSpPr>
+          <p:nvPr>
+            <p:ph type="body" sz="quarter" idx="3"/>
+          </p:nvPr>
+        </p:nvSpPr>
+        <p:spPr>
+          <a:xfrm>
+            <a:off x="4645025" y="1535113"/>
+            <a:ext cx="4041775" cy="639762"/>
+          </a:xfrm>
+        </p:spPr>
+        <p:txBody>
+          <a:bodyPr anchor="b"/>
+          <a:lstStyle>
+            <a:lvl1pPr marL="0" indent="0">
+              <a:buNone/>
+              <a:defRPr sz="2400" b="1"/>
+            </a:lvl1pPr>
+            <a:lvl2pPr marL="457200" indent="0">
+              <a:buNone/>
+              <a:defRPr sz="2000" b="1"/>
+            </a:lvl2pPr>
+            <a:lvl3pPr marL="914400" indent="0">
+              <a:buNone/>
+              <a:defRPr sz="1800" b="1"/>
+            </a:lvl3pPr>
+            <a:lvl4pPr marL="1371600" indent="0">
+              <a:buNone/>
+              <a:defRPr sz="1600" b="1"/>
+            </a:lvl4pPr>
+            <a:lvl5pPr marL="1828800" indent="0">
+              <a:buNone/>
+              <a:defRPr sz="1600" b="1"/>
+            </a:lvl5pPr>
+            <a:lvl6pPr marL="2286000" indent="0">
+              <a:buNone/>
+              <a:defRPr sz="1600" b="1"/>
+            </a:lvl6pPr>
+            <a:lvl7pPr marL="2743200" indent="0">
+              <a:buNone/>
+              <a:defRPr sz="1600" b="1"/>
+            </a:lvl7pPr>
+            <a:lvl8pPr marL="3200400" indent="0">
+              <a:buNone/>
+              <a:defRPr sz="1600" b="1"/>
+            </a:lvl8pPr>
+            <a:lvl9pPr marL="3657600" indent="0">
+              <a:buNone/>
+              <a:defRPr sz="1600" b="1"/>
+            </a:lvl9pPr>
+          </a:lstStyle>
+          <a:p>
+            <a:pPr lvl="0"/>
+            <a:r>
+              <a:rPr lang="en-US"/>
+              <a:t>Click to edit Master text styles</a:t>
+            </a:r>
+          </a:p>
+        </p:txBody>
+      </p:sp>
+      <p:sp>
+        <p:nvSpPr>
+          <p:cNvPr id="6" name="Content Placeholder 5"/>
+          <p:cNvSpPr>
+            <a:spLocks noGrp="1"/>
+          </p:cNvSpPr>
+          <p:nvPr>
+            <p:ph sz="quarter" idx="4"/>
+          </p:nvPr>
+        </p:nvSpPr>
+        <p:spPr>
+          <a:xfrm>
+            <a:off x="4645025" y="2174875"/>
+            <a:ext cx="4041775" cy="3951288"/>
+          </a:xfrm>
+        </p:spPr>
+        <p:txBody>
+          <a:bodyPr/>
+          <a:lstStyle>
+            <a:lvl1pPr>
+              <a:defRPr sz="2400"/>
+            </a:lvl1pPr>
+            <a:lvl2pPr>
+              <a:defRPr sz="2000"/>
+            </a:lvl2pPr>
+            <a:lvl3pPr>
+              <a:defRPr sz="1800"/>
+            </a:lvl3pPr>
+            <a:lvl4pPr>
+              <a:defRPr sz="1600"/>
+            </a:lvl4pPr>
+            <a:lvl5pPr>
+              <a:defRPr sz="1600"/>
+            </a:lvl5pPr>
+            <a:lvl6pPr>
+              <a:defRPr sz="1600"/>
+            </a:lvl6pPr>
+            <a:lvl7pPr>
+              <a:defRPr sz="1600"/>
+            </a:lvl7pPr>
+            <a:lvl8pPr>
+              <a:defRPr sz="1600"/>
+            </a:lvl8pPr>
+            <a:lvl9pPr>
+              <a:defRPr sz="1600"/>
+            </a:lvl9pPr>
+          </a:lstStyle>
+          <a:p>
+            <a:pPr lvl="0"/>
+            <a:r>
+              <a:rPr lang="en-US"/>
+              <a:t>Click to edit Master text styles</a:t>
+            </a:r>
+          </a:p>
+          <a:p>
+            <a:pPr lvl="1"/>
+            <a:r>
+              <a:rPr lang="en-US"/>
+              <a:t>Second level</a:t>
+            </a:r>
+          </a:p>
+          <a:p>
+            <a:pPr lvl="2"/>
+            <a:r>
+              <a:rPr lang="en-US"/>
+              <a:t>Third level</a:t>
+            </a:r>
+          </a:p>
+          <a:p>
+            <a:pPr lvl="3"/>
+            <a:r>
+              <a:rPr lang="en-US"/>
+              <a:t>Fourth level</a:t>
+            </a:r>
+          </a:p>
+          <a:p>
+            <a:pPr lvl="4"/>
+            <a:r>
+              <a:rPr lang="en-US"/>
+              <a:t>Fifth level</a:t>
+            </a:r>
+          </a:p>
+        </p:txBody>
+      </p:sp>
+      <p:sp>
+        <p:nvSpPr>
+          <p:cNvPr id="7" name="Date Placeholder 6"/>
+          <p:cNvSpPr>
+            <a:spLocks noGrp="1"/>
+          </p:cNvSpPr>
+          <p:nvPr>
+            <p:ph type="dt" sz="half" idx="10"/>
+          </p:nvPr>
+        </p:nvSpPr>
+        <p:spPr/>
+        <p:txBody>
+          <a:bodyPr/>
+          <a:lstStyle/>
+          <a:p>
+            <a:fld id="{C8A3012B-73FC-4DF8-B4EF-F7A9068FF90C}" type="datetime1">
+              <a:rPr lang="en-US"/>
+              <a:pPr/>
+              <a:t>8/2/2013</a:t>
+            </a:fld>
+            <a:endParaRPr lang="en-US"/>
+          </a:p>
+        </p:txBody>
+      </p:sp>
+      <p:sp>
+        <p:nvSpPr>
+          <p:cNvPr id="8" name="Footer Placeholder 7"/>
+          <p:cNvSpPr>
+            <a:spLocks noGrp="1"/>
+          </p:cNvSpPr>
+          <p:nvPr>
+            <p:ph type="ftr" sz="quarter" idx="11"/>
+          </p:nvPr>
+        </p:nvSpPr>
+        <p:spPr/>
+        <p:txBody>
+          <a:bodyPr/>
+          <a:lstStyle/>
+          <a:p>
+            <a:r>
+              <a:rPr lang="en-US"/>
+              <a:t>© 2012 RTI • COMPANY CONFIDENTIAL</a:t>
+            </a:r>
+          </a:p>
+        </p:txBody>
+      </p:sp>
+      <p:sp>
+        <p:nvSpPr>
+          <p:cNvPr id="9" name="Slide Number Placeholder 8"/>
+          <p:cNvSpPr>
+            <a:spLocks noGrp="1"/>
+          </p:cNvSpPr>
+          <p:nvPr>
+            <p:ph type="sldNum" sz="quarter" idx="12"/>
+          </p:nvPr>
+        </p:nvSpPr>
+        <p:spPr/>
+        <p:txBody>
+          <a:bodyPr/>
+          <a:lstStyle/>
+          <a:p>
+            <a:fld id="{72521373-5A87-4CE2-A4F6-782832E35F7C}" type="slidenum">
+              <a:rPr/>
+              <a:pPr/>
+              <a:t>‹#›</a:t>
+            </a:fld>
+            <a:endParaRPr lang="en-US"/>
+          </a:p>
+        </p:txBody>
+      </p:sp>
+    </p:spTree>
+  </p:cSld>
+  <p:clrMapOvr>
+    <a:masterClrMapping/>
+  </p:clrMapOvr>
+</p:sldLayout>
+</file>
+
+<file path=ppt/slideLayouts/slideLayout6.xml><?xml version="1.0" encoding="utf-8"?>
+<p:sldLayout xmlns:a="http://schemas.openxmlformats.org/drawingml/2006/main" xmlns:r="http://schemas.openxmlformats.org/officeDocument/2006/relationships" xmlns:p="http://schemas.openxmlformats.org/presentationml/2006/main" type="titleOnly" preserve="1">
+  <p:cSld name="Title Only">
+    <p:spTree>
+      <p:nvGrpSpPr>
+        <p:cNvPr id="1" name=""/>
+        <p:cNvGrpSpPr/>
+        <p:nvPr/>
+      </p:nvGrpSpPr>
+      <p:grpSpPr>
+        <a:xfrm>
+          <a:off x="0" y="0"/>
+          <a:ext cx="0" cy="0"/>
+          <a:chOff x="0" y="0"/>
+          <a:chExt cx="0" cy="0"/>
+        </a:xfrm>
+      </p:grpSpPr>
+      <p:sp>
+        <p:nvSpPr>
+          <p:cNvPr id="2" name="Title 1"/>
+          <p:cNvSpPr>
+            <a:spLocks noGrp="1"/>
+          </p:cNvSpPr>
+          <p:nvPr>
+            <p:ph type="title"/>
+          </p:nvPr>
+        </p:nvSpPr>
+        <p:spPr/>
+        <p:txBody>
+          <a:bodyPr/>
+          <a:lstStyle/>
+          <a:p>
+            <a:r>
+              <a:rPr lang="en-US"/>
+              <a:t>Click to edit Master title style</a:t>
+            </a:r>
+          </a:p>
+        </p:txBody>
+      </p:sp>
+      <p:sp>
+        <p:nvSpPr>
+          <p:cNvPr id="3" name="Date Placeholder 2"/>
+          <p:cNvSpPr>
+            <a:spLocks noGrp="1"/>
+          </p:cNvSpPr>
+          <p:nvPr>
+            <p:ph type="dt" sz="half" idx="10"/>
+          </p:nvPr>
+        </p:nvSpPr>
+        <p:spPr/>
+        <p:txBody>
+          <a:bodyPr/>
+          <a:lstStyle/>
+          <a:p>
+            <a:fld id="{FAAE4515-66D3-4B10-A3A1-3BF17827B0D3}" type="datetime1">
+              <a:rPr lang="en-US"/>
+              <a:pPr/>
+              <a:t>8/2/2013</a:t>
+            </a:fld>
+            <a:endParaRPr lang="en-US"/>
+          </a:p>
+        </p:txBody>
+      </p:sp>
+      <p:sp>
+        <p:nvSpPr>
+          <p:cNvPr id="4" name="Footer Placeholder 3"/>
+          <p:cNvSpPr>
+            <a:spLocks noGrp="1"/>
+          </p:cNvSpPr>
+          <p:nvPr>
+            <p:ph type="ftr" sz="quarter" idx="11"/>
+          </p:nvPr>
+        </p:nvSpPr>
+        <p:spPr/>
+        <p:txBody>
+          <a:bodyPr/>
+          <a:lstStyle/>
+          <a:p>
+            <a:r>
+              <a:rPr lang="en-US"/>
+              <a:t>© 2012 RTI • COMPANY CONFIDENTIAL</a:t>
+            </a:r>
+          </a:p>
+        </p:txBody>
+      </p:sp>
+      <p:sp>
+        <p:nvSpPr>
+          <p:cNvPr id="5" name="Slide Number Placeholder 4"/>
+          <p:cNvSpPr>
+            <a:spLocks noGrp="1"/>
+          </p:cNvSpPr>
+          <p:nvPr>
+            <p:ph type="sldNum" sz="quarter" idx="12"/>
+          </p:nvPr>
+        </p:nvSpPr>
+        <p:spPr/>
+        <p:txBody>
+          <a:bodyPr/>
+          <a:lstStyle/>
+          <a:p>
+            <a:fld id="{72521373-5A87-4CE2-A4F6-782832E35F7C}" type="slidenum">
+              <a:rPr/>
+              <a:pPr/>
+              <a:t>‹#›</a:t>
+            </a:fld>
+            <a:endParaRPr lang="en-US"/>
+          </a:p>
+        </p:txBody>
+      </p:sp>
+    </p:spTree>
+  </p:cSld>
+  <p:clrMapOvr>
+    <a:masterClrMapping/>
+  </p:clrMapOvr>
+</p:sldLayout>
+</file>
+
+<file path=ppt/slideLayouts/slideLayout7.xml><?xml version="1.0" encoding="utf-8"?>
+<p:sldLayout xmlns:a="http://schemas.openxmlformats.org/drawingml/2006/main" xmlns:r="http://schemas.openxmlformats.org/officeDocument/2006/relationships" xmlns:p="http://schemas.openxmlformats.org/presentationml/2006/main" type="blank" preserve="1">
+  <p:cSld name="Blank">
+    <p:spTree>
+      <p:nvGrpSpPr>
+        <p:cNvPr id="1" name=""/>
+        <p:cNvGrpSpPr/>
+        <p:nvPr/>
+      </p:nvGrpSpPr>
+      <p:grpSpPr>
+        <a:xfrm>
+          <a:off x="0" y="0"/>
+          <a:ext cx="0" cy="0"/>
+          <a:chOff x="0" y="0"/>
+          <a:chExt cx="0" cy="0"/>
+        </a:xfrm>
+      </p:grpSpPr>
+      <p:sp>
+        <p:nvSpPr>
+          <p:cNvPr id="2" name="Date Placeholder 1"/>
+          <p:cNvSpPr>
+            <a:spLocks noGrp="1"/>
+          </p:cNvSpPr>
+          <p:nvPr>
+            <p:ph type="dt" sz="half" idx="10"/>
+          </p:nvPr>
+        </p:nvSpPr>
+        <p:spPr/>
+        <p:txBody>
+          <a:bodyPr/>
+          <a:lstStyle/>
+          <a:p>
+            <a:fld id="{DC237031-2A36-49ED-B037-F12E4123BAB0}" type="datetime1">
+              <a:rPr lang="en-US"/>
+              <a:pPr/>
+              <a:t>8/2/2013</a:t>
+            </a:fld>
+            <a:endParaRPr lang="en-US"/>
+          </a:p>
+        </p:txBody>
+      </p:sp>
+      <p:sp>
+        <p:nvSpPr>
+          <p:cNvPr id="3" name="Footer Placeholder 2"/>
+          <p:cNvSpPr>
+            <a:spLocks noGrp="1"/>
+          </p:cNvSpPr>
+          <p:nvPr>
+            <p:ph type="ftr" sz="quarter" idx="11"/>
+          </p:nvPr>
+        </p:nvSpPr>
+        <p:spPr/>
+        <p:txBody>
+          <a:bodyPr/>
+          <a:lstStyle/>
+          <a:p>
+            <a:r>
+              <a:rPr lang="en-US"/>
+              <a:t>© 2012 RTI • COMPANY CONFIDENTIAL</a:t>
+            </a:r>
+          </a:p>
+        </p:txBody>
+      </p:sp>
+      <p:sp>
+        <p:nvSpPr>
+          <p:cNvPr id="4" name="Slide Number Placeholder 3"/>
+          <p:cNvSpPr>
+            <a:spLocks noGrp="1"/>
+          </p:cNvSpPr>
+          <p:nvPr>
+            <p:ph type="sldNum" sz="quarter" idx="12"/>
+          </p:nvPr>
+        </p:nvSpPr>
+        <p:spPr/>
+        <p:txBody>
+          <a:bodyPr/>
+          <a:lstStyle/>
+          <a:p>
+            <a:fld id="{72521373-5A87-4CE2-A4F6-782832E35F7C}" type="slidenum">
+              <a:rPr/>
+              <a:pPr/>
+              <a:t>‹#›</a:t>
+            </a:fld>
+            <a:endParaRPr lang="en-US"/>
+          </a:p>
+        </p:txBody>
+      </p:sp>
+    </p:spTree>
+  </p:cSld>
+  <p:clrMapOvr>
+    <a:masterClrMapping/>
+  </p:clrMapOvr>
+</p:sldLayout>
+</file>
+
+<file path=ppt/slideLayouts/slideLayout8.xml><?xml version="1.0" encoding="utf-8"?>
+<p:sldLayout xmlns:a="http://schemas.openxmlformats.org/drawingml/2006/main" xmlns:r="http://schemas.openxmlformats.org/officeDocument/2006/relationships" xmlns:p="http://schemas.openxmlformats.org/presentationml/2006/main" type="objTx" preserve="1">
+  <p:cSld name="Content with Caption">
+    <p:spTree>
+      <p:nvGrpSpPr>
+        <p:cNvPr id="1" name=""/>
+        <p:cNvGrpSpPr/>
+        <p:nvPr/>
+      </p:nvGrpSpPr>
+      <p:grpSpPr>
+        <a:xfrm>
+          <a:off x="0" y="0"/>
+          <a:ext cx="0" cy="0"/>
+          <a:chOff x="0" y="0"/>
+          <a:chExt cx="0" cy="0"/>
+        </a:xfrm>
+      </p:grpSpPr>
+      <p:sp>
+        <p:nvSpPr>
+          <p:cNvPr id="2" name="Title 1"/>
+          <p:cNvSpPr>
+            <a:spLocks noGrp="1"/>
+          </p:cNvSpPr>
+          <p:nvPr>
+            <p:ph type="title"/>
+          </p:nvPr>
+        </p:nvSpPr>
+        <p:spPr>
+          <a:xfrm>
+            <a:off x="457200" y="273050"/>
+            <a:ext cx="3008313" cy="1162050"/>
+          </a:xfrm>
+        </p:spPr>
+        <p:txBody>
+          <a:bodyPr anchor="b"/>
+          <a:lstStyle>
+            <a:lvl1pPr algn="l">
+              <a:defRPr sz="2000" b="1"/>
+            </a:lvl1pPr>
+          </a:lstStyle>
+          <a:p>
+            <a:r>
+              <a:rPr lang="en-US"/>
+              <a:t>Click to edit Master title style</a:t>
+            </a:r>
+          </a:p>
+        </p:txBody>
+      </p:sp>
+      <p:sp>
+        <p:nvSpPr>
+          <p:cNvPr id="3" name="Content Placeholder 2"/>
+          <p:cNvSpPr>
+            <a:spLocks noGrp="1"/>
+          </p:cNvSpPr>
+          <p:nvPr>
+            <p:ph idx="1"/>
+          </p:nvPr>
+        </p:nvSpPr>
+        <p:spPr>
+          <a:xfrm>
+            <a:off x="3575050" y="273050"/>
+            <a:ext cx="5111750" cy="5853113"/>
+          </a:xfrm>
+        </p:spPr>
+        <p:txBody>
+          <a:bodyPr/>
+          <a:lstStyle>
+            <a:lvl1pPr>
+              <a:defRPr sz="3200"/>
+            </a:lvl1pPr>
+            <a:lvl2pPr>
+              <a:defRPr sz="2800"/>
+            </a:lvl2pPr>
+            <a:lvl3pPr>
+              <a:defRPr sz="2400"/>
+            </a:lvl3pPr>
+            <a:lvl4pPr>
+              <a:defRPr sz="2000"/>
+            </a:lvl4pPr>
+            <a:lvl5pPr>
+              <a:defRPr sz="2000"/>
+            </a:lvl5pPr>
+            <a:lvl6pPr>
+              <a:defRPr sz="2000"/>
+            </a:lvl6pPr>
+            <a:lvl7pPr>
+              <a:defRPr sz="2000"/>
+            </a:lvl7pPr>
+            <a:lvl8pPr>
+              <a:defRPr sz="2000"/>
+            </a:lvl8pPr>
+            <a:lvl9pPr>
+              <a:defRPr sz="2000"/>
+            </a:lvl9pPr>
+          </a:lstStyle>
+          <a:p>
+            <a:pPr lvl="0"/>
+            <a:r>
+              <a:rPr lang="en-US"/>
+              <a:t>Click to edit Master text styles</a:t>
+            </a:r>
+          </a:p>
+          <a:p>
+            <a:pPr lvl="1"/>
+            <a:r>
+              <a:rPr lang="en-US"/>
+              <a:t>Second level</a:t>
+            </a:r>
+          </a:p>
+          <a:p>
+            <a:pPr lvl="2"/>
+            <a:r>
+              <a:rPr lang="en-US"/>
+              <a:t>Third level</a:t>
+            </a:r>
+          </a:p>
+          <a:p>
+            <a:pPr lvl="3"/>
+            <a:r>
+              <a:rPr lang="en-US"/>
+              <a:t>Fourth level</a:t>
+            </a:r>
+          </a:p>
+          <a:p>
+            <a:pPr lvl="4"/>
+            <a:r>
+              <a:rPr lang="en-US"/>
+              <a:t>Fifth level</a:t>
+            </a:r>
+          </a:p>
+        </p:txBody>
+      </p:sp>
+      <p:sp>
+        <p:nvSpPr>
+          <p:cNvPr id="4" name="Text Placeholder 3"/>
+          <p:cNvSpPr>
+            <a:spLocks noGrp="1"/>
+          </p:cNvSpPr>
+          <p:nvPr>
+            <p:ph type="body" sz="half" idx="2"/>
+          </p:nvPr>
+        </p:nvSpPr>
+        <p:spPr>
+          <a:xfrm>
+            <a:off x="457200" y="1435100"/>
+            <a:ext cx="3008313" cy="4691063"/>
+          </a:xfrm>
+        </p:spPr>
+        <p:txBody>
+          <a:bodyPr/>
+          <a:lstStyle>
+            <a:lvl1pPr marL="0" indent="0">
+              <a:buNone/>
+              <a:defRPr sz="1400"/>
+            </a:lvl1pPr>
+            <a:lvl2pPr marL="457200" indent="0">
+              <a:buNone/>
+              <a:defRPr sz="1200"/>
+            </a:lvl2pPr>
+            <a:lvl3pPr marL="914400" indent="0">
+              <a:buNone/>
+              <a:defRPr sz="1000"/>
+            </a:lvl3pPr>
+            <a:lvl4pPr marL="1371600" indent="0">
+              <a:buNone/>
+              <a:defRPr sz="900"/>
+            </a:lvl4pPr>
+            <a:lvl5pPr marL="1828800" indent="0">
+              <a:buNone/>
+              <a:defRPr sz="900"/>
+            </a:lvl5pPr>
+            <a:lvl6pPr marL="2286000" indent="0">
+              <a:buNone/>
+              <a:defRPr sz="900"/>
+            </a:lvl6pPr>
+            <a:lvl7pPr marL="2743200" indent="0">
+              <a:buNone/>
+              <a:defRPr sz="900"/>
+            </a:lvl7pPr>
+            <a:lvl8pPr marL="3200400" indent="0">
+              <a:buNone/>
+              <a:defRPr sz="900"/>
+            </a:lvl8pPr>
+            <a:lvl9pPr marL="3657600" indent="0">
+              <a:buNone/>
+              <a:defRPr sz="900"/>
+            </a:lvl9pPr>
+          </a:lstStyle>
+          <a:p>
+            <a:pPr lvl="0"/>
+            <a:r>
+              <a:rPr lang="en-US"/>
+              <a:t>Click to edit Master text styles</a:t>
+            </a:r>
+          </a:p>
+        </p:txBody>
+      </p:sp>
+      <p:sp>
+        <p:nvSpPr>
+          <p:cNvPr id="5" name="Date Placeholder 4"/>
+          <p:cNvSpPr>
+            <a:spLocks noGrp="1"/>
+          </p:cNvSpPr>
+          <p:nvPr>
+            <p:ph type="dt" sz="half" idx="10"/>
+          </p:nvPr>
+        </p:nvSpPr>
+        <p:spPr/>
+        <p:txBody>
+          <a:bodyPr/>
+          <a:lstStyle/>
+          <a:p>
+            <a:fld id="{5008D150-8803-45D1-B178-3B02613C3C78}" type="datetime1">
+              <a:rPr lang="en-US"/>
+              <a:pPr/>
+              <a:t>8/2/2013</a:t>
+            </a:fld>
+            <a:endParaRPr lang="en-US"/>
+          </a:p>
+        </p:txBody>
+      </p:sp>
+      <p:sp>
+        <p:nvSpPr>
+          <p:cNvPr id="6" name="Footer Placeholder 5"/>
+          <p:cNvSpPr>
+            <a:spLocks noGrp="1"/>
+          </p:cNvSpPr>
+          <p:nvPr>
+            <p:ph type="ftr" sz="quarter" idx="11"/>
+          </p:nvPr>
+        </p:nvSpPr>
+        <p:spPr/>
+        <p:txBody>
+          <a:bodyPr/>
+          <a:lstStyle/>
+          <a:p>
+            <a:r>
+              <a:rPr lang="en-US"/>
+              <a:t>© 2012 RTI • COMPANY CONFIDENTIAL</a:t>
+            </a:r>
+          </a:p>
+        </p:txBody>
+      </p:sp>
+      <p:sp>
+        <p:nvSpPr>
+          <p:cNvPr id="7" name="Slide Number Placeholder 6"/>
+          <p:cNvSpPr>
+            <a:spLocks noGrp="1"/>
+          </p:cNvSpPr>
+          <p:nvPr>
+            <p:ph type="sldNum" sz="quarter" idx="12"/>
+          </p:nvPr>
+        </p:nvSpPr>
+        <p:spPr/>
+        <p:txBody>
+          <a:bodyPr/>
+          <a:lstStyle/>
+          <a:p>
+            <a:fld id="{72521373-5A87-4CE2-A4F6-782832E35F7C}" type="slidenum">
+              <a:rPr/>
+              <a:pPr/>
+              <a:t>‹#›</a:t>
+            </a:fld>
+            <a:endParaRPr lang="en-US"/>
+          </a:p>
+        </p:txBody>
+      </p:sp>
+    </p:spTree>
   </p:cSld>
   <p:clrMapOvr>
     <a:masterClrMapping/>
@@ -2360,10 +6222,9 @@
           </a:lstStyle>
           <a:p>
             <a:r>
-              <a:rPr lang="en-US" smtClean="0"/>
+              <a:rPr lang="en-US"/>
               <a:t>Click to edit Master title style</a:t>
             </a:r>
-            <a:endParaRPr lang="en-US"/>
           </a:p>
         </p:txBody>
       </p:sp>
@@ -2487,7 +6348,7 @@
           <a:p>
             <a:pPr lvl="0"/>
             <a:r>
-              <a:rPr lang="en-US" smtClean="0"/>
+              <a:rPr lang="en-US"/>
               <a:t>Click to edit Master text styles</a:t>
             </a:r>
           </a:p>
@@ -2508,9 +6369,10 @@
           <a:bodyPr/>
           <a:lstStyle/>
           <a:p>
-            <a:fld id="{8200BD6B-8244-4B60-902B-7E4A65828A4E}" type="datetimeFigureOut">
-              <a:rPr lang="en-US" smtClean="0"/>
-              <a:t>8/1/2013</a:t>
+            <a:fld id="{8855BA6E-7452-48DA-814F-2537CAF4E498}" type="datetime1">
+              <a:rPr lang="en-US"/>
+              <a:pPr/>
+              <a:t>8/2/2013</a:t>
             </a:fld>
             <a:endParaRPr lang="en-US"/>
           </a:p>
@@ -2531,7 +6393,10 @@
           <a:bodyPr/>
           <a:lstStyle/>
           <a:p>
-            <a:endParaRPr lang="en-US"/>
+            <a:r>
+              <a:rPr lang="en-US"/>
+              <a:t>© 2012 RTI • COMPANY CONFIDENTIAL</a:t>
+            </a:r>
           </a:p>
         </p:txBody>
       </p:sp>
@@ -2550,8 +6415,9 @@
           <a:bodyPr/>
           <a:lstStyle/>
           <a:p>
-            <a:fld id="{BE9160CA-0E6A-4E03-8224-6D5C7645F756}" type="slidenum">
-              <a:rPr lang="en-US" smtClean="0"/>
+            <a:fld id="{72521373-5A87-4CE2-A4F6-782832E35F7C}" type="slidenum">
+              <a:rPr/>
+              <a:pPr/>
               <a:t>‹#›</a:t>
             </a:fld>
             <a:endParaRPr lang="en-US"/>
@@ -2559,11 +6425,6 @@
         </p:txBody>
       </p:sp>
     </p:spTree>
-    <p:extLst>
-      <p:ext uri="{BB962C8B-B14F-4D97-AF65-F5344CB8AC3E}">
-        <p14:creationId xmlns:p14="http://schemas.microsoft.com/office/powerpoint/2010/main" val="1155081185"/>
-      </p:ext>
-    </p:extLst>
   </p:cSld>
   <p:clrMapOvr>
     <a:masterClrMapping/>
@@ -2593,6 +6454,30 @@
           <a:chExt cx="0" cy="0"/>
         </a:xfrm>
       </p:grpSpPr>
+      <p:pic>
+        <p:nvPicPr>
+          <p:cNvPr id="9" name="Picture 8" descr="RTI-2012NewTemplate-p3sub2.jpg"/>
+          <p:cNvPicPr>
+            <a:picLocks noChangeAspect="1"/>
+          </p:cNvPicPr>
+          <p:nvPr userDrawn="1"/>
+        </p:nvPicPr>
+        <p:blipFill>
+          <a:blip r:embed="rId13" cstate="print"/>
+          <a:stretch>
+            <a:fillRect/>
+          </a:stretch>
+        </p:blipFill>
+        <p:spPr>
+          <a:xfrm>
+            <a:off x="0" y="0"/>
+            <a:ext cx="9144000" cy="6858000"/>
+          </a:xfrm>
+          <a:prstGeom prst="rect">
+            <a:avLst/>
+          </a:prstGeom>
+        </p:spPr>
+      </p:pic>
       <p:sp>
         <p:nvSpPr>
           <p:cNvPr id="2" name="Title Placeholder 1"/>
@@ -2619,10 +6504,9 @@
           <a:lstStyle/>
           <a:p>
             <a:r>
-              <a:rPr lang="en-US" smtClean="0"/>
+              <a:rPr lang="en-US"/>
               <a:t>Click to edit Master title style</a:t>
             </a:r>
-            <a:endParaRPr lang="en-US"/>
           </a:p>
         </p:txBody>
       </p:sp>
@@ -2653,38 +6537,37 @@
           <a:p>
             <a:pPr lvl="0"/>
             <a:r>
-              <a:rPr lang="en-US" smtClean="0"/>
+              <a:rPr lang="en-US"/>
               <a:t>Click to edit Master text styles</a:t>
             </a:r>
           </a:p>
           <a:p>
             <a:pPr lvl="1"/>
             <a:r>
-              <a:rPr lang="en-US" smtClean="0"/>
+              <a:rPr lang="en-US"/>
               <a:t>Second level</a:t>
             </a:r>
           </a:p>
           <a:p>
             <a:pPr lvl="2"/>
             <a:r>
-              <a:rPr lang="en-US" smtClean="0"/>
+              <a:rPr lang="en-US"/>
               <a:t>Third level</a:t>
             </a:r>
           </a:p>
           <a:p>
             <a:pPr lvl="3"/>
             <a:r>
-              <a:rPr lang="en-US" smtClean="0"/>
+              <a:rPr lang="en-US"/>
               <a:t>Fourth level</a:t>
             </a:r>
           </a:p>
           <a:p>
             <a:pPr lvl="4"/>
             <a:r>
-              <a:rPr lang="en-US" smtClean="0"/>
+              <a:rPr lang="en-US"/>
               <a:t>Fifth level</a:t>
             </a:r>
-            <a:endParaRPr lang="en-US"/>
           </a:p>
         </p:txBody>
       </p:sp>
@@ -2700,18 +6583,21 @@
         </p:nvSpPr>
         <p:spPr>
           <a:xfrm>
-            <a:off x="457200" y="6356350"/>
+            <a:off x="457200" y="6454042"/>
             <a:ext cx="2133600" cy="365125"/>
           </a:xfrm>
           <a:prstGeom prst="rect">
             <a:avLst/>
           </a:prstGeom>
+          <a:ln>
+            <a:noFill/>
+          </a:ln>
         </p:spPr>
         <p:txBody>
           <a:bodyPr vert="horz" lIns="91440" tIns="45720" rIns="91440" bIns="45720" rtlCol="0" anchor="ctr"/>
           <a:lstStyle>
             <a:lvl1pPr algn="l">
-              <a:defRPr sz="1200">
+              <a:defRPr sz="900">
                 <a:solidFill>
                   <a:schemeClr val="tx1">
                     <a:tint val="75000"/>
@@ -2721,9 +6607,10 @@
             </a:lvl1pPr>
           </a:lstStyle>
           <a:p>
-            <a:fld id="{8200BD6B-8244-4B60-902B-7E4A65828A4E}" type="datetimeFigureOut">
-              <a:rPr lang="en-US" smtClean="0"/>
-              <a:t>8/1/2013</a:t>
+            <a:fld id="{67EEA766-9906-4922-BE38-43C741A29490}" type="datetime1">
+              <a:rPr lang="en-US"/>
+              <a:pPr/>
+              <a:t>8/2/2013</a:t>
             </a:fld>
             <a:endParaRPr lang="en-US"/>
           </a:p>
@@ -2741,18 +6628,25 @@
         </p:nvSpPr>
         <p:spPr>
           <a:xfrm>
-            <a:off x="3124200" y="6356350"/>
+            <a:off x="3124200" y="6454042"/>
             <a:ext cx="2895600" cy="365125"/>
           </a:xfrm>
           <a:prstGeom prst="rect">
             <a:avLst/>
           </a:prstGeom>
+          <a:ln w="0" cap="flat" cmpd="sng" algn="ctr">
+            <a:noFill/>
+            <a:prstDash val="solid"/>
+            <a:round/>
+            <a:headEnd type="none" w="med" len="med"/>
+            <a:tailEnd type="none" w="med" len="med"/>
+          </a:ln>
         </p:spPr>
         <p:txBody>
           <a:bodyPr vert="horz" lIns="91440" tIns="45720" rIns="91440" bIns="45720" rtlCol="0" anchor="ctr"/>
           <a:lstStyle>
             <a:lvl1pPr algn="ctr">
-              <a:defRPr sz="1200">
+              <a:defRPr sz="900">
                 <a:solidFill>
                   <a:schemeClr val="tx1">
                     <a:tint val="75000"/>
@@ -2762,7 +6656,11 @@
             </a:lvl1pPr>
           </a:lstStyle>
           <a:p>
-            <a:endParaRPr lang="en-US"/>
+            <a:r>
+              <a:rPr lang="en-US" dirty="0" smtClean="0"/>
+              <a:t>© 2013 RTI • COMPANY CONFIDENTIAL</a:t>
+            </a:r>
+            <a:endParaRPr lang="en-US" dirty="0"/>
           </a:p>
         </p:txBody>
       </p:sp>
@@ -2778,18 +6676,21 @@
         </p:nvSpPr>
         <p:spPr>
           <a:xfrm>
-            <a:off x="6553200" y="6356350"/>
+            <a:off x="6732302" y="6454042"/>
             <a:ext cx="2133600" cy="365125"/>
           </a:xfrm>
           <a:prstGeom prst="rect">
             <a:avLst/>
           </a:prstGeom>
+          <a:ln>
+            <a:noFill/>
+          </a:ln>
         </p:spPr>
         <p:txBody>
           <a:bodyPr vert="horz" lIns="91440" tIns="45720" rIns="91440" bIns="45720" rtlCol="0" anchor="ctr"/>
           <a:lstStyle>
             <a:lvl1pPr algn="r">
-              <a:defRPr sz="1200">
+              <a:defRPr sz="900">
                 <a:solidFill>
                   <a:schemeClr val="tx1">
                     <a:tint val="75000"/>
@@ -2799,8 +6700,9 @@
             </a:lvl1pPr>
           </a:lstStyle>
           <a:p>
-            <a:fld id="{BE9160CA-0E6A-4E03-8224-6D5C7645F756}" type="slidenum">
-              <a:rPr lang="en-US" smtClean="0"/>
+            <a:fld id="{72521373-5A87-4CE2-A4F6-782832E35F7C}" type="slidenum">
+              <a:rPr lang="en-US"/>
+              <a:pPr/>
               <a:t>‹#›</a:t>
             </a:fld>
             <a:endParaRPr lang="en-US"/>
@@ -2808,11 +6710,6 @@
         </p:txBody>
       </p:sp>
     </p:spTree>
-    <p:extLst>
-      <p:ext uri="{BB962C8B-B14F-4D97-AF65-F5344CB8AC3E}">
-        <p14:creationId xmlns:p14="http://schemas.microsoft.com/office/powerpoint/2010/main" val="1572066350"/>
-      </p:ext>
-    </p:extLst>
   </p:cSld>
   <p:clrMap bg1="lt1" tx1="dk1" bg2="lt2" tx2="dk2" accent1="accent1" accent2="accent2" accent3="accent3" accent4="accent4" accent5="accent5" accent6="accent6" hlink="hlink" folHlink="folHlink"/>
   <p:sldLayoutIdLst>
@@ -2828,16 +6725,20 @@
     <p:sldLayoutId id="2147483658" r:id="rId10"/>
     <p:sldLayoutId id="2147483659" r:id="rId11"/>
   </p:sldLayoutIdLst>
+  <p:hf hdr="0"/>
   <p:txStyles>
     <p:titleStyle>
-      <a:lvl1pPr algn="ctr" defTabSz="914400" rtl="0" eaLnBrk="1" latinLnBrk="0" hangingPunct="1">
+      <a:lvl1pPr algn="ctr" defTabSz="457200" rtl="0" eaLnBrk="1" latinLnBrk="0" hangingPunct="1">
+        <a:lnSpc>
+          <a:spcPts val="3600"/>
+        </a:lnSpc>
         <a:spcBef>
           <a:spcPct val="0"/>
         </a:spcBef>
         <a:buNone/>
-        <a:defRPr sz="4400" kern="1200">
+        <a:defRPr sz="3200" kern="1200">
           <a:solidFill>
-            <a:schemeClr val="tx1"/>
+            <a:srgbClr val="0F5EB0"/>
           </a:solidFill>
           <a:latin typeface="+mj-lt"/>
           <a:ea typeface="+mj-ea"/>
@@ -2846,11 +6747,11 @@
       </a:lvl1pPr>
     </p:titleStyle>
     <p:bodyStyle>
-      <a:lvl1pPr marL="342900" indent="-342900" algn="l" defTabSz="914400" rtl="0" eaLnBrk="1" latinLnBrk="0" hangingPunct="1">
+      <a:lvl1pPr marL="342900" indent="-342900" algn="l" defTabSz="457200" rtl="0" eaLnBrk="1" latinLnBrk="0" hangingPunct="1">
         <a:spcBef>
           <a:spcPct val="20000"/>
         </a:spcBef>
-        <a:buFont typeface="Arial" pitchFamily="34" charset="0"/>
+        <a:buFont typeface="Arial"/>
         <a:buChar char="•"/>
         <a:defRPr sz="3200" kern="1200">
           <a:solidFill>
@@ -2861,11 +6762,11 @@
           <a:cs typeface="+mn-cs"/>
         </a:defRPr>
       </a:lvl1pPr>
-      <a:lvl2pPr marL="742950" indent="-285750" algn="l" defTabSz="914400" rtl="0" eaLnBrk="1" latinLnBrk="0" hangingPunct="1">
+      <a:lvl2pPr marL="742950" indent="-285750" algn="l" defTabSz="457200" rtl="0" eaLnBrk="1" latinLnBrk="0" hangingPunct="1">
         <a:spcBef>
           <a:spcPct val="20000"/>
         </a:spcBef>
-        <a:buFont typeface="Arial" pitchFamily="34" charset="0"/>
+        <a:buFont typeface="Arial"/>
         <a:buChar char="–"/>
         <a:defRPr sz="2800" kern="1200">
           <a:solidFill>
@@ -2876,11 +6777,11 @@
           <a:cs typeface="+mn-cs"/>
         </a:defRPr>
       </a:lvl2pPr>
-      <a:lvl3pPr marL="1143000" indent="-228600" algn="l" defTabSz="914400" rtl="0" eaLnBrk="1" latinLnBrk="0" hangingPunct="1">
+      <a:lvl3pPr marL="1143000" indent="-228600" algn="l" defTabSz="457200" rtl="0" eaLnBrk="1" latinLnBrk="0" hangingPunct="1">
         <a:spcBef>
           <a:spcPct val="20000"/>
         </a:spcBef>
-        <a:buFont typeface="Arial" pitchFamily="34" charset="0"/>
+        <a:buFont typeface="Arial"/>
         <a:buChar char="•"/>
         <a:defRPr sz="2400" kern="1200">
           <a:solidFill>
@@ -2891,11 +6792,11 @@
           <a:cs typeface="+mn-cs"/>
         </a:defRPr>
       </a:lvl3pPr>
-      <a:lvl4pPr marL="1600200" indent="-228600" algn="l" defTabSz="914400" rtl="0" eaLnBrk="1" latinLnBrk="0" hangingPunct="1">
+      <a:lvl4pPr marL="1600200" indent="-228600" algn="l" defTabSz="457200" rtl="0" eaLnBrk="1" latinLnBrk="0" hangingPunct="1">
         <a:spcBef>
           <a:spcPct val="20000"/>
         </a:spcBef>
-        <a:buFont typeface="Arial" pitchFamily="34" charset="0"/>
+        <a:buFont typeface="Arial"/>
         <a:buChar char="–"/>
         <a:defRPr sz="2000" kern="1200">
           <a:solidFill>
@@ -2906,11 +6807,11 @@
           <a:cs typeface="+mn-cs"/>
         </a:defRPr>
       </a:lvl4pPr>
-      <a:lvl5pPr marL="2057400" indent="-228600" algn="l" defTabSz="914400" rtl="0" eaLnBrk="1" latinLnBrk="0" hangingPunct="1">
+      <a:lvl5pPr marL="2057400" indent="-228600" algn="l" defTabSz="457200" rtl="0" eaLnBrk="1" latinLnBrk="0" hangingPunct="1">
         <a:spcBef>
           <a:spcPct val="20000"/>
         </a:spcBef>
-        <a:buFont typeface="Arial" pitchFamily="34" charset="0"/>
+        <a:buFont typeface="Arial"/>
         <a:buChar char="»"/>
         <a:defRPr sz="2000" kern="1200">
           <a:solidFill>
@@ -2921,11 +6822,11 @@
           <a:cs typeface="+mn-cs"/>
         </a:defRPr>
       </a:lvl5pPr>
-      <a:lvl6pPr marL="2514600" indent="-228600" algn="l" defTabSz="914400" rtl="0" eaLnBrk="1" latinLnBrk="0" hangingPunct="1">
+      <a:lvl6pPr marL="2514600" indent="-228600" algn="l" defTabSz="457200" rtl="0" eaLnBrk="1" latinLnBrk="0" hangingPunct="1">
         <a:spcBef>
           <a:spcPct val="20000"/>
         </a:spcBef>
-        <a:buFont typeface="Arial" pitchFamily="34" charset="0"/>
+        <a:buFont typeface="Arial"/>
         <a:buChar char="•"/>
         <a:defRPr sz="2000" kern="1200">
           <a:solidFill>
@@ -2936,11 +6837,11 @@
           <a:cs typeface="+mn-cs"/>
         </a:defRPr>
       </a:lvl6pPr>
-      <a:lvl7pPr marL="2971800" indent="-228600" algn="l" defTabSz="914400" rtl="0" eaLnBrk="1" latinLnBrk="0" hangingPunct="1">
+      <a:lvl7pPr marL="2971800" indent="-228600" algn="l" defTabSz="457200" rtl="0" eaLnBrk="1" latinLnBrk="0" hangingPunct="1">
         <a:spcBef>
           <a:spcPct val="20000"/>
         </a:spcBef>
-        <a:buFont typeface="Arial" pitchFamily="34" charset="0"/>
+        <a:buFont typeface="Arial"/>
         <a:buChar char="•"/>
         <a:defRPr sz="2000" kern="1200">
           <a:solidFill>
@@ -2951,11 +6852,11 @@
           <a:cs typeface="+mn-cs"/>
         </a:defRPr>
       </a:lvl7pPr>
-      <a:lvl8pPr marL="3429000" indent="-228600" algn="l" defTabSz="914400" rtl="0" eaLnBrk="1" latinLnBrk="0" hangingPunct="1">
+      <a:lvl8pPr marL="3429000" indent="-228600" algn="l" defTabSz="457200" rtl="0" eaLnBrk="1" latinLnBrk="0" hangingPunct="1">
         <a:spcBef>
           <a:spcPct val="20000"/>
         </a:spcBef>
-        <a:buFont typeface="Arial" pitchFamily="34" charset="0"/>
+        <a:buFont typeface="Arial"/>
         <a:buChar char="•"/>
         <a:defRPr sz="2000" kern="1200">
           <a:solidFill>
@@ -2966,11 +6867,11 @@
           <a:cs typeface="+mn-cs"/>
         </a:defRPr>
       </a:lvl8pPr>
-      <a:lvl9pPr marL="3886200" indent="-228600" algn="l" defTabSz="914400" rtl="0" eaLnBrk="1" latinLnBrk="0" hangingPunct="1">
+      <a:lvl9pPr marL="3886200" indent="-228600" algn="l" defTabSz="457200" rtl="0" eaLnBrk="1" latinLnBrk="0" hangingPunct="1">
         <a:spcBef>
           <a:spcPct val="20000"/>
         </a:spcBef>
-        <a:buFont typeface="Arial" pitchFamily="34" charset="0"/>
+        <a:buFont typeface="Arial"/>
         <a:buChar char="•"/>
         <a:defRPr sz="2000" kern="1200">
           <a:solidFill>
@@ -2986,7 +6887,7 @@
       <a:defPPr>
         <a:defRPr lang="en-US"/>
       </a:defPPr>
-      <a:lvl1pPr marL="0" algn="l" defTabSz="914400" rtl="0" eaLnBrk="1" latinLnBrk="0" hangingPunct="1">
+      <a:lvl1pPr marL="0" algn="l" defTabSz="457200" rtl="0" eaLnBrk="1" latinLnBrk="0" hangingPunct="1">
         <a:defRPr sz="1800" kern="1200">
           <a:solidFill>
             <a:schemeClr val="tx1"/>
@@ -2996,7 +6897,7 @@
           <a:cs typeface="+mn-cs"/>
         </a:defRPr>
       </a:lvl1pPr>
-      <a:lvl2pPr marL="457200" algn="l" defTabSz="914400" rtl="0" eaLnBrk="1" latinLnBrk="0" hangingPunct="1">
+      <a:lvl2pPr marL="457200" algn="l" defTabSz="457200" rtl="0" eaLnBrk="1" latinLnBrk="0" hangingPunct="1">
         <a:defRPr sz="1800" kern="1200">
           <a:solidFill>
             <a:schemeClr val="tx1"/>
@@ -3006,7 +6907,7 @@
           <a:cs typeface="+mn-cs"/>
         </a:defRPr>
       </a:lvl2pPr>
-      <a:lvl3pPr marL="914400" algn="l" defTabSz="914400" rtl="0" eaLnBrk="1" latinLnBrk="0" hangingPunct="1">
+      <a:lvl3pPr marL="914400" algn="l" defTabSz="457200" rtl="0" eaLnBrk="1" latinLnBrk="0" hangingPunct="1">
         <a:defRPr sz="1800" kern="1200">
           <a:solidFill>
             <a:schemeClr val="tx1"/>
@@ -3016,7 +6917,7 @@
           <a:cs typeface="+mn-cs"/>
         </a:defRPr>
       </a:lvl3pPr>
-      <a:lvl4pPr marL="1371600" algn="l" defTabSz="914400" rtl="0" eaLnBrk="1" latinLnBrk="0" hangingPunct="1">
+      <a:lvl4pPr marL="1371600" algn="l" defTabSz="457200" rtl="0" eaLnBrk="1" latinLnBrk="0" hangingPunct="1">
         <a:defRPr sz="1800" kern="1200">
           <a:solidFill>
             <a:schemeClr val="tx1"/>
@@ -3026,7 +6927,7 @@
           <a:cs typeface="+mn-cs"/>
         </a:defRPr>
       </a:lvl4pPr>
-      <a:lvl5pPr marL="1828800" algn="l" defTabSz="914400" rtl="0" eaLnBrk="1" latinLnBrk="0" hangingPunct="1">
+      <a:lvl5pPr marL="1828800" algn="l" defTabSz="457200" rtl="0" eaLnBrk="1" latinLnBrk="0" hangingPunct="1">
         <a:defRPr sz="1800" kern="1200">
           <a:solidFill>
             <a:schemeClr val="tx1"/>
@@ -3036,7 +6937,7 @@
           <a:cs typeface="+mn-cs"/>
         </a:defRPr>
       </a:lvl5pPr>
-      <a:lvl6pPr marL="2286000" algn="l" defTabSz="914400" rtl="0" eaLnBrk="1" latinLnBrk="0" hangingPunct="1">
+      <a:lvl6pPr marL="2286000" algn="l" defTabSz="457200" rtl="0" eaLnBrk="1" latinLnBrk="0" hangingPunct="1">
         <a:defRPr sz="1800" kern="1200">
           <a:solidFill>
             <a:schemeClr val="tx1"/>
@@ -3046,7 +6947,7 @@
           <a:cs typeface="+mn-cs"/>
         </a:defRPr>
       </a:lvl6pPr>
-      <a:lvl7pPr marL="2743200" algn="l" defTabSz="914400" rtl="0" eaLnBrk="1" latinLnBrk="0" hangingPunct="1">
+      <a:lvl7pPr marL="2743200" algn="l" defTabSz="457200" rtl="0" eaLnBrk="1" latinLnBrk="0" hangingPunct="1">
         <a:defRPr sz="1800" kern="1200">
           <a:solidFill>
             <a:schemeClr val="tx1"/>
@@ -3056,7 +6957,7 @@
           <a:cs typeface="+mn-cs"/>
         </a:defRPr>
       </a:lvl7pPr>
-      <a:lvl8pPr marL="3200400" algn="l" defTabSz="914400" rtl="0" eaLnBrk="1" latinLnBrk="0" hangingPunct="1">
+      <a:lvl8pPr marL="3200400" algn="l" defTabSz="457200" rtl="0" eaLnBrk="1" latinLnBrk="0" hangingPunct="1">
         <a:defRPr sz="1800" kern="1200">
           <a:solidFill>
             <a:schemeClr val="tx1"/>
@@ -3066,7 +6967,901 @@
           <a:cs typeface="+mn-cs"/>
         </a:defRPr>
       </a:lvl8pPr>
-      <a:lvl9pPr marL="3657600" algn="l" defTabSz="914400" rtl="0" eaLnBrk="1" latinLnBrk="0" hangingPunct="1">
+      <a:lvl9pPr marL="3657600" algn="l" defTabSz="457200" rtl="0" eaLnBrk="1" latinLnBrk="0" hangingPunct="1">
+        <a:defRPr sz="1800" kern="1200">
+          <a:solidFill>
+            <a:schemeClr val="tx1"/>
+          </a:solidFill>
+          <a:latin typeface="+mn-lt"/>
+          <a:ea typeface="+mn-ea"/>
+          <a:cs typeface="+mn-cs"/>
+        </a:defRPr>
+      </a:lvl9pPr>
+    </p:otherStyle>
+  </p:txStyles>
+</p:sldMaster>
+</file>
+
+<file path=ppt/slideMasters/slideMaster2.xml><?xml version="1.0" encoding="utf-8"?>
+<p:sldMaster xmlns:a="http://schemas.openxmlformats.org/drawingml/2006/main" xmlns:r="http://schemas.openxmlformats.org/officeDocument/2006/relationships" xmlns:p="http://schemas.openxmlformats.org/presentationml/2006/main" preserve="1">
+  <p:cSld>
+    <p:bg>
+      <p:bgPr>
+        <a:solidFill>
+          <a:schemeClr val="tx1">
+            <a:alpha val="50980"/>
+          </a:schemeClr>
+        </a:solidFill>
+        <a:effectLst/>
+      </p:bgPr>
+    </p:bg>
+    <p:spTree>
+      <p:nvGrpSpPr>
+        <p:cNvPr id="1" name=""/>
+        <p:cNvGrpSpPr/>
+        <p:nvPr/>
+      </p:nvGrpSpPr>
+      <p:grpSpPr>
+        <a:xfrm>
+          <a:off x="0" y="0"/>
+          <a:ext cx="0" cy="0"/>
+          <a:chOff x="0" y="0"/>
+          <a:chExt cx="0" cy="0"/>
+        </a:xfrm>
+      </p:grpSpPr>
+      <p:pic>
+        <p:nvPicPr>
+          <p:cNvPr id="1026" name="Picture 15" descr="RTI-2012NewTemplate-p3LIGHTsubnologo.jpg"/>
+          <p:cNvPicPr>
+            <a:picLocks noChangeAspect="1"/>
+          </p:cNvPicPr>
+          <p:nvPr/>
+        </p:nvPicPr>
+        <p:blipFill>
+          <a:blip r:embed="rId13">
+            <a:extLst>
+              <a:ext uri="{28A0092B-C50C-407E-A947-70E740481C1C}">
+                <a14:useLocalDpi xmlns:a14="http://schemas.microsoft.com/office/drawing/2010/main" val="0"/>
+              </a:ext>
+            </a:extLst>
+          </a:blip>
+          <a:srcRect/>
+          <a:stretch>
+            <a:fillRect/>
+          </a:stretch>
+        </p:blipFill>
+        <p:spPr bwMode="auto">
+          <a:xfrm>
+            <a:off x="0" y="0"/>
+            <a:ext cx="9144000" cy="6858000"/>
+          </a:xfrm>
+          <a:prstGeom prst="rect">
+            <a:avLst/>
+          </a:prstGeom>
+          <a:noFill/>
+          <a:ln>
+            <a:noFill/>
+          </a:ln>
+          <a:extLst>
+            <a:ext uri="{909E8E84-426E-40DD-AFC4-6F175D3DCCD1}">
+              <a14:hiddenFill xmlns:a14="http://schemas.microsoft.com/office/drawing/2010/main">
+                <a:solidFill>
+                  <a:srgbClr val="FFFFFF"/>
+                </a:solidFill>
+              </a14:hiddenFill>
+            </a:ext>
+            <a:ext uri="{91240B29-F687-4F45-9708-019B960494DF}">
+              <a14:hiddenLine xmlns:a14="http://schemas.microsoft.com/office/drawing/2010/main" w="9525">
+                <a:solidFill>
+                  <a:srgbClr val="000000"/>
+                </a:solidFill>
+                <a:miter lim="800000"/>
+                <a:headEnd/>
+                <a:tailEnd/>
+              </a14:hiddenLine>
+            </a:ext>
+          </a:extLst>
+        </p:spPr>
+      </p:pic>
+      <p:sp>
+        <p:nvSpPr>
+          <p:cNvPr id="1027" name="Text Placeholder 2"/>
+          <p:cNvSpPr>
+            <a:spLocks noGrp="1"/>
+          </p:cNvSpPr>
+          <p:nvPr>
+            <p:ph type="body" idx="1"/>
+          </p:nvPr>
+        </p:nvSpPr>
+        <p:spPr bwMode="auto">
+          <a:xfrm>
+            <a:off x="457200" y="1435100"/>
+            <a:ext cx="8229600" cy="4691063"/>
+          </a:xfrm>
+          <a:prstGeom prst="rect">
+            <a:avLst/>
+          </a:prstGeom>
+          <a:noFill/>
+          <a:ln>
+            <a:noFill/>
+          </a:ln>
+          <a:extLst>
+            <a:ext uri="{909E8E84-426E-40DD-AFC4-6F175D3DCCD1}">
+              <a14:hiddenFill xmlns:a14="http://schemas.microsoft.com/office/drawing/2010/main">
+                <a:solidFill>
+                  <a:srgbClr val="FFFFFF"/>
+                </a:solidFill>
+              </a14:hiddenFill>
+            </a:ext>
+            <a:ext uri="{91240B29-F687-4F45-9708-019B960494DF}">
+              <a14:hiddenLine xmlns:a14="http://schemas.microsoft.com/office/drawing/2010/main" w="9525">
+                <a:solidFill>
+                  <a:srgbClr val="000000"/>
+                </a:solidFill>
+                <a:miter lim="800000"/>
+                <a:headEnd/>
+                <a:tailEnd/>
+              </a14:hiddenLine>
+            </a:ext>
+          </a:extLst>
+        </p:spPr>
+        <p:txBody>
+          <a:bodyPr vert="horz" wrap="square" lIns="91440" tIns="45720" rIns="91440" bIns="45720" numCol="1" anchor="t" anchorCtr="0" compatLnSpc="1">
+            <a:prstTxWarp prst="textNoShape">
+              <a:avLst/>
+            </a:prstTxWarp>
+          </a:bodyPr>
+          <a:lstStyle/>
+          <a:p>
+            <a:pPr lvl="0"/>
+            <a:r>
+              <a:rPr lang="en-US" smtClean="0"/>
+              <a:t>Click to edit Master text styles</a:t>
+            </a:r>
+          </a:p>
+          <a:p>
+            <a:pPr lvl="1"/>
+            <a:r>
+              <a:rPr lang="en-US" smtClean="0"/>
+              <a:t>Second level</a:t>
+            </a:r>
+          </a:p>
+          <a:p>
+            <a:pPr lvl="2"/>
+            <a:r>
+              <a:rPr lang="en-US" smtClean="0"/>
+              <a:t>Third level</a:t>
+            </a:r>
+          </a:p>
+          <a:p>
+            <a:pPr lvl="3"/>
+            <a:r>
+              <a:rPr lang="en-US" smtClean="0"/>
+              <a:t>Fourth level</a:t>
+            </a:r>
+          </a:p>
+          <a:p>
+            <a:pPr lvl="4"/>
+            <a:r>
+              <a:rPr lang="en-US" smtClean="0"/>
+              <a:t>Fifth level</a:t>
+            </a:r>
+          </a:p>
+        </p:txBody>
+      </p:sp>
+      <p:sp>
+        <p:nvSpPr>
+          <p:cNvPr id="12" name="Date Placeholder 3"/>
+          <p:cNvSpPr>
+            <a:spLocks noGrp="1"/>
+          </p:cNvSpPr>
+          <p:nvPr>
+            <p:ph type="dt" sz="half" idx="2"/>
+          </p:nvPr>
+        </p:nvSpPr>
+        <p:spPr>
+          <a:xfrm>
+            <a:off x="457200" y="6454775"/>
+            <a:ext cx="2133600" cy="365125"/>
+          </a:xfrm>
+          <a:prstGeom prst="rect">
+            <a:avLst/>
+          </a:prstGeom>
+          <a:ln>
+            <a:noFill/>
+          </a:ln>
+        </p:spPr>
+        <p:txBody>
+          <a:bodyPr vert="horz" lIns="0" tIns="0" rIns="0" bIns="0" rtlCol="0" anchor="ctr"/>
+          <a:lstStyle>
+            <a:lvl1pPr algn="l">
+              <a:defRPr sz="900">
+                <a:solidFill>
+                  <a:schemeClr val="tx1">
+                    <a:tint val="75000"/>
+                  </a:schemeClr>
+                </a:solidFill>
+                <a:latin typeface="Arial" charset="0"/>
+              </a:defRPr>
+            </a:lvl1pPr>
+          </a:lstStyle>
+          <a:p>
+            <a:pPr defTabSz="914400" eaLnBrk="0" fontAlgn="base" hangingPunct="0">
+              <a:spcBef>
+                <a:spcPct val="0"/>
+              </a:spcBef>
+              <a:spcAft>
+                <a:spcPct val="0"/>
+              </a:spcAft>
+              <a:defRPr/>
+            </a:pPr>
+            <a:fld id="{A0D0AD4D-7BE6-41C4-BB3B-7A4F93DFECA0}" type="datetime1">
+              <a:rPr lang="en-US" b="1">
+                <a:solidFill>
+                  <a:prstClr val="black">
+                    <a:tint val="75000"/>
+                  </a:prstClr>
+                </a:solidFill>
+              </a:rPr>
+              <a:pPr defTabSz="914400" eaLnBrk="0" fontAlgn="base" hangingPunct="0">
+                <a:spcBef>
+                  <a:spcPct val="0"/>
+                </a:spcBef>
+                <a:spcAft>
+                  <a:spcPct val="0"/>
+                </a:spcAft>
+                <a:defRPr/>
+              </a:pPr>
+              <a:t>8/2/2013</a:t>
+            </a:fld>
+            <a:endParaRPr lang="en-US" b="1">
+              <a:solidFill>
+                <a:prstClr val="black">
+                  <a:tint val="75000"/>
+                </a:prstClr>
+              </a:solidFill>
+            </a:endParaRPr>
+          </a:p>
+        </p:txBody>
+      </p:sp>
+      <p:sp>
+        <p:nvSpPr>
+          <p:cNvPr id="13" name="Footer Placeholder 4"/>
+          <p:cNvSpPr>
+            <a:spLocks noGrp="1"/>
+          </p:cNvSpPr>
+          <p:nvPr>
+            <p:ph type="ftr" sz="quarter" idx="3"/>
+          </p:nvPr>
+        </p:nvSpPr>
+        <p:spPr>
+          <a:xfrm>
+            <a:off x="2590800" y="6454775"/>
+            <a:ext cx="3429000" cy="365125"/>
+          </a:xfrm>
+          <a:prstGeom prst="rect">
+            <a:avLst/>
+          </a:prstGeom>
+          <a:ln w="0" cap="flat" cmpd="sng" algn="ctr">
+            <a:noFill/>
+            <a:prstDash val="solid"/>
+            <a:round/>
+            <a:headEnd type="none" w="med" len="med"/>
+            <a:tailEnd type="none" w="med" len="med"/>
+          </a:ln>
+        </p:spPr>
+        <p:txBody>
+          <a:bodyPr vert="horz" lIns="0" tIns="0" rIns="0" bIns="0" rtlCol="0" anchor="ctr"/>
+          <a:lstStyle>
+            <a:lvl1pPr algn="ctr">
+              <a:defRPr sz="900">
+                <a:solidFill>
+                  <a:schemeClr val="tx1">
+                    <a:tint val="75000"/>
+                  </a:schemeClr>
+                </a:solidFill>
+                <a:latin typeface="Arial" charset="0"/>
+              </a:defRPr>
+            </a:lvl1pPr>
+          </a:lstStyle>
+          <a:p>
+            <a:pPr defTabSz="914400" eaLnBrk="0" fontAlgn="base" hangingPunct="0">
+              <a:spcBef>
+                <a:spcPct val="0"/>
+              </a:spcBef>
+              <a:spcAft>
+                <a:spcPct val="0"/>
+              </a:spcAft>
+              <a:defRPr/>
+            </a:pPr>
+            <a:endParaRPr lang="en-US" b="1">
+              <a:solidFill>
+                <a:prstClr val="black">
+                  <a:tint val="75000"/>
+                </a:prstClr>
+              </a:solidFill>
+            </a:endParaRPr>
+          </a:p>
+        </p:txBody>
+      </p:sp>
+      <p:sp>
+        <p:nvSpPr>
+          <p:cNvPr id="14" name="Slide Number Placeholder 5"/>
+          <p:cNvSpPr>
+            <a:spLocks noGrp="1"/>
+          </p:cNvSpPr>
+          <p:nvPr>
+            <p:ph type="sldNum" sz="quarter" idx="4"/>
+          </p:nvPr>
+        </p:nvSpPr>
+        <p:spPr>
+          <a:xfrm>
+            <a:off x="6019800" y="6454775"/>
+            <a:ext cx="2667000" cy="365125"/>
+          </a:xfrm>
+          <a:prstGeom prst="rect">
+            <a:avLst/>
+          </a:prstGeom>
+          <a:ln>
+            <a:noFill/>
+          </a:ln>
+        </p:spPr>
+        <p:txBody>
+          <a:bodyPr vert="horz" lIns="0" tIns="0" rIns="0" bIns="0" rtlCol="0" anchor="ctr"/>
+          <a:lstStyle>
+            <a:lvl1pPr algn="r">
+              <a:defRPr sz="900" smtClean="0">
+                <a:solidFill>
+                  <a:schemeClr val="tx1">
+                    <a:tint val="75000"/>
+                  </a:schemeClr>
+                </a:solidFill>
+                <a:latin typeface="Arial" charset="0"/>
+              </a:defRPr>
+            </a:lvl1pPr>
+          </a:lstStyle>
+          <a:p>
+            <a:pPr defTabSz="914400" eaLnBrk="0" fontAlgn="base" hangingPunct="0">
+              <a:spcBef>
+                <a:spcPct val="0"/>
+              </a:spcBef>
+              <a:spcAft>
+                <a:spcPct val="0"/>
+              </a:spcAft>
+              <a:defRPr/>
+            </a:pPr>
+            <a:fld id="{27CD97C0-5C98-455B-8EDF-EF709B4C83F2}" type="slidenum">
+              <a:rPr lang="en-US" b="1">
+                <a:solidFill>
+                  <a:prstClr val="black">
+                    <a:tint val="75000"/>
+                  </a:prstClr>
+                </a:solidFill>
+              </a:rPr>
+              <a:pPr defTabSz="914400" eaLnBrk="0" fontAlgn="base" hangingPunct="0">
+                <a:spcBef>
+                  <a:spcPct val="0"/>
+                </a:spcBef>
+                <a:spcAft>
+                  <a:spcPct val="0"/>
+                </a:spcAft>
+                <a:defRPr/>
+              </a:pPr>
+              <a:t>‹#›</a:t>
+            </a:fld>
+            <a:endParaRPr lang="en-US" b="1">
+              <a:solidFill>
+                <a:prstClr val="black">
+                  <a:tint val="75000"/>
+                </a:prstClr>
+              </a:solidFill>
+            </a:endParaRPr>
+          </a:p>
+        </p:txBody>
+      </p:sp>
+      <p:pic>
+        <p:nvPicPr>
+          <p:cNvPr id="1031" name="Picture 14" descr="rti-logo-FINALv2-2PMS.png"/>
+          <p:cNvPicPr>
+            <a:picLocks noChangeAspect="1"/>
+          </p:cNvPicPr>
+          <p:nvPr/>
+        </p:nvPicPr>
+        <p:blipFill>
+          <a:blip r:embed="rId14" cstate="print">
+            <a:extLst>
+              <a:ext uri="{28A0092B-C50C-407E-A947-70E740481C1C}">
+                <a14:useLocalDpi xmlns:a14="http://schemas.microsoft.com/office/drawing/2010/main" val="0"/>
+              </a:ext>
+            </a:extLst>
+          </a:blip>
+          <a:srcRect/>
+          <a:stretch>
+            <a:fillRect/>
+          </a:stretch>
+        </p:blipFill>
+        <p:spPr bwMode="auto">
+          <a:xfrm>
+            <a:off x="8415338" y="274638"/>
+            <a:ext cx="441325" cy="406400"/>
+          </a:xfrm>
+          <a:prstGeom prst="rect">
+            <a:avLst/>
+          </a:prstGeom>
+          <a:noFill/>
+          <a:ln>
+            <a:noFill/>
+          </a:ln>
+          <a:extLst>
+            <a:ext uri="{909E8E84-426E-40DD-AFC4-6F175D3DCCD1}">
+              <a14:hiddenFill xmlns:a14="http://schemas.microsoft.com/office/drawing/2010/main">
+                <a:solidFill>
+                  <a:srgbClr val="FFFFFF"/>
+                </a:solidFill>
+              </a14:hiddenFill>
+            </a:ext>
+            <a:ext uri="{91240B29-F687-4F45-9708-019B960494DF}">
+              <a14:hiddenLine xmlns:a14="http://schemas.microsoft.com/office/drawing/2010/main" w="9525">
+                <a:solidFill>
+                  <a:srgbClr val="000000"/>
+                </a:solidFill>
+                <a:miter lim="800000"/>
+                <a:headEnd/>
+                <a:tailEnd/>
+              </a14:hiddenLine>
+            </a:ext>
+          </a:extLst>
+        </p:spPr>
+      </p:pic>
+      <p:sp>
+        <p:nvSpPr>
+          <p:cNvPr id="2" name="Title Placeholder 1"/>
+          <p:cNvSpPr>
+            <a:spLocks noGrp="1"/>
+          </p:cNvSpPr>
+          <p:nvPr>
+            <p:ph type="title"/>
+          </p:nvPr>
+        </p:nvSpPr>
+        <p:spPr>
+          <a:xfrm>
+            <a:off x="457200" y="274638"/>
+            <a:ext cx="8229600" cy="944562"/>
+          </a:xfrm>
+          <a:prstGeom prst="rect">
+            <a:avLst/>
+          </a:prstGeom>
+        </p:spPr>
+        <p:txBody>
+          <a:bodyPr vert="horz" lIns="91440" tIns="45720" rIns="91440" bIns="45720" rtlCol="0" anchor="ctr">
+            <a:normAutofit/>
+          </a:bodyPr>
+          <a:lstStyle/>
+          <a:p>
+            <a:r>
+              <a:rPr lang="en-US" noProof="0" smtClean="0"/>
+              <a:t>Click to edit Master title style</a:t>
+            </a:r>
+            <a:endParaRPr lang="en-US" dirty="0"/>
+          </a:p>
+        </p:txBody>
+      </p:sp>
+    </p:spTree>
+    <p:extLst>
+      <p:ext uri="{BB962C8B-B14F-4D97-AF65-F5344CB8AC3E}">
+        <p14:creationId xmlns:p14="http://schemas.microsoft.com/office/powerpoint/2010/main" val="581100760"/>
+      </p:ext>
+    </p:extLst>
+  </p:cSld>
+  <p:clrMap bg1="lt1" tx1="dk1" bg2="lt2" tx2="dk2" accent1="accent1" accent2="accent2" accent3="accent3" accent4="accent4" accent5="accent5" accent6="accent6" hlink="hlink" folHlink="folHlink"/>
+  <p:sldLayoutIdLst>
+    <p:sldLayoutId id="2147483661" r:id="rId1"/>
+    <p:sldLayoutId id="2147483662" r:id="rId2"/>
+    <p:sldLayoutId id="2147483663" r:id="rId3"/>
+    <p:sldLayoutId id="2147483664" r:id="rId4"/>
+    <p:sldLayoutId id="2147483665" r:id="rId5"/>
+    <p:sldLayoutId id="2147483666" r:id="rId6"/>
+    <p:sldLayoutId id="2147483667" r:id="rId7"/>
+    <p:sldLayoutId id="2147483668" r:id="rId8"/>
+    <p:sldLayoutId id="2147483669" r:id="rId9"/>
+    <p:sldLayoutId id="2147483670" r:id="rId10"/>
+    <p:sldLayoutId id="2147483671" r:id="rId11"/>
+  </p:sldLayoutIdLst>
+  <p:txStyles>
+    <p:titleStyle>
+      <a:lvl1pPr algn="l" defTabSz="457200" rtl="0" fontAlgn="base">
+        <a:lnSpc>
+          <a:spcPts val="3600"/>
+        </a:lnSpc>
+        <a:spcBef>
+          <a:spcPct val="0"/>
+        </a:spcBef>
+        <a:spcAft>
+          <a:spcPct val="0"/>
+        </a:spcAft>
+        <a:defRPr sz="3600" kern="1200">
+          <a:solidFill>
+            <a:srgbClr val="112946"/>
+          </a:solidFill>
+          <a:latin typeface="+mj-lt"/>
+          <a:ea typeface="+mj-ea"/>
+          <a:cs typeface="+mj-cs"/>
+        </a:defRPr>
+      </a:lvl1pPr>
+      <a:lvl2pPr algn="l" defTabSz="457200" rtl="0" fontAlgn="base">
+        <a:lnSpc>
+          <a:spcPts val="3600"/>
+        </a:lnSpc>
+        <a:spcBef>
+          <a:spcPct val="0"/>
+        </a:spcBef>
+        <a:spcAft>
+          <a:spcPct val="0"/>
+        </a:spcAft>
+        <a:defRPr sz="3600">
+          <a:solidFill>
+            <a:srgbClr val="112946"/>
+          </a:solidFill>
+          <a:latin typeface="Calibri" pitchFamily="34" charset="0"/>
+        </a:defRPr>
+      </a:lvl2pPr>
+      <a:lvl3pPr algn="l" defTabSz="457200" rtl="0" fontAlgn="base">
+        <a:lnSpc>
+          <a:spcPts val="3600"/>
+        </a:lnSpc>
+        <a:spcBef>
+          <a:spcPct val="0"/>
+        </a:spcBef>
+        <a:spcAft>
+          <a:spcPct val="0"/>
+        </a:spcAft>
+        <a:defRPr sz="3600">
+          <a:solidFill>
+            <a:srgbClr val="112946"/>
+          </a:solidFill>
+          <a:latin typeface="Calibri" pitchFamily="34" charset="0"/>
+        </a:defRPr>
+      </a:lvl3pPr>
+      <a:lvl4pPr algn="l" defTabSz="457200" rtl="0" fontAlgn="base">
+        <a:lnSpc>
+          <a:spcPts val="3600"/>
+        </a:lnSpc>
+        <a:spcBef>
+          <a:spcPct val="0"/>
+        </a:spcBef>
+        <a:spcAft>
+          <a:spcPct val="0"/>
+        </a:spcAft>
+        <a:defRPr sz="3600">
+          <a:solidFill>
+            <a:srgbClr val="112946"/>
+          </a:solidFill>
+          <a:latin typeface="Calibri" pitchFamily="34" charset="0"/>
+        </a:defRPr>
+      </a:lvl4pPr>
+      <a:lvl5pPr algn="l" defTabSz="457200" rtl="0" fontAlgn="base">
+        <a:lnSpc>
+          <a:spcPts val="3600"/>
+        </a:lnSpc>
+        <a:spcBef>
+          <a:spcPct val="0"/>
+        </a:spcBef>
+        <a:spcAft>
+          <a:spcPct val="0"/>
+        </a:spcAft>
+        <a:defRPr sz="3600">
+          <a:solidFill>
+            <a:srgbClr val="112946"/>
+          </a:solidFill>
+          <a:latin typeface="Calibri" pitchFamily="34" charset="0"/>
+        </a:defRPr>
+      </a:lvl5pPr>
+      <a:lvl6pPr marL="457200" algn="l" defTabSz="457200" rtl="0" fontAlgn="base">
+        <a:lnSpc>
+          <a:spcPts val="3600"/>
+        </a:lnSpc>
+        <a:spcBef>
+          <a:spcPct val="0"/>
+        </a:spcBef>
+        <a:spcAft>
+          <a:spcPct val="0"/>
+        </a:spcAft>
+        <a:defRPr sz="3600">
+          <a:solidFill>
+            <a:srgbClr val="112946"/>
+          </a:solidFill>
+          <a:latin typeface="Calibri" pitchFamily="34" charset="0"/>
+        </a:defRPr>
+      </a:lvl6pPr>
+      <a:lvl7pPr marL="914400" algn="l" defTabSz="457200" rtl="0" fontAlgn="base">
+        <a:lnSpc>
+          <a:spcPts val="3600"/>
+        </a:lnSpc>
+        <a:spcBef>
+          <a:spcPct val="0"/>
+        </a:spcBef>
+        <a:spcAft>
+          <a:spcPct val="0"/>
+        </a:spcAft>
+        <a:defRPr sz="3600">
+          <a:solidFill>
+            <a:srgbClr val="112946"/>
+          </a:solidFill>
+          <a:latin typeface="Calibri" pitchFamily="34" charset="0"/>
+        </a:defRPr>
+      </a:lvl7pPr>
+      <a:lvl8pPr marL="1371600" algn="l" defTabSz="457200" rtl="0" fontAlgn="base">
+        <a:lnSpc>
+          <a:spcPts val="3600"/>
+        </a:lnSpc>
+        <a:spcBef>
+          <a:spcPct val="0"/>
+        </a:spcBef>
+        <a:spcAft>
+          <a:spcPct val="0"/>
+        </a:spcAft>
+        <a:defRPr sz="3600">
+          <a:solidFill>
+            <a:srgbClr val="112946"/>
+          </a:solidFill>
+          <a:latin typeface="Calibri" pitchFamily="34" charset="0"/>
+        </a:defRPr>
+      </a:lvl8pPr>
+      <a:lvl9pPr marL="1828800" algn="l" defTabSz="457200" rtl="0" fontAlgn="base">
+        <a:lnSpc>
+          <a:spcPts val="3600"/>
+        </a:lnSpc>
+        <a:spcBef>
+          <a:spcPct val="0"/>
+        </a:spcBef>
+        <a:spcAft>
+          <a:spcPct val="0"/>
+        </a:spcAft>
+        <a:defRPr sz="3600">
+          <a:solidFill>
+            <a:srgbClr val="112946"/>
+          </a:solidFill>
+          <a:latin typeface="Calibri" pitchFamily="34" charset="0"/>
+        </a:defRPr>
+      </a:lvl9pPr>
+    </p:titleStyle>
+    <p:bodyStyle>
+      <a:lvl1pPr marL="292100" indent="-292100" algn="l" defTabSz="457200" rtl="0" fontAlgn="base">
+        <a:spcBef>
+          <a:spcPct val="20000"/>
+        </a:spcBef>
+        <a:spcAft>
+          <a:spcPct val="0"/>
+        </a:spcAft>
+        <a:buFont typeface="Arial" pitchFamily="34" charset="0"/>
+        <a:buChar char="•"/>
+        <a:defRPr sz="3200" kern="1200">
+          <a:solidFill>
+            <a:schemeClr val="tx1"/>
+          </a:solidFill>
+          <a:latin typeface="+mn-lt"/>
+          <a:ea typeface="+mn-ea"/>
+          <a:cs typeface="+mn-cs"/>
+        </a:defRPr>
+      </a:lvl1pPr>
+      <a:lvl2pPr marL="742950" indent="-285750" algn="l" defTabSz="457200" rtl="0" fontAlgn="base">
+        <a:spcBef>
+          <a:spcPct val="20000"/>
+        </a:spcBef>
+        <a:spcAft>
+          <a:spcPct val="0"/>
+        </a:spcAft>
+        <a:buFont typeface="Arial" pitchFamily="34" charset="0"/>
+        <a:buChar char="–"/>
+        <a:defRPr sz="2800" kern="1200">
+          <a:solidFill>
+            <a:schemeClr val="tx1"/>
+          </a:solidFill>
+          <a:latin typeface="+mn-lt"/>
+          <a:ea typeface="+mn-ea"/>
+          <a:cs typeface="+mn-cs"/>
+        </a:defRPr>
+      </a:lvl2pPr>
+      <a:lvl3pPr marL="1143000" indent="-228600" algn="l" defTabSz="457200" rtl="0" fontAlgn="base">
+        <a:spcBef>
+          <a:spcPct val="20000"/>
+        </a:spcBef>
+        <a:spcAft>
+          <a:spcPct val="0"/>
+        </a:spcAft>
+        <a:buFont typeface="Arial" pitchFamily="34" charset="0"/>
+        <a:buChar char="•"/>
+        <a:defRPr sz="2400" kern="1200">
+          <a:solidFill>
+            <a:schemeClr val="tx1"/>
+          </a:solidFill>
+          <a:latin typeface="+mn-lt"/>
+          <a:ea typeface="+mn-ea"/>
+          <a:cs typeface="+mn-cs"/>
+        </a:defRPr>
+      </a:lvl3pPr>
+      <a:lvl4pPr marL="1600200" indent="-228600" algn="l" defTabSz="457200" rtl="0" fontAlgn="base">
+        <a:spcBef>
+          <a:spcPct val="20000"/>
+        </a:spcBef>
+        <a:spcAft>
+          <a:spcPct val="0"/>
+        </a:spcAft>
+        <a:buFont typeface="Arial" pitchFamily="34" charset="0"/>
+        <a:buChar char="–"/>
+        <a:defRPr sz="2000" kern="1200">
+          <a:solidFill>
+            <a:schemeClr val="tx1"/>
+          </a:solidFill>
+          <a:latin typeface="+mn-lt"/>
+          <a:ea typeface="+mn-ea"/>
+          <a:cs typeface="+mn-cs"/>
+        </a:defRPr>
+      </a:lvl4pPr>
+      <a:lvl5pPr marL="2057400" indent="-228600" algn="l" defTabSz="457200" rtl="0" fontAlgn="base">
+        <a:spcBef>
+          <a:spcPct val="20000"/>
+        </a:spcBef>
+        <a:spcAft>
+          <a:spcPct val="0"/>
+        </a:spcAft>
+        <a:buFont typeface="Arial" pitchFamily="34" charset="0"/>
+        <a:buChar char="»"/>
+        <a:defRPr kern="1200">
+          <a:solidFill>
+            <a:schemeClr val="tx1"/>
+          </a:solidFill>
+          <a:latin typeface="+mn-lt"/>
+          <a:ea typeface="+mn-ea"/>
+          <a:cs typeface="+mn-cs"/>
+        </a:defRPr>
+      </a:lvl5pPr>
+      <a:lvl6pPr marL="2514600" indent="-228600" algn="l" defTabSz="457200" rtl="0" eaLnBrk="1" latinLnBrk="0" hangingPunct="1">
+        <a:spcBef>
+          <a:spcPct val="20000"/>
+        </a:spcBef>
+        <a:buFont typeface="Arial"/>
+        <a:buChar char="•"/>
+        <a:defRPr sz="2000" kern="1200">
+          <a:solidFill>
+            <a:schemeClr val="tx1"/>
+          </a:solidFill>
+          <a:latin typeface="+mn-lt"/>
+          <a:ea typeface="+mn-ea"/>
+          <a:cs typeface="+mn-cs"/>
+        </a:defRPr>
+      </a:lvl6pPr>
+      <a:lvl7pPr marL="2971800" indent="-228600" algn="l" defTabSz="457200" rtl="0" eaLnBrk="1" latinLnBrk="0" hangingPunct="1">
+        <a:spcBef>
+          <a:spcPct val="20000"/>
+        </a:spcBef>
+        <a:buFont typeface="Arial"/>
+        <a:buChar char="•"/>
+        <a:defRPr sz="2000" kern="1200">
+          <a:solidFill>
+            <a:schemeClr val="tx1"/>
+          </a:solidFill>
+          <a:latin typeface="+mn-lt"/>
+          <a:ea typeface="+mn-ea"/>
+          <a:cs typeface="+mn-cs"/>
+        </a:defRPr>
+      </a:lvl7pPr>
+      <a:lvl8pPr marL="3429000" indent="-228600" algn="l" defTabSz="457200" rtl="0" eaLnBrk="1" latinLnBrk="0" hangingPunct="1">
+        <a:spcBef>
+          <a:spcPct val="20000"/>
+        </a:spcBef>
+        <a:buFont typeface="Arial"/>
+        <a:buChar char="•"/>
+        <a:defRPr sz="2000" kern="1200">
+          <a:solidFill>
+            <a:schemeClr val="tx1"/>
+          </a:solidFill>
+          <a:latin typeface="+mn-lt"/>
+          <a:ea typeface="+mn-ea"/>
+          <a:cs typeface="+mn-cs"/>
+        </a:defRPr>
+      </a:lvl8pPr>
+      <a:lvl9pPr marL="3886200" indent="-228600" algn="l" defTabSz="457200" rtl="0" eaLnBrk="1" latinLnBrk="0" hangingPunct="1">
+        <a:spcBef>
+          <a:spcPct val="20000"/>
+        </a:spcBef>
+        <a:buFont typeface="Arial"/>
+        <a:buChar char="•"/>
+        <a:defRPr sz="2000" kern="1200">
+          <a:solidFill>
+            <a:schemeClr val="tx1"/>
+          </a:solidFill>
+          <a:latin typeface="+mn-lt"/>
+          <a:ea typeface="+mn-ea"/>
+          <a:cs typeface="+mn-cs"/>
+        </a:defRPr>
+      </a:lvl9pPr>
+    </p:bodyStyle>
+    <p:otherStyle>
+      <a:defPPr>
+        <a:defRPr lang="en-US"/>
+      </a:defPPr>
+      <a:lvl1pPr marL="0" algn="l" defTabSz="457200" rtl="0" eaLnBrk="1" latinLnBrk="0" hangingPunct="1">
+        <a:defRPr sz="1800" kern="1200">
+          <a:solidFill>
+            <a:schemeClr val="tx1"/>
+          </a:solidFill>
+          <a:latin typeface="+mn-lt"/>
+          <a:ea typeface="+mn-ea"/>
+          <a:cs typeface="+mn-cs"/>
+        </a:defRPr>
+      </a:lvl1pPr>
+      <a:lvl2pPr marL="457200" algn="l" defTabSz="457200" rtl="0" eaLnBrk="1" latinLnBrk="0" hangingPunct="1">
+        <a:defRPr sz="1800" kern="1200">
+          <a:solidFill>
+            <a:schemeClr val="tx1"/>
+          </a:solidFill>
+          <a:latin typeface="+mn-lt"/>
+          <a:ea typeface="+mn-ea"/>
+          <a:cs typeface="+mn-cs"/>
+        </a:defRPr>
+      </a:lvl2pPr>
+      <a:lvl3pPr marL="914400" algn="l" defTabSz="457200" rtl="0" eaLnBrk="1" latinLnBrk="0" hangingPunct="1">
+        <a:defRPr sz="1800" kern="1200">
+          <a:solidFill>
+            <a:schemeClr val="tx1"/>
+          </a:solidFill>
+          <a:latin typeface="+mn-lt"/>
+          <a:ea typeface="+mn-ea"/>
+          <a:cs typeface="+mn-cs"/>
+        </a:defRPr>
+      </a:lvl3pPr>
+      <a:lvl4pPr marL="1371600" algn="l" defTabSz="457200" rtl="0" eaLnBrk="1" latinLnBrk="0" hangingPunct="1">
+        <a:defRPr sz="1800" kern="1200">
+          <a:solidFill>
+            <a:schemeClr val="tx1"/>
+          </a:solidFill>
+          <a:latin typeface="+mn-lt"/>
+          <a:ea typeface="+mn-ea"/>
+          <a:cs typeface="+mn-cs"/>
+        </a:defRPr>
+      </a:lvl4pPr>
+      <a:lvl5pPr marL="1828800" algn="l" defTabSz="457200" rtl="0" eaLnBrk="1" latinLnBrk="0" hangingPunct="1">
+        <a:defRPr sz="1800" kern="1200">
+          <a:solidFill>
+            <a:schemeClr val="tx1"/>
+          </a:solidFill>
+          <a:latin typeface="+mn-lt"/>
+          <a:ea typeface="+mn-ea"/>
+          <a:cs typeface="+mn-cs"/>
+        </a:defRPr>
+      </a:lvl5pPr>
+      <a:lvl6pPr marL="2286000" algn="l" defTabSz="457200" rtl="0" eaLnBrk="1" latinLnBrk="0" hangingPunct="1">
+        <a:defRPr sz="1800" kern="1200">
+          <a:solidFill>
+            <a:schemeClr val="tx1"/>
+          </a:solidFill>
+          <a:latin typeface="+mn-lt"/>
+          <a:ea typeface="+mn-ea"/>
+          <a:cs typeface="+mn-cs"/>
+        </a:defRPr>
+      </a:lvl6pPr>
+      <a:lvl7pPr marL="2743200" algn="l" defTabSz="457200" rtl="0" eaLnBrk="1" latinLnBrk="0" hangingPunct="1">
+        <a:defRPr sz="1800" kern="1200">
+          <a:solidFill>
+            <a:schemeClr val="tx1"/>
+          </a:solidFill>
+          <a:latin typeface="+mn-lt"/>
+          <a:ea typeface="+mn-ea"/>
+          <a:cs typeface="+mn-cs"/>
+        </a:defRPr>
+      </a:lvl7pPr>
+      <a:lvl8pPr marL="3200400" algn="l" defTabSz="457200" rtl="0" eaLnBrk="1" latinLnBrk="0" hangingPunct="1">
+        <a:defRPr sz="1800" kern="1200">
+          <a:solidFill>
+            <a:schemeClr val="tx1"/>
+          </a:solidFill>
+          <a:latin typeface="+mn-lt"/>
+          <a:ea typeface="+mn-ea"/>
+          <a:cs typeface="+mn-cs"/>
+        </a:defRPr>
+      </a:lvl8pPr>
+      <a:lvl9pPr marL="3657600" algn="l" defTabSz="457200" rtl="0" eaLnBrk="1" latinLnBrk="0" hangingPunct="1">
         <a:defRPr sz="1800" kern="1200">
           <a:solidFill>
             <a:schemeClr val="tx1"/>
@@ -3098,568 +7893,6 @@
           <a:chExt cx="0" cy="0"/>
         </a:xfrm>
       </p:grpSpPr>
-      <p:sp>
-        <p:nvSpPr>
-          <p:cNvPr id="2" name="Title 1"/>
-          <p:cNvSpPr>
-            <a:spLocks noGrp="1"/>
-          </p:cNvSpPr>
-          <p:nvPr>
-            <p:ph type="title"/>
-          </p:nvPr>
-        </p:nvSpPr>
-        <p:spPr>
-          <a:xfrm>
-            <a:off x="457200" y="-351523"/>
-            <a:ext cx="8229600" cy="1143000"/>
-          </a:xfrm>
-        </p:spPr>
-        <p:txBody>
-          <a:bodyPr/>
-          <a:lstStyle/>
-          <a:p>
-            <a:r>
-              <a:rPr lang="en-US" dirty="0" smtClean="0">
-                <a:solidFill>
-                  <a:schemeClr val="accent1"/>
-                </a:solidFill>
-              </a:rPr>
-              <a:t>Lua 101: intro</a:t>
-            </a:r>
-            <a:endParaRPr lang="en-US" dirty="0">
-              <a:solidFill>
-                <a:schemeClr val="accent1"/>
-              </a:solidFill>
-            </a:endParaRPr>
-          </a:p>
-        </p:txBody>
-      </p:sp>
-      <p:sp>
-        <p:nvSpPr>
-          <p:cNvPr id="3" name="Content Placeholder 2"/>
-          <p:cNvSpPr>
-            <a:spLocks noGrp="1"/>
-          </p:cNvSpPr>
-          <p:nvPr>
-            <p:ph idx="1"/>
-          </p:nvPr>
-        </p:nvSpPr>
-        <p:spPr>
-          <a:xfrm>
-            <a:off x="457200" y="362781"/>
-            <a:ext cx="8229600" cy="4815506"/>
-          </a:xfrm>
-        </p:spPr>
-        <p:txBody>
-          <a:bodyPr>
-            <a:normAutofit fontScale="77500" lnSpcReduction="20000"/>
-          </a:bodyPr>
-          <a:lstStyle/>
-          <a:p>
-            <a:r>
-              <a:rPr lang="en-US" sz="2300" b="1" dirty="0">
-                <a:solidFill>
-                  <a:schemeClr val="accent3"/>
-                </a:solidFill>
-                <a:latin typeface="Courier" pitchFamily="49" charset="0"/>
-              </a:rPr>
-              <a:t>p</a:t>
-            </a:r>
-            <a:r>
-              <a:rPr lang="en-US" sz="2300" b="1" dirty="0" smtClean="0">
-                <a:solidFill>
-                  <a:schemeClr val="accent3"/>
-                </a:solidFill>
-                <a:latin typeface="Courier" pitchFamily="49" charset="0"/>
-              </a:rPr>
-              <a:t>rint</a:t>
-            </a:r>
-            <a:r>
-              <a:rPr lang="en-US" sz="2300" dirty="0" smtClean="0">
-                <a:latin typeface="Courier" pitchFamily="49" charset="0"/>
-              </a:rPr>
-              <a:t>(“Hello World”) </a:t>
-            </a:r>
-            <a:r>
-              <a:rPr lang="en-US" sz="2300" dirty="0" smtClean="0">
-                <a:latin typeface="Courier" pitchFamily="49" charset="0"/>
-              </a:rPr>
-              <a:t>-- or </a:t>
-            </a:r>
-            <a:r>
-              <a:rPr lang="en-US" sz="2300" b="1" dirty="0" smtClean="0">
-                <a:solidFill>
-                  <a:schemeClr val="accent3"/>
-                </a:solidFill>
-                <a:latin typeface="Courier" pitchFamily="49" charset="0"/>
-              </a:rPr>
-              <a:t>print</a:t>
-            </a:r>
-            <a:r>
-              <a:rPr lang="en-US" sz="2300" dirty="0" smtClean="0">
-                <a:latin typeface="Courier" pitchFamily="49" charset="0"/>
-              </a:rPr>
-              <a:t>(‘Hello World’) </a:t>
-            </a:r>
-            <a:r>
-              <a:rPr lang="en-US" sz="2300" dirty="0" smtClean="0">
-                <a:sym typeface="Wingdings" pitchFamily="2" charset="2"/>
-              </a:rPr>
-              <a:t></a:t>
-            </a:r>
-          </a:p>
-          <a:p>
-            <a:r>
-              <a:rPr lang="en-US" sz="2300" dirty="0" smtClean="0">
-                <a:sym typeface="Wingdings" pitchFamily="2" charset="2"/>
-              </a:rPr>
-              <a:t>Types</a:t>
-            </a:r>
-          </a:p>
-          <a:p>
-            <a:pPr lvl="1"/>
-            <a:r>
-              <a:rPr lang="en-US" sz="1800" dirty="0" smtClean="0">
-                <a:sym typeface="Wingdings" pitchFamily="2" charset="2"/>
-              </a:rPr>
-              <a:t>Dynamically  typed </a:t>
-            </a:r>
-          </a:p>
-          <a:p>
-            <a:pPr lvl="1"/>
-            <a:r>
-              <a:rPr lang="en-US" sz="1800" dirty="0">
-                <a:sym typeface="Wingdings" pitchFamily="2" charset="2"/>
-              </a:rPr>
-              <a:t>n</a:t>
-            </a:r>
-            <a:r>
-              <a:rPr lang="en-US" sz="1800" dirty="0" smtClean="0">
-                <a:sym typeface="Wingdings" pitchFamily="2" charset="2"/>
-              </a:rPr>
-              <a:t>il, Booleans , Numbers, Strings, Tables, Functions, (</a:t>
-            </a:r>
-            <a:r>
-              <a:rPr lang="en-US" sz="1800" dirty="0" err="1" smtClean="0">
-                <a:sym typeface="Wingdings" pitchFamily="2" charset="2"/>
-              </a:rPr>
-              <a:t>userdata</a:t>
-            </a:r>
-            <a:r>
-              <a:rPr lang="en-US" sz="1800" dirty="0" smtClean="0">
-                <a:sym typeface="Wingdings" pitchFamily="2" charset="2"/>
-              </a:rPr>
-              <a:t> and threads)</a:t>
-            </a:r>
-          </a:p>
-          <a:p>
-            <a:pPr lvl="2"/>
-            <a:r>
-              <a:rPr lang="en-US" sz="1800" dirty="0" smtClean="0">
-                <a:sym typeface="Wingdings" pitchFamily="2" charset="2"/>
-              </a:rPr>
-              <a:t>If it is not  </a:t>
-            </a:r>
-            <a:r>
-              <a:rPr lang="en-US" sz="1800" b="1" dirty="0" smtClean="0">
-                <a:sym typeface="Wingdings" pitchFamily="2" charset="2"/>
-              </a:rPr>
-              <a:t>false</a:t>
-            </a:r>
-            <a:r>
-              <a:rPr lang="en-US" sz="1800" dirty="0" smtClean="0">
-                <a:sym typeface="Wingdings" pitchFamily="2" charset="2"/>
-              </a:rPr>
-              <a:t> or </a:t>
-            </a:r>
-            <a:r>
-              <a:rPr lang="en-US" sz="1800" b="1" dirty="0" smtClean="0">
-                <a:sym typeface="Wingdings" pitchFamily="2" charset="2"/>
-              </a:rPr>
-              <a:t>nil</a:t>
-            </a:r>
-            <a:r>
-              <a:rPr lang="en-US" sz="1800" dirty="0" smtClean="0">
-                <a:sym typeface="Wingdings" pitchFamily="2" charset="2"/>
-              </a:rPr>
-              <a:t> then it is </a:t>
-            </a:r>
-            <a:r>
-              <a:rPr lang="en-US" sz="1800" u="sng" dirty="0" smtClean="0">
-                <a:sym typeface="Wingdings" pitchFamily="2" charset="2"/>
-              </a:rPr>
-              <a:t>true!!!</a:t>
-            </a:r>
-          </a:p>
-          <a:p>
-            <a:pPr lvl="1"/>
-            <a:r>
-              <a:rPr lang="en-US" sz="1800" dirty="0">
-                <a:latin typeface="Courier" pitchFamily="49" charset="0"/>
-                <a:sym typeface="Wingdings" pitchFamily="2" charset="2"/>
-              </a:rPr>
-              <a:t>t</a:t>
-            </a:r>
-            <a:r>
-              <a:rPr lang="en-US" sz="1800" dirty="0" smtClean="0">
-                <a:latin typeface="Courier" pitchFamily="49" charset="0"/>
-                <a:sym typeface="Wingdings" pitchFamily="2" charset="2"/>
-              </a:rPr>
-              <a:t>ype(foo) </a:t>
-            </a:r>
-            <a:r>
-              <a:rPr lang="en-US" sz="1800" dirty="0" smtClean="0">
-                <a:sym typeface="Wingdings" pitchFamily="2" charset="2"/>
-              </a:rPr>
-              <a:t>will return the type name</a:t>
-            </a:r>
-          </a:p>
-          <a:p>
-            <a:r>
-              <a:rPr lang="en-US" sz="2300" dirty="0" smtClean="0">
-                <a:sym typeface="Wingdings" pitchFamily="2" charset="2"/>
-              </a:rPr>
-              <a:t>Variables</a:t>
-            </a:r>
-          </a:p>
-          <a:p>
-            <a:pPr lvl="1"/>
-            <a:r>
-              <a:rPr lang="en-US" sz="1800" dirty="0" smtClean="0">
-                <a:sym typeface="Wingdings" pitchFamily="2" charset="2"/>
-              </a:rPr>
-              <a:t>Local  (to this execution): </a:t>
-            </a:r>
-            <a:r>
-              <a:rPr lang="en-US" sz="1800" dirty="0" smtClean="0">
-                <a:latin typeface="Courier" pitchFamily="49" charset="0"/>
-                <a:sym typeface="Wingdings" pitchFamily="2" charset="2"/>
-              </a:rPr>
-              <a:t>local</a:t>
-            </a:r>
-            <a:r>
-              <a:rPr lang="en-US" sz="1800" b="1" dirty="0" smtClean="0">
-                <a:latin typeface="Courier" pitchFamily="49" charset="0"/>
-                <a:sym typeface="Wingdings" pitchFamily="2" charset="2"/>
-              </a:rPr>
-              <a:t> </a:t>
-            </a:r>
-            <a:r>
-              <a:rPr lang="en-US" sz="1800" dirty="0" smtClean="0">
-                <a:latin typeface="Courier" pitchFamily="49" charset="0"/>
-                <a:sym typeface="Wingdings" pitchFamily="2" charset="2"/>
-              </a:rPr>
-              <a:t>foo = </a:t>
-            </a:r>
-            <a:r>
-              <a:rPr lang="en-US" sz="1800" dirty="0" smtClean="0">
-                <a:latin typeface="Courier" pitchFamily="49" charset="0"/>
-                <a:sym typeface="Wingdings" pitchFamily="2" charset="2"/>
-              </a:rPr>
-              <a:t>‘foo’</a:t>
-            </a:r>
-            <a:endParaRPr lang="en-US" sz="1800" dirty="0" smtClean="0">
-              <a:latin typeface="Courier" pitchFamily="49" charset="0"/>
-              <a:sym typeface="Wingdings" pitchFamily="2" charset="2"/>
-            </a:endParaRPr>
-          </a:p>
-          <a:p>
-            <a:pPr lvl="1"/>
-            <a:r>
-              <a:rPr lang="en-US" sz="1800" dirty="0" smtClean="0">
-                <a:sym typeface="Wingdings" pitchFamily="2" charset="2"/>
-              </a:rPr>
-              <a:t>Global (persisted through different executions) </a:t>
-            </a:r>
-            <a:r>
-              <a:rPr lang="en-US" sz="1800" dirty="0" smtClean="0">
-                <a:latin typeface="Courier" pitchFamily="49" charset="0"/>
-                <a:sym typeface="Wingdings" pitchFamily="2" charset="2"/>
-              </a:rPr>
-              <a:t>bar = </a:t>
-            </a:r>
-            <a:r>
-              <a:rPr lang="en-US" sz="1800" dirty="0" smtClean="0">
-                <a:latin typeface="Courier" pitchFamily="49" charset="0"/>
-                <a:sym typeface="Wingdings" pitchFamily="2" charset="2"/>
-              </a:rPr>
-              <a:t>‘bar</a:t>
-            </a:r>
-            <a:r>
-              <a:rPr lang="en-US" sz="1800" dirty="0" smtClean="0">
-                <a:latin typeface="Courier" pitchFamily="49" charset="0"/>
-                <a:sym typeface="Wingdings" pitchFamily="2" charset="2"/>
-              </a:rPr>
-              <a:t>’</a:t>
-            </a:r>
-            <a:endParaRPr lang="en-US" sz="1800" dirty="0" smtClean="0">
-              <a:latin typeface="Courier" pitchFamily="49" charset="0"/>
-              <a:sym typeface="Wingdings" pitchFamily="2" charset="2"/>
-            </a:endParaRPr>
-          </a:p>
-          <a:p>
-            <a:pPr lvl="2"/>
-            <a:r>
-              <a:rPr lang="en-US" sz="1800" dirty="0" smtClean="0">
-                <a:sym typeface="Wingdings" pitchFamily="2" charset="2"/>
-              </a:rPr>
-              <a:t>If not explicitly specified, variables are global</a:t>
-            </a:r>
-            <a:endParaRPr lang="en-US" sz="1800" dirty="0">
-              <a:sym typeface="Wingdings" pitchFamily="2" charset="2"/>
-            </a:endParaRPr>
-          </a:p>
-          <a:p>
-            <a:pPr lvl="1"/>
-            <a:r>
-              <a:rPr lang="en-US" sz="1800" dirty="0" smtClean="0">
-                <a:sym typeface="Wingdings" pitchFamily="2" charset="2"/>
-              </a:rPr>
-              <a:t>To delete a variable, set it to nil: </a:t>
-            </a:r>
-            <a:r>
-              <a:rPr lang="en-US" sz="1800" dirty="0" smtClean="0">
-                <a:latin typeface="Courier" pitchFamily="49" charset="0"/>
-                <a:sym typeface="Wingdings" pitchFamily="2" charset="2"/>
-              </a:rPr>
-              <a:t>bar = nil; foo = nil</a:t>
-            </a:r>
-          </a:p>
-          <a:p>
-            <a:pPr lvl="1"/>
-            <a:r>
-              <a:rPr lang="en-US" sz="1800" dirty="0" smtClean="0">
-                <a:sym typeface="Wingdings" pitchFamily="2" charset="2"/>
-              </a:rPr>
-              <a:t>Comments:</a:t>
-            </a:r>
-          </a:p>
-          <a:p>
-            <a:pPr lvl="2"/>
-            <a:r>
-              <a:rPr lang="en-US" sz="1800" dirty="0" smtClean="0">
-                <a:sym typeface="Wingdings" pitchFamily="2" charset="2"/>
-              </a:rPr>
-              <a:t>Inline comments:</a:t>
-            </a:r>
-          </a:p>
-          <a:p>
-            <a:pPr marL="1371600" lvl="3" indent="0">
-              <a:buNone/>
-            </a:pPr>
-            <a:r>
-              <a:rPr lang="en-US" sz="1800" dirty="0" smtClean="0">
-                <a:solidFill>
-                  <a:schemeClr val="accent1"/>
-                </a:solidFill>
-                <a:sym typeface="Wingdings" pitchFamily="2" charset="2"/>
-              </a:rPr>
-              <a:t>local</a:t>
-            </a:r>
-            <a:r>
-              <a:rPr lang="en-US" sz="1800" dirty="0" smtClean="0">
-                <a:sym typeface="Wingdings" pitchFamily="2" charset="2"/>
-              </a:rPr>
-              <a:t> foo = 3 </a:t>
-            </a:r>
-            <a:r>
-              <a:rPr lang="en-US" sz="1800" b="1" i="1" dirty="0" smtClean="0">
-                <a:solidFill>
-                  <a:schemeClr val="accent6"/>
-                </a:solidFill>
-                <a:sym typeface="Wingdings" pitchFamily="2" charset="2"/>
-              </a:rPr>
-              <a:t>-- this is a comment</a:t>
-            </a:r>
-          </a:p>
-          <a:p>
-            <a:pPr lvl="2"/>
-            <a:r>
-              <a:rPr lang="en-US" sz="1800" dirty="0" smtClean="0">
-                <a:sym typeface="Wingdings" pitchFamily="2" charset="2"/>
-              </a:rPr>
-              <a:t>Block comments</a:t>
-            </a:r>
-          </a:p>
-          <a:p>
-            <a:pPr marL="1371600" lvl="3" indent="0">
-              <a:buNone/>
-            </a:pPr>
-            <a:r>
-              <a:rPr lang="en-US" sz="1800" b="1" i="1" dirty="0" smtClean="0">
-                <a:solidFill>
-                  <a:schemeClr val="accent6"/>
-                </a:solidFill>
-                <a:sym typeface="Wingdings" pitchFamily="2" charset="2"/>
-              </a:rPr>
-              <a:t>--[[ I </a:t>
-            </a:r>
-            <a:r>
-              <a:rPr lang="en-US" sz="1800" b="1" i="1" dirty="0">
-                <a:solidFill>
-                  <a:schemeClr val="accent6"/>
-                </a:solidFill>
-                <a:sym typeface="Wingdings" pitchFamily="2" charset="2"/>
-              </a:rPr>
-              <a:t>am a block</a:t>
-            </a:r>
-          </a:p>
-          <a:p>
-            <a:pPr marL="914400" lvl="2" indent="0">
-              <a:buNone/>
-            </a:pPr>
-            <a:r>
-              <a:rPr lang="en-US" sz="1800" b="1" i="1" dirty="0">
-                <a:solidFill>
-                  <a:schemeClr val="accent6"/>
-                </a:solidFill>
-                <a:sym typeface="Wingdings" pitchFamily="2" charset="2"/>
-              </a:rPr>
-              <a:t>      </a:t>
-            </a:r>
-            <a:r>
-              <a:rPr lang="en-US" sz="1800" b="1" i="1" dirty="0" smtClean="0">
-                <a:solidFill>
-                  <a:schemeClr val="accent6"/>
-                </a:solidFill>
-                <a:sym typeface="Wingdings" pitchFamily="2" charset="2"/>
-              </a:rPr>
-              <a:t>	             comment  ]]</a:t>
-            </a:r>
-          </a:p>
-          <a:p>
-            <a:r>
-              <a:rPr lang="en-US" sz="2300" dirty="0" smtClean="0">
-                <a:sym typeface="Wingdings" pitchFamily="2" charset="2"/>
-              </a:rPr>
-              <a:t>Tables: </a:t>
-            </a:r>
-          </a:p>
-          <a:p>
-            <a:pPr lvl="1"/>
-            <a:r>
-              <a:rPr lang="en-US" sz="1800" dirty="0" smtClean="0">
-                <a:sym typeface="Wingdings" pitchFamily="2" charset="2"/>
-              </a:rPr>
-              <a:t>associative arrays  (array that can be indexed not only by numbers)</a:t>
-            </a:r>
-          </a:p>
-          <a:p>
-            <a:pPr lvl="1"/>
-            <a:r>
-              <a:rPr lang="en-US" sz="1800" dirty="0" smtClean="0">
-                <a:sym typeface="Wingdings" pitchFamily="2" charset="2"/>
-              </a:rPr>
-              <a:t>Index starts at 1</a:t>
-            </a:r>
-          </a:p>
-          <a:p>
-            <a:pPr lvl="1"/>
-            <a:r>
-              <a:rPr lang="en-US" sz="1800" dirty="0" smtClean="0">
-                <a:sym typeface="Wingdings" pitchFamily="2" charset="2"/>
-              </a:rPr>
-              <a:t># returns the last index (or the size) of an array: </a:t>
-            </a:r>
-            <a:r>
-              <a:rPr lang="en-US" sz="1800" dirty="0" smtClean="0">
-                <a:latin typeface="Courier" pitchFamily="49" charset="0"/>
-                <a:sym typeface="Wingdings" pitchFamily="2" charset="2"/>
-              </a:rPr>
-              <a:t> print(#</a:t>
-            </a:r>
-            <a:r>
-              <a:rPr lang="en-US" sz="1800" dirty="0" err="1" smtClean="0">
-                <a:latin typeface="Courier" pitchFamily="49" charset="0"/>
-                <a:sym typeface="Wingdings" pitchFamily="2" charset="2"/>
-              </a:rPr>
-              <a:t>aTable</a:t>
-            </a:r>
-            <a:r>
-              <a:rPr lang="en-US" sz="1800" dirty="0" smtClean="0">
-                <a:latin typeface="Courier" pitchFamily="49" charset="0"/>
-                <a:sym typeface="Wingdings" pitchFamily="2" charset="2"/>
-              </a:rPr>
-              <a:t>)</a:t>
-            </a:r>
-            <a:endParaRPr lang="en-US" sz="1800" dirty="0" smtClean="0">
-              <a:sym typeface="Wingdings" pitchFamily="2" charset="2"/>
-            </a:endParaRPr>
-          </a:p>
-          <a:p>
-            <a:pPr marL="457200" lvl="1" indent="0">
-              <a:buNone/>
-            </a:pPr>
-            <a:endParaRPr lang="en-US" sz="1800" dirty="0" smtClean="0">
-              <a:latin typeface="Courier" pitchFamily="49" charset="0"/>
-              <a:sym typeface="Wingdings" pitchFamily="2" charset="2"/>
-            </a:endParaRPr>
-          </a:p>
-          <a:p>
-            <a:pPr lvl="1"/>
-            <a:endParaRPr lang="en-US" sz="1800" dirty="0" smtClean="0">
-              <a:sym typeface="Wingdings" pitchFamily="2" charset="2"/>
-            </a:endParaRPr>
-          </a:p>
-        </p:txBody>
-      </p:sp>
-      <p:sp>
-        <p:nvSpPr>
-          <p:cNvPr id="4" name="Date Placeholder 3"/>
-          <p:cNvSpPr>
-            <a:spLocks noGrp="1"/>
-          </p:cNvSpPr>
-          <p:nvPr>
-            <p:ph type="dt" sz="half" idx="10"/>
-          </p:nvPr>
-        </p:nvSpPr>
-        <p:spPr/>
-        <p:txBody>
-          <a:bodyPr/>
-          <a:lstStyle/>
-          <a:p>
-            <a:endParaRPr lang="en-US" dirty="0"/>
-          </a:p>
-        </p:txBody>
-      </p:sp>
-      <p:sp>
-        <p:nvSpPr>
-          <p:cNvPr id="5" name="Footer Placeholder 4"/>
-          <p:cNvSpPr>
-            <a:spLocks noGrp="1"/>
-          </p:cNvSpPr>
-          <p:nvPr>
-            <p:ph type="ftr" sz="quarter" idx="11"/>
-          </p:nvPr>
-        </p:nvSpPr>
-        <p:spPr/>
-        <p:txBody>
-          <a:bodyPr/>
-          <a:lstStyle/>
-          <a:p>
-            <a:endParaRPr lang="en-US" dirty="0"/>
-          </a:p>
-        </p:txBody>
-      </p:sp>
-      <p:sp>
-        <p:nvSpPr>
-          <p:cNvPr id="6" name="Slide Number Placeholder 5"/>
-          <p:cNvSpPr>
-            <a:spLocks noGrp="1"/>
-          </p:cNvSpPr>
-          <p:nvPr>
-            <p:ph type="sldNum" sz="quarter" idx="12"/>
-          </p:nvPr>
-        </p:nvSpPr>
-        <p:spPr/>
-        <p:txBody>
-          <a:bodyPr/>
-          <a:lstStyle/>
-          <a:p>
-            <a:endParaRPr lang="en-US" dirty="0"/>
-          </a:p>
-        </p:txBody>
-      </p:sp>
       <p:graphicFrame>
         <p:nvGraphicFramePr>
           <p:cNvPr id="8" name="Table 7"/>
@@ -3669,13 +7902,13 @@
           <p:nvPr>
             <p:extLst>
               <p:ext uri="{D42A27DB-BD31-4B8C-83A1-F6EECF244321}">
-                <p14:modId xmlns:p14="http://schemas.microsoft.com/office/powerpoint/2010/main" val="1863532887"/>
+                <p14:modId xmlns:p14="http://schemas.microsoft.com/office/powerpoint/2010/main" val="4128075158"/>
               </p:ext>
             </p:extLst>
           </p:nvPr>
         </p:nvGraphicFramePr>
         <p:xfrm>
-          <a:off x="573990" y="5133558"/>
+          <a:off x="0" y="5133558"/>
           <a:ext cx="8030817" cy="1714764"/>
         </p:xfrm>
         <a:graphic>
@@ -4128,6 +8361,533 @@
           </a:graphicData>
         </a:graphic>
       </p:graphicFrame>
+      <p:sp>
+        <p:nvSpPr>
+          <p:cNvPr id="3" name="Content Placeholder 2"/>
+          <p:cNvSpPr>
+            <a:spLocks noGrp="1"/>
+          </p:cNvSpPr>
+          <p:nvPr>
+            <p:ph idx="1"/>
+          </p:nvPr>
+        </p:nvSpPr>
+        <p:spPr>
+          <a:xfrm>
+            <a:off x="457200" y="362781"/>
+            <a:ext cx="8229600" cy="4815506"/>
+          </a:xfrm>
+        </p:spPr>
+        <p:txBody>
+          <a:bodyPr>
+            <a:normAutofit fontScale="77500" lnSpcReduction="20000"/>
+          </a:bodyPr>
+          <a:lstStyle/>
+          <a:p>
+            <a:r>
+              <a:rPr lang="en-US" sz="2300" b="1" dirty="0">
+                <a:solidFill>
+                  <a:schemeClr val="accent3"/>
+                </a:solidFill>
+                <a:latin typeface="Courier" pitchFamily="49" charset="0"/>
+              </a:rPr>
+              <a:t>p</a:t>
+            </a:r>
+            <a:r>
+              <a:rPr lang="en-US" sz="2300" b="1" dirty="0" smtClean="0">
+                <a:solidFill>
+                  <a:schemeClr val="accent3"/>
+                </a:solidFill>
+                <a:latin typeface="Courier" pitchFamily="49" charset="0"/>
+              </a:rPr>
+              <a:t>rint</a:t>
+            </a:r>
+            <a:r>
+              <a:rPr lang="en-US" sz="2300" dirty="0" smtClean="0">
+                <a:latin typeface="Courier" pitchFamily="49" charset="0"/>
+              </a:rPr>
+              <a:t>(“Hello World”) -- or </a:t>
+            </a:r>
+            <a:r>
+              <a:rPr lang="en-US" sz="2300" b="1" dirty="0" smtClean="0">
+                <a:solidFill>
+                  <a:schemeClr val="accent3"/>
+                </a:solidFill>
+                <a:latin typeface="Courier" pitchFamily="49" charset="0"/>
+              </a:rPr>
+              <a:t>print</a:t>
+            </a:r>
+            <a:r>
+              <a:rPr lang="en-US" sz="2300" dirty="0" smtClean="0">
+                <a:latin typeface="Courier" pitchFamily="49" charset="0"/>
+              </a:rPr>
+              <a:t>(‘Hello World’) </a:t>
+            </a:r>
+            <a:r>
+              <a:rPr lang="en-US" sz="2300" dirty="0" smtClean="0">
+                <a:sym typeface="Wingdings" pitchFamily="2" charset="2"/>
+              </a:rPr>
+              <a:t></a:t>
+            </a:r>
+          </a:p>
+          <a:p>
+            <a:r>
+              <a:rPr lang="en-US" sz="2300" dirty="0" smtClean="0">
+                <a:sym typeface="Wingdings" pitchFamily="2" charset="2"/>
+              </a:rPr>
+              <a:t>Types</a:t>
+            </a:r>
+          </a:p>
+          <a:p>
+            <a:pPr lvl="1"/>
+            <a:r>
+              <a:rPr lang="en-US" sz="1800" dirty="0" smtClean="0">
+                <a:sym typeface="Wingdings" pitchFamily="2" charset="2"/>
+              </a:rPr>
+              <a:t>Dynamically  typed </a:t>
+            </a:r>
+          </a:p>
+          <a:p>
+            <a:pPr lvl="1"/>
+            <a:r>
+              <a:rPr lang="en-US" sz="1800" dirty="0">
+                <a:sym typeface="Wingdings" pitchFamily="2" charset="2"/>
+              </a:rPr>
+              <a:t>n</a:t>
+            </a:r>
+            <a:r>
+              <a:rPr lang="en-US" sz="1800" dirty="0" smtClean="0">
+                <a:sym typeface="Wingdings" pitchFamily="2" charset="2"/>
+              </a:rPr>
+              <a:t>il, Booleans , Numbers, Strings, Tables, Functions, (</a:t>
+            </a:r>
+            <a:r>
+              <a:rPr lang="en-US" sz="1800" dirty="0" err="1" smtClean="0">
+                <a:sym typeface="Wingdings" pitchFamily="2" charset="2"/>
+              </a:rPr>
+              <a:t>userdata</a:t>
+            </a:r>
+            <a:r>
+              <a:rPr lang="en-US" sz="1800" dirty="0" smtClean="0">
+                <a:sym typeface="Wingdings" pitchFamily="2" charset="2"/>
+              </a:rPr>
+              <a:t> and threads)</a:t>
+            </a:r>
+          </a:p>
+          <a:p>
+            <a:pPr lvl="2"/>
+            <a:r>
+              <a:rPr lang="en-US" sz="1800" dirty="0" smtClean="0">
+                <a:sym typeface="Wingdings" pitchFamily="2" charset="2"/>
+              </a:rPr>
+              <a:t>If it is not  </a:t>
+            </a:r>
+            <a:r>
+              <a:rPr lang="en-US" sz="1800" b="1" dirty="0" smtClean="0">
+                <a:sym typeface="Wingdings" pitchFamily="2" charset="2"/>
+              </a:rPr>
+              <a:t>false</a:t>
+            </a:r>
+            <a:r>
+              <a:rPr lang="en-US" sz="1800" dirty="0" smtClean="0">
+                <a:sym typeface="Wingdings" pitchFamily="2" charset="2"/>
+              </a:rPr>
+              <a:t> or </a:t>
+            </a:r>
+            <a:r>
+              <a:rPr lang="en-US" sz="1800" b="1" dirty="0" smtClean="0">
+                <a:sym typeface="Wingdings" pitchFamily="2" charset="2"/>
+              </a:rPr>
+              <a:t>nil</a:t>
+            </a:r>
+            <a:r>
+              <a:rPr lang="en-US" sz="1800" dirty="0" smtClean="0">
+                <a:sym typeface="Wingdings" pitchFamily="2" charset="2"/>
+              </a:rPr>
+              <a:t> then it is </a:t>
+            </a:r>
+            <a:r>
+              <a:rPr lang="en-US" sz="1800" u="sng" dirty="0" smtClean="0">
+                <a:sym typeface="Wingdings" pitchFamily="2" charset="2"/>
+              </a:rPr>
+              <a:t>true!!!</a:t>
+            </a:r>
+          </a:p>
+          <a:p>
+            <a:pPr lvl="1"/>
+            <a:r>
+              <a:rPr lang="en-US" sz="1800" dirty="0">
+                <a:latin typeface="Courier" pitchFamily="49" charset="0"/>
+                <a:sym typeface="Wingdings" pitchFamily="2" charset="2"/>
+              </a:rPr>
+              <a:t>t</a:t>
+            </a:r>
+            <a:r>
+              <a:rPr lang="en-US" sz="1800" dirty="0" smtClean="0">
+                <a:latin typeface="Courier" pitchFamily="49" charset="0"/>
+                <a:sym typeface="Wingdings" pitchFamily="2" charset="2"/>
+              </a:rPr>
+              <a:t>ype(foo) </a:t>
+            </a:r>
+            <a:r>
+              <a:rPr lang="en-US" sz="1800" dirty="0" smtClean="0">
+                <a:sym typeface="Wingdings" pitchFamily="2" charset="2"/>
+              </a:rPr>
+              <a:t>will return the type name</a:t>
+            </a:r>
+          </a:p>
+          <a:p>
+            <a:r>
+              <a:rPr lang="en-US" sz="2300" dirty="0" smtClean="0">
+                <a:sym typeface="Wingdings" pitchFamily="2" charset="2"/>
+              </a:rPr>
+              <a:t>Variables</a:t>
+            </a:r>
+          </a:p>
+          <a:p>
+            <a:pPr lvl="1"/>
+            <a:r>
+              <a:rPr lang="en-US" sz="1800" dirty="0" smtClean="0">
+                <a:sym typeface="Wingdings" pitchFamily="2" charset="2"/>
+              </a:rPr>
+              <a:t>Local  (to this execution): </a:t>
+            </a:r>
+            <a:r>
+              <a:rPr lang="en-US" sz="1800" dirty="0" smtClean="0">
+                <a:latin typeface="Courier" pitchFamily="49" charset="0"/>
+                <a:sym typeface="Wingdings" pitchFamily="2" charset="2"/>
+              </a:rPr>
+              <a:t>local</a:t>
+            </a:r>
+            <a:r>
+              <a:rPr lang="en-US" sz="1800" b="1" dirty="0" smtClean="0">
+                <a:latin typeface="Courier" pitchFamily="49" charset="0"/>
+                <a:sym typeface="Wingdings" pitchFamily="2" charset="2"/>
+              </a:rPr>
+              <a:t> </a:t>
+            </a:r>
+            <a:r>
+              <a:rPr lang="en-US" sz="1800" dirty="0" smtClean="0">
+                <a:latin typeface="Courier" pitchFamily="49" charset="0"/>
+                <a:sym typeface="Wingdings" pitchFamily="2" charset="2"/>
+              </a:rPr>
+              <a:t>foo = ‘foo’</a:t>
+            </a:r>
+          </a:p>
+          <a:p>
+            <a:pPr lvl="1"/>
+            <a:r>
+              <a:rPr lang="en-US" sz="1800" dirty="0" smtClean="0">
+                <a:sym typeface="Wingdings" pitchFamily="2" charset="2"/>
+              </a:rPr>
+              <a:t>Global (persisted through different executions) </a:t>
+            </a:r>
+            <a:r>
+              <a:rPr lang="en-US" sz="1800" dirty="0" smtClean="0">
+                <a:latin typeface="Courier" pitchFamily="49" charset="0"/>
+                <a:sym typeface="Wingdings" pitchFamily="2" charset="2"/>
+              </a:rPr>
+              <a:t>bar = ‘bar’</a:t>
+            </a:r>
+          </a:p>
+          <a:p>
+            <a:pPr lvl="2"/>
+            <a:r>
+              <a:rPr lang="en-US" sz="1800" dirty="0" smtClean="0">
+                <a:sym typeface="Wingdings" pitchFamily="2" charset="2"/>
+              </a:rPr>
+              <a:t>If not explicitly specified, variables are global</a:t>
+            </a:r>
+            <a:endParaRPr lang="en-US" sz="1800" dirty="0">
+              <a:sym typeface="Wingdings" pitchFamily="2" charset="2"/>
+            </a:endParaRPr>
+          </a:p>
+          <a:p>
+            <a:pPr lvl="1"/>
+            <a:r>
+              <a:rPr lang="en-US" sz="1800" dirty="0" smtClean="0">
+                <a:sym typeface="Wingdings" pitchFamily="2" charset="2"/>
+              </a:rPr>
+              <a:t>To delete a variable, set it to nil: </a:t>
+            </a:r>
+            <a:r>
+              <a:rPr lang="en-US" sz="1800" dirty="0" smtClean="0">
+                <a:latin typeface="Courier" pitchFamily="49" charset="0"/>
+                <a:sym typeface="Wingdings" pitchFamily="2" charset="2"/>
+              </a:rPr>
+              <a:t>bar = nil; foo = nil</a:t>
+            </a:r>
+          </a:p>
+          <a:p>
+            <a:pPr lvl="1"/>
+            <a:r>
+              <a:rPr lang="en-US" sz="1800" dirty="0" smtClean="0">
+                <a:sym typeface="Wingdings" pitchFamily="2" charset="2"/>
+              </a:rPr>
+              <a:t>Comments:</a:t>
+            </a:r>
+          </a:p>
+          <a:p>
+            <a:pPr lvl="2"/>
+            <a:r>
+              <a:rPr lang="en-US" sz="1800" dirty="0" smtClean="0">
+                <a:sym typeface="Wingdings" pitchFamily="2" charset="2"/>
+              </a:rPr>
+              <a:t>Inline comments:</a:t>
+            </a:r>
+          </a:p>
+          <a:p>
+            <a:pPr marL="1371600" lvl="3" indent="0">
+              <a:buNone/>
+            </a:pPr>
+            <a:r>
+              <a:rPr lang="en-US" sz="1800" dirty="0" smtClean="0">
+                <a:solidFill>
+                  <a:schemeClr val="accent1"/>
+                </a:solidFill>
+                <a:sym typeface="Wingdings" pitchFamily="2" charset="2"/>
+              </a:rPr>
+              <a:t>local</a:t>
+            </a:r>
+            <a:r>
+              <a:rPr lang="en-US" sz="1800" dirty="0" smtClean="0">
+                <a:sym typeface="Wingdings" pitchFamily="2" charset="2"/>
+              </a:rPr>
+              <a:t> foo = 3 </a:t>
+            </a:r>
+            <a:r>
+              <a:rPr lang="en-US" sz="1800" b="1" i="1" dirty="0" smtClean="0">
+                <a:solidFill>
+                  <a:schemeClr val="accent6"/>
+                </a:solidFill>
+                <a:sym typeface="Wingdings" pitchFamily="2" charset="2"/>
+              </a:rPr>
+              <a:t>-- this is a comment</a:t>
+            </a:r>
+          </a:p>
+          <a:p>
+            <a:pPr lvl="2"/>
+            <a:r>
+              <a:rPr lang="en-US" sz="1800" dirty="0" smtClean="0">
+                <a:sym typeface="Wingdings" pitchFamily="2" charset="2"/>
+              </a:rPr>
+              <a:t>Block comments</a:t>
+            </a:r>
+          </a:p>
+          <a:p>
+            <a:pPr marL="1371600" lvl="3" indent="0">
+              <a:buNone/>
+            </a:pPr>
+            <a:r>
+              <a:rPr lang="en-US" sz="1800" b="1" i="1" dirty="0" smtClean="0">
+                <a:solidFill>
+                  <a:schemeClr val="accent6"/>
+                </a:solidFill>
+                <a:sym typeface="Wingdings" pitchFamily="2" charset="2"/>
+              </a:rPr>
+              <a:t>--[[ I </a:t>
+            </a:r>
+            <a:r>
+              <a:rPr lang="en-US" sz="1800" b="1" i="1" dirty="0">
+                <a:solidFill>
+                  <a:schemeClr val="accent6"/>
+                </a:solidFill>
+                <a:sym typeface="Wingdings" pitchFamily="2" charset="2"/>
+              </a:rPr>
+              <a:t>am a block</a:t>
+            </a:r>
+          </a:p>
+          <a:p>
+            <a:pPr marL="914400" lvl="2" indent="0">
+              <a:buNone/>
+            </a:pPr>
+            <a:r>
+              <a:rPr lang="en-US" sz="1800" b="1" i="1" dirty="0">
+                <a:solidFill>
+                  <a:schemeClr val="accent6"/>
+                </a:solidFill>
+                <a:sym typeface="Wingdings" pitchFamily="2" charset="2"/>
+              </a:rPr>
+              <a:t>      </a:t>
+            </a:r>
+            <a:r>
+              <a:rPr lang="en-US" sz="1800" b="1" i="1" dirty="0" smtClean="0">
+                <a:solidFill>
+                  <a:schemeClr val="accent6"/>
+                </a:solidFill>
+                <a:sym typeface="Wingdings" pitchFamily="2" charset="2"/>
+              </a:rPr>
+              <a:t>	             comment  ]]</a:t>
+            </a:r>
+          </a:p>
+          <a:p>
+            <a:r>
+              <a:rPr lang="en-US" sz="2300" dirty="0" smtClean="0">
+                <a:sym typeface="Wingdings" pitchFamily="2" charset="2"/>
+              </a:rPr>
+              <a:t>Tables: </a:t>
+            </a:r>
+          </a:p>
+          <a:p>
+            <a:pPr lvl="1"/>
+            <a:r>
+              <a:rPr lang="en-US" sz="1800" dirty="0" smtClean="0">
+                <a:sym typeface="Wingdings" pitchFamily="2" charset="2"/>
+              </a:rPr>
+              <a:t>associative arrays  (array that can be indexed not only by numbers)</a:t>
+            </a:r>
+          </a:p>
+          <a:p>
+            <a:pPr lvl="1"/>
+            <a:r>
+              <a:rPr lang="en-US" sz="1800" dirty="0" smtClean="0">
+                <a:sym typeface="Wingdings" pitchFamily="2" charset="2"/>
+              </a:rPr>
+              <a:t>Index starts at 1</a:t>
+            </a:r>
+          </a:p>
+          <a:p>
+            <a:pPr lvl="1"/>
+            <a:r>
+              <a:rPr lang="en-US" sz="1800" dirty="0" smtClean="0">
+                <a:sym typeface="Wingdings" pitchFamily="2" charset="2"/>
+              </a:rPr>
+              <a:t># returns the last index (or the size) of an array: </a:t>
+            </a:r>
+            <a:r>
+              <a:rPr lang="en-US" sz="1800" dirty="0" smtClean="0">
+                <a:latin typeface="Courier" pitchFamily="49" charset="0"/>
+                <a:sym typeface="Wingdings" pitchFamily="2" charset="2"/>
+              </a:rPr>
+              <a:t> print(#</a:t>
+            </a:r>
+            <a:r>
+              <a:rPr lang="en-US" sz="1800" dirty="0" err="1" smtClean="0">
+                <a:latin typeface="Courier" pitchFamily="49" charset="0"/>
+                <a:sym typeface="Wingdings" pitchFamily="2" charset="2"/>
+              </a:rPr>
+              <a:t>aTable</a:t>
+            </a:r>
+            <a:r>
+              <a:rPr lang="en-US" sz="1800" dirty="0" smtClean="0">
+                <a:latin typeface="Courier" pitchFamily="49" charset="0"/>
+                <a:sym typeface="Wingdings" pitchFamily="2" charset="2"/>
+              </a:rPr>
+              <a:t>)</a:t>
+            </a:r>
+            <a:endParaRPr lang="en-US" sz="1800" dirty="0" smtClean="0">
+              <a:sym typeface="Wingdings" pitchFamily="2" charset="2"/>
+            </a:endParaRPr>
+          </a:p>
+          <a:p>
+            <a:pPr marL="457200" lvl="1" indent="0">
+              <a:buNone/>
+            </a:pPr>
+            <a:endParaRPr lang="en-US" sz="1800" dirty="0" smtClean="0">
+              <a:latin typeface="Courier" pitchFamily="49" charset="0"/>
+              <a:sym typeface="Wingdings" pitchFamily="2" charset="2"/>
+            </a:endParaRPr>
+          </a:p>
+          <a:p>
+            <a:pPr lvl="1"/>
+            <a:endParaRPr lang="en-US" sz="1800" dirty="0" smtClean="0">
+              <a:sym typeface="Wingdings" pitchFamily="2" charset="2"/>
+            </a:endParaRPr>
+          </a:p>
+        </p:txBody>
+      </p:sp>
+      <p:sp>
+        <p:nvSpPr>
+          <p:cNvPr id="2" name="Title 1"/>
+          <p:cNvSpPr>
+            <a:spLocks noGrp="1"/>
+          </p:cNvSpPr>
+          <p:nvPr>
+            <p:ph type="title"/>
+          </p:nvPr>
+        </p:nvSpPr>
+        <p:spPr>
+          <a:xfrm>
+            <a:off x="457200" y="-351523"/>
+            <a:ext cx="8229600" cy="1143000"/>
+          </a:xfrm>
+        </p:spPr>
+        <p:txBody>
+          <a:bodyPr/>
+          <a:lstStyle/>
+          <a:p>
+            <a:r>
+              <a:rPr lang="en-US" dirty="0" smtClean="0">
+                <a:solidFill>
+                  <a:schemeClr val="accent1"/>
+                </a:solidFill>
+              </a:rPr>
+              <a:t>Lua 101: intro</a:t>
+            </a:r>
+            <a:endParaRPr lang="en-US" dirty="0">
+              <a:solidFill>
+                <a:schemeClr val="accent1"/>
+              </a:solidFill>
+            </a:endParaRPr>
+          </a:p>
+        </p:txBody>
+      </p:sp>
+      <p:sp>
+        <p:nvSpPr>
+          <p:cNvPr id="4" name="Date Placeholder 3"/>
+          <p:cNvSpPr>
+            <a:spLocks noGrp="1"/>
+          </p:cNvSpPr>
+          <p:nvPr>
+            <p:ph type="dt" sz="half" idx="10"/>
+          </p:nvPr>
+        </p:nvSpPr>
+        <p:spPr/>
+        <p:txBody>
+          <a:bodyPr/>
+          <a:lstStyle/>
+          <a:p>
+            <a:endParaRPr lang="en-US" dirty="0"/>
+          </a:p>
+        </p:txBody>
+      </p:sp>
+      <p:sp>
+        <p:nvSpPr>
+          <p:cNvPr id="5" name="Footer Placeholder 4"/>
+          <p:cNvSpPr>
+            <a:spLocks noGrp="1"/>
+          </p:cNvSpPr>
+          <p:nvPr>
+            <p:ph type="ftr" sz="quarter" idx="11"/>
+          </p:nvPr>
+        </p:nvSpPr>
+        <p:spPr/>
+        <p:txBody>
+          <a:bodyPr/>
+          <a:lstStyle/>
+          <a:p>
+            <a:endParaRPr lang="en-US" dirty="0"/>
+          </a:p>
+        </p:txBody>
+      </p:sp>
+      <p:sp>
+        <p:nvSpPr>
+          <p:cNvPr id="6" name="Slide Number Placeholder 5"/>
+          <p:cNvSpPr>
+            <a:spLocks noGrp="1"/>
+          </p:cNvSpPr>
+          <p:nvPr>
+            <p:ph type="sldNum" sz="quarter" idx="12"/>
+          </p:nvPr>
+        </p:nvSpPr>
+        <p:spPr/>
+        <p:txBody>
+          <a:bodyPr/>
+          <a:lstStyle/>
+          <a:p>
+            <a:endParaRPr lang="en-US" dirty="0"/>
+          </a:p>
+        </p:txBody>
+      </p:sp>
       <p:pic>
         <p:nvPicPr>
           <p:cNvPr id="7" name="Picture 6"/>
@@ -4248,10 +9008,142 @@
           </a:prstGeom>
         </p:spPr>
       </p:pic>
+      <p:sp>
+        <p:nvSpPr>
+          <p:cNvPr id="13" name="Footer Placeholder 4"/>
+          <p:cNvSpPr txBox="1">
+            <a:spLocks/>
+          </p:cNvSpPr>
+          <p:nvPr/>
+        </p:nvSpPr>
+        <p:spPr>
+          <a:xfrm>
+            <a:off x="-269073" y="6510856"/>
+            <a:ext cx="1107259" cy="365125"/>
+          </a:xfrm>
+          <a:prstGeom prst="rect">
+            <a:avLst/>
+          </a:prstGeom>
+          <a:ln w="0" cap="flat" cmpd="sng" algn="ctr">
+            <a:noFill/>
+            <a:prstDash val="solid"/>
+            <a:round/>
+            <a:headEnd type="none" w="med" len="med"/>
+            <a:tailEnd type="none" w="med" len="med"/>
+          </a:ln>
+        </p:spPr>
+        <p:txBody>
+          <a:bodyPr vert="horz" lIns="91440" tIns="45720" rIns="91440" bIns="45720" rtlCol="0" anchor="ctr"/>
+          <a:lstStyle>
+            <a:defPPr>
+              <a:defRPr lang="en-US"/>
+            </a:defPPr>
+            <a:lvl1pPr marL="0" algn="ctr" defTabSz="457200" rtl="0" eaLnBrk="1" latinLnBrk="0" hangingPunct="1">
+              <a:defRPr sz="900" kern="1200">
+                <a:solidFill>
+                  <a:schemeClr val="tx1">
+                    <a:tint val="75000"/>
+                  </a:schemeClr>
+                </a:solidFill>
+                <a:latin typeface="+mn-lt"/>
+                <a:ea typeface="+mn-ea"/>
+                <a:cs typeface="+mn-cs"/>
+              </a:defRPr>
+            </a:lvl1pPr>
+            <a:lvl2pPr marL="457200" algn="l" defTabSz="457200" rtl="0" eaLnBrk="1" latinLnBrk="0" hangingPunct="1">
+              <a:defRPr sz="1800" kern="1200">
+                <a:solidFill>
+                  <a:schemeClr val="tx1"/>
+                </a:solidFill>
+                <a:latin typeface="+mn-lt"/>
+                <a:ea typeface="+mn-ea"/>
+                <a:cs typeface="+mn-cs"/>
+              </a:defRPr>
+            </a:lvl2pPr>
+            <a:lvl3pPr marL="914400" algn="l" defTabSz="457200" rtl="0" eaLnBrk="1" latinLnBrk="0" hangingPunct="1">
+              <a:defRPr sz="1800" kern="1200">
+                <a:solidFill>
+                  <a:schemeClr val="tx1"/>
+                </a:solidFill>
+                <a:latin typeface="+mn-lt"/>
+                <a:ea typeface="+mn-ea"/>
+                <a:cs typeface="+mn-cs"/>
+              </a:defRPr>
+            </a:lvl3pPr>
+            <a:lvl4pPr marL="1371600" algn="l" defTabSz="457200" rtl="0" eaLnBrk="1" latinLnBrk="0" hangingPunct="1">
+              <a:defRPr sz="1800" kern="1200">
+                <a:solidFill>
+                  <a:schemeClr val="tx1"/>
+                </a:solidFill>
+                <a:latin typeface="+mn-lt"/>
+                <a:ea typeface="+mn-ea"/>
+                <a:cs typeface="+mn-cs"/>
+              </a:defRPr>
+            </a:lvl4pPr>
+            <a:lvl5pPr marL="1828800" algn="l" defTabSz="457200" rtl="0" eaLnBrk="1" latinLnBrk="0" hangingPunct="1">
+              <a:defRPr sz="1800" kern="1200">
+                <a:solidFill>
+                  <a:schemeClr val="tx1"/>
+                </a:solidFill>
+                <a:latin typeface="+mn-lt"/>
+                <a:ea typeface="+mn-ea"/>
+                <a:cs typeface="+mn-cs"/>
+              </a:defRPr>
+            </a:lvl5pPr>
+            <a:lvl6pPr marL="2286000" algn="l" defTabSz="457200" rtl="0" eaLnBrk="1" latinLnBrk="0" hangingPunct="1">
+              <a:defRPr sz="1800" kern="1200">
+                <a:solidFill>
+                  <a:schemeClr val="tx1"/>
+                </a:solidFill>
+                <a:latin typeface="+mn-lt"/>
+                <a:ea typeface="+mn-ea"/>
+                <a:cs typeface="+mn-cs"/>
+              </a:defRPr>
+            </a:lvl6pPr>
+            <a:lvl7pPr marL="2743200" algn="l" defTabSz="457200" rtl="0" eaLnBrk="1" latinLnBrk="0" hangingPunct="1">
+              <a:defRPr sz="1800" kern="1200">
+                <a:solidFill>
+                  <a:schemeClr val="tx1"/>
+                </a:solidFill>
+                <a:latin typeface="+mn-lt"/>
+                <a:ea typeface="+mn-ea"/>
+                <a:cs typeface="+mn-cs"/>
+              </a:defRPr>
+            </a:lvl7pPr>
+            <a:lvl8pPr marL="3200400" algn="l" defTabSz="457200" rtl="0" eaLnBrk="1" latinLnBrk="0" hangingPunct="1">
+              <a:defRPr sz="1800" kern="1200">
+                <a:solidFill>
+                  <a:schemeClr val="tx1"/>
+                </a:solidFill>
+                <a:latin typeface="+mn-lt"/>
+                <a:ea typeface="+mn-ea"/>
+                <a:cs typeface="+mn-cs"/>
+              </a:defRPr>
+            </a:lvl8pPr>
+            <a:lvl9pPr marL="3657600" algn="l" defTabSz="457200" rtl="0" eaLnBrk="1" latinLnBrk="0" hangingPunct="1">
+              <a:defRPr sz="1800" kern="1200">
+                <a:solidFill>
+                  <a:schemeClr val="tx1"/>
+                </a:solidFill>
+                <a:latin typeface="+mn-lt"/>
+                <a:ea typeface="+mn-ea"/>
+                <a:cs typeface="+mn-cs"/>
+              </a:defRPr>
+            </a:lvl9pPr>
+          </a:lstStyle>
+          <a:p>
+            <a:r>
+              <a:rPr lang="en-US" dirty="0" smtClean="0"/>
+              <a:t>© 2013 RTI </a:t>
+            </a:r>
+            <a:endParaRPr lang="en-US" dirty="0"/>
+          </a:p>
+        </p:txBody>
+      </p:sp>
     </p:spTree>
     <p:extLst>
       <p:ext uri="{BB962C8B-B14F-4D97-AF65-F5344CB8AC3E}">
-        <p14:creationId xmlns:p14="http://schemas.microsoft.com/office/powerpoint/2010/main" val="3604448928"/>
+        <p14:creationId xmlns:p14="http://schemas.microsoft.com/office/powerpoint/2010/main" val="4248889811"/>
       </p:ext>
     </p:extLst>
   </p:cSld>
@@ -4387,7 +9279,7 @@
           <p:nvPr>
             <p:extLst>
               <p:ext uri="{D42A27DB-BD31-4B8C-83A1-F6EECF244321}">
-                <p14:modId xmlns:p14="http://schemas.microsoft.com/office/powerpoint/2010/main" val="773266207"/>
+                <p14:modId xmlns:p14="http://schemas.microsoft.com/office/powerpoint/2010/main" val="1829319356"/>
               </p:ext>
             </p:extLst>
           </p:nvPr>
@@ -4784,14 +9676,14 @@
           <p:nvPr>
             <p:extLst>
               <p:ext uri="{D42A27DB-BD31-4B8C-83A1-F6EECF244321}">
-                <p14:modId xmlns:p14="http://schemas.microsoft.com/office/powerpoint/2010/main" val="2001927560"/>
+                <p14:modId xmlns:p14="http://schemas.microsoft.com/office/powerpoint/2010/main" val="1719938362"/>
               </p:ext>
             </p:extLst>
           </p:nvPr>
         </p:nvGraphicFramePr>
         <p:xfrm>
-          <a:off x="228600" y="2514600"/>
-          <a:ext cx="8786192" cy="4328580"/>
+          <a:off x="228600" y="2404689"/>
+          <a:ext cx="7787244" cy="4435260"/>
         </p:xfrm>
         <a:graphic>
           <a:graphicData uri="http://schemas.openxmlformats.org/drawingml/2006/table">
@@ -4800,10 +9692,10 @@
                 <a:tableStyleId>{5C22544A-7EE6-4342-B048-85BDC9FD1C3A}</a:tableStyleId>
               </a:tblPr>
               <a:tblGrid>
-                <a:gridCol w="3493604"/>
-                <a:gridCol w="3493604"/>
-                <a:gridCol w="899492"/>
-                <a:gridCol w="899492"/>
+                <a:gridCol w="2716481"/>
+                <a:gridCol w="3990109"/>
+                <a:gridCol w="736270"/>
+                <a:gridCol w="344384"/>
               </a:tblGrid>
               <a:tr h="381420">
                 <a:tc gridSpan="2">
@@ -6280,10 +11172,142 @@
           </a:graphicData>
         </a:graphic>
       </p:graphicFrame>
+      <p:sp>
+        <p:nvSpPr>
+          <p:cNvPr id="11" name="Footer Placeholder 4"/>
+          <p:cNvSpPr txBox="1">
+            <a:spLocks/>
+          </p:cNvSpPr>
+          <p:nvPr/>
+        </p:nvSpPr>
+        <p:spPr>
+          <a:xfrm>
+            <a:off x="-269073" y="6510856"/>
+            <a:ext cx="1107259" cy="365125"/>
+          </a:xfrm>
+          <a:prstGeom prst="rect">
+            <a:avLst/>
+          </a:prstGeom>
+          <a:ln w="0" cap="flat" cmpd="sng" algn="ctr">
+            <a:noFill/>
+            <a:prstDash val="solid"/>
+            <a:round/>
+            <a:headEnd type="none" w="med" len="med"/>
+            <a:tailEnd type="none" w="med" len="med"/>
+          </a:ln>
+        </p:spPr>
+        <p:txBody>
+          <a:bodyPr vert="horz" lIns="91440" tIns="45720" rIns="91440" bIns="45720" rtlCol="0" anchor="ctr"/>
+          <a:lstStyle>
+            <a:defPPr>
+              <a:defRPr lang="en-US"/>
+            </a:defPPr>
+            <a:lvl1pPr marL="0" algn="ctr" defTabSz="457200" rtl="0" eaLnBrk="1" latinLnBrk="0" hangingPunct="1">
+              <a:defRPr sz="900" kern="1200">
+                <a:solidFill>
+                  <a:schemeClr val="tx1">
+                    <a:tint val="75000"/>
+                  </a:schemeClr>
+                </a:solidFill>
+                <a:latin typeface="+mn-lt"/>
+                <a:ea typeface="+mn-ea"/>
+                <a:cs typeface="+mn-cs"/>
+              </a:defRPr>
+            </a:lvl1pPr>
+            <a:lvl2pPr marL="457200" algn="l" defTabSz="457200" rtl="0" eaLnBrk="1" latinLnBrk="0" hangingPunct="1">
+              <a:defRPr sz="1800" kern="1200">
+                <a:solidFill>
+                  <a:schemeClr val="tx1"/>
+                </a:solidFill>
+                <a:latin typeface="+mn-lt"/>
+                <a:ea typeface="+mn-ea"/>
+                <a:cs typeface="+mn-cs"/>
+              </a:defRPr>
+            </a:lvl2pPr>
+            <a:lvl3pPr marL="914400" algn="l" defTabSz="457200" rtl="0" eaLnBrk="1" latinLnBrk="0" hangingPunct="1">
+              <a:defRPr sz="1800" kern="1200">
+                <a:solidFill>
+                  <a:schemeClr val="tx1"/>
+                </a:solidFill>
+                <a:latin typeface="+mn-lt"/>
+                <a:ea typeface="+mn-ea"/>
+                <a:cs typeface="+mn-cs"/>
+              </a:defRPr>
+            </a:lvl3pPr>
+            <a:lvl4pPr marL="1371600" algn="l" defTabSz="457200" rtl="0" eaLnBrk="1" latinLnBrk="0" hangingPunct="1">
+              <a:defRPr sz="1800" kern="1200">
+                <a:solidFill>
+                  <a:schemeClr val="tx1"/>
+                </a:solidFill>
+                <a:latin typeface="+mn-lt"/>
+                <a:ea typeface="+mn-ea"/>
+                <a:cs typeface="+mn-cs"/>
+              </a:defRPr>
+            </a:lvl4pPr>
+            <a:lvl5pPr marL="1828800" algn="l" defTabSz="457200" rtl="0" eaLnBrk="1" latinLnBrk="0" hangingPunct="1">
+              <a:defRPr sz="1800" kern="1200">
+                <a:solidFill>
+                  <a:schemeClr val="tx1"/>
+                </a:solidFill>
+                <a:latin typeface="+mn-lt"/>
+                <a:ea typeface="+mn-ea"/>
+                <a:cs typeface="+mn-cs"/>
+              </a:defRPr>
+            </a:lvl5pPr>
+            <a:lvl6pPr marL="2286000" algn="l" defTabSz="457200" rtl="0" eaLnBrk="1" latinLnBrk="0" hangingPunct="1">
+              <a:defRPr sz="1800" kern="1200">
+                <a:solidFill>
+                  <a:schemeClr val="tx1"/>
+                </a:solidFill>
+                <a:latin typeface="+mn-lt"/>
+                <a:ea typeface="+mn-ea"/>
+                <a:cs typeface="+mn-cs"/>
+              </a:defRPr>
+            </a:lvl6pPr>
+            <a:lvl7pPr marL="2743200" algn="l" defTabSz="457200" rtl="0" eaLnBrk="1" latinLnBrk="0" hangingPunct="1">
+              <a:defRPr sz="1800" kern="1200">
+                <a:solidFill>
+                  <a:schemeClr val="tx1"/>
+                </a:solidFill>
+                <a:latin typeface="+mn-lt"/>
+                <a:ea typeface="+mn-ea"/>
+                <a:cs typeface="+mn-cs"/>
+              </a:defRPr>
+            </a:lvl7pPr>
+            <a:lvl8pPr marL="3200400" algn="l" defTabSz="457200" rtl="0" eaLnBrk="1" latinLnBrk="0" hangingPunct="1">
+              <a:defRPr sz="1800" kern="1200">
+                <a:solidFill>
+                  <a:schemeClr val="tx1"/>
+                </a:solidFill>
+                <a:latin typeface="+mn-lt"/>
+                <a:ea typeface="+mn-ea"/>
+                <a:cs typeface="+mn-cs"/>
+              </a:defRPr>
+            </a:lvl8pPr>
+            <a:lvl9pPr marL="3657600" algn="l" defTabSz="457200" rtl="0" eaLnBrk="1" latinLnBrk="0" hangingPunct="1">
+              <a:defRPr sz="1800" kern="1200">
+                <a:solidFill>
+                  <a:schemeClr val="tx1"/>
+                </a:solidFill>
+                <a:latin typeface="+mn-lt"/>
+                <a:ea typeface="+mn-ea"/>
+                <a:cs typeface="+mn-cs"/>
+              </a:defRPr>
+            </a:lvl9pPr>
+          </a:lstStyle>
+          <a:p>
+            <a:r>
+              <a:rPr lang="en-US" dirty="0" smtClean="0"/>
+              <a:t>© 2013 RTI </a:t>
+            </a:r>
+            <a:endParaRPr lang="en-US" dirty="0"/>
+          </a:p>
+        </p:txBody>
+      </p:sp>
     </p:spTree>
     <p:extLst>
       <p:ext uri="{BB962C8B-B14F-4D97-AF65-F5344CB8AC3E}">
-        <p14:creationId xmlns:p14="http://schemas.microsoft.com/office/powerpoint/2010/main" val="3233946393"/>
+        <p14:creationId xmlns:p14="http://schemas.microsoft.com/office/powerpoint/2010/main" val="1791333808"/>
       </p:ext>
     </p:extLst>
   </p:cSld>
@@ -6363,14 +11387,14 @@
             <p:ph idx="1"/>
             <p:extLst>
               <p:ext uri="{D42A27DB-BD31-4B8C-83A1-F6EECF244321}">
-                <p14:modId xmlns:p14="http://schemas.microsoft.com/office/powerpoint/2010/main" val="4137932409"/>
+                <p14:modId xmlns:p14="http://schemas.microsoft.com/office/powerpoint/2010/main" val="3384830804"/>
               </p:ext>
             </p:extLst>
           </p:nvPr>
         </p:nvGraphicFramePr>
         <p:xfrm>
           <a:off x="457200" y="437330"/>
-          <a:ext cx="8229600" cy="5760720"/>
+          <a:ext cx="7610475" cy="5760720"/>
         </p:xfrm>
         <a:graphic>
           <a:graphicData uri="http://schemas.openxmlformats.org/drawingml/2006/table">
@@ -6379,8 +11403,8 @@
                 <a:tableStyleId>{5C22544A-7EE6-4342-B048-85BDC9FD1C3A}</a:tableStyleId>
               </a:tblPr>
               <a:tblGrid>
-                <a:gridCol w="5615609"/>
-                <a:gridCol w="2613991"/>
+                <a:gridCol w="5886450"/>
+                <a:gridCol w="1724025"/>
               </a:tblGrid>
               <a:tr h="0">
                 <a:tc>
@@ -7267,10 +12291,142 @@
           </a:prstGeom>
         </p:spPr>
       </p:pic>
+      <p:sp>
+        <p:nvSpPr>
+          <p:cNvPr id="8" name="Footer Placeholder 4"/>
+          <p:cNvSpPr txBox="1">
+            <a:spLocks/>
+          </p:cNvSpPr>
+          <p:nvPr/>
+        </p:nvSpPr>
+        <p:spPr>
+          <a:xfrm>
+            <a:off x="-269073" y="6510856"/>
+            <a:ext cx="1107259" cy="365125"/>
+          </a:xfrm>
+          <a:prstGeom prst="rect">
+            <a:avLst/>
+          </a:prstGeom>
+          <a:ln w="0" cap="flat" cmpd="sng" algn="ctr">
+            <a:noFill/>
+            <a:prstDash val="solid"/>
+            <a:round/>
+            <a:headEnd type="none" w="med" len="med"/>
+            <a:tailEnd type="none" w="med" len="med"/>
+          </a:ln>
+        </p:spPr>
+        <p:txBody>
+          <a:bodyPr vert="horz" lIns="91440" tIns="45720" rIns="91440" bIns="45720" rtlCol="0" anchor="ctr"/>
+          <a:lstStyle>
+            <a:defPPr>
+              <a:defRPr lang="en-US"/>
+            </a:defPPr>
+            <a:lvl1pPr marL="0" algn="ctr" defTabSz="457200" rtl="0" eaLnBrk="1" latinLnBrk="0" hangingPunct="1">
+              <a:defRPr sz="900" kern="1200">
+                <a:solidFill>
+                  <a:schemeClr val="tx1">
+                    <a:tint val="75000"/>
+                  </a:schemeClr>
+                </a:solidFill>
+                <a:latin typeface="+mn-lt"/>
+                <a:ea typeface="+mn-ea"/>
+                <a:cs typeface="+mn-cs"/>
+              </a:defRPr>
+            </a:lvl1pPr>
+            <a:lvl2pPr marL="457200" algn="l" defTabSz="457200" rtl="0" eaLnBrk="1" latinLnBrk="0" hangingPunct="1">
+              <a:defRPr sz="1800" kern="1200">
+                <a:solidFill>
+                  <a:schemeClr val="tx1"/>
+                </a:solidFill>
+                <a:latin typeface="+mn-lt"/>
+                <a:ea typeface="+mn-ea"/>
+                <a:cs typeface="+mn-cs"/>
+              </a:defRPr>
+            </a:lvl2pPr>
+            <a:lvl3pPr marL="914400" algn="l" defTabSz="457200" rtl="0" eaLnBrk="1" latinLnBrk="0" hangingPunct="1">
+              <a:defRPr sz="1800" kern="1200">
+                <a:solidFill>
+                  <a:schemeClr val="tx1"/>
+                </a:solidFill>
+                <a:latin typeface="+mn-lt"/>
+                <a:ea typeface="+mn-ea"/>
+                <a:cs typeface="+mn-cs"/>
+              </a:defRPr>
+            </a:lvl3pPr>
+            <a:lvl4pPr marL="1371600" algn="l" defTabSz="457200" rtl="0" eaLnBrk="1" latinLnBrk="0" hangingPunct="1">
+              <a:defRPr sz="1800" kern="1200">
+                <a:solidFill>
+                  <a:schemeClr val="tx1"/>
+                </a:solidFill>
+                <a:latin typeface="+mn-lt"/>
+                <a:ea typeface="+mn-ea"/>
+                <a:cs typeface="+mn-cs"/>
+              </a:defRPr>
+            </a:lvl4pPr>
+            <a:lvl5pPr marL="1828800" algn="l" defTabSz="457200" rtl="0" eaLnBrk="1" latinLnBrk="0" hangingPunct="1">
+              <a:defRPr sz="1800" kern="1200">
+                <a:solidFill>
+                  <a:schemeClr val="tx1"/>
+                </a:solidFill>
+                <a:latin typeface="+mn-lt"/>
+                <a:ea typeface="+mn-ea"/>
+                <a:cs typeface="+mn-cs"/>
+              </a:defRPr>
+            </a:lvl5pPr>
+            <a:lvl6pPr marL="2286000" algn="l" defTabSz="457200" rtl="0" eaLnBrk="1" latinLnBrk="0" hangingPunct="1">
+              <a:defRPr sz="1800" kern="1200">
+                <a:solidFill>
+                  <a:schemeClr val="tx1"/>
+                </a:solidFill>
+                <a:latin typeface="+mn-lt"/>
+                <a:ea typeface="+mn-ea"/>
+                <a:cs typeface="+mn-cs"/>
+              </a:defRPr>
+            </a:lvl6pPr>
+            <a:lvl7pPr marL="2743200" algn="l" defTabSz="457200" rtl="0" eaLnBrk="1" latinLnBrk="0" hangingPunct="1">
+              <a:defRPr sz="1800" kern="1200">
+                <a:solidFill>
+                  <a:schemeClr val="tx1"/>
+                </a:solidFill>
+                <a:latin typeface="+mn-lt"/>
+                <a:ea typeface="+mn-ea"/>
+                <a:cs typeface="+mn-cs"/>
+              </a:defRPr>
+            </a:lvl7pPr>
+            <a:lvl8pPr marL="3200400" algn="l" defTabSz="457200" rtl="0" eaLnBrk="1" latinLnBrk="0" hangingPunct="1">
+              <a:defRPr sz="1800" kern="1200">
+                <a:solidFill>
+                  <a:schemeClr val="tx1"/>
+                </a:solidFill>
+                <a:latin typeface="+mn-lt"/>
+                <a:ea typeface="+mn-ea"/>
+                <a:cs typeface="+mn-cs"/>
+              </a:defRPr>
+            </a:lvl8pPr>
+            <a:lvl9pPr marL="3657600" algn="l" defTabSz="457200" rtl="0" eaLnBrk="1" latinLnBrk="0" hangingPunct="1">
+              <a:defRPr sz="1800" kern="1200">
+                <a:solidFill>
+                  <a:schemeClr val="tx1"/>
+                </a:solidFill>
+                <a:latin typeface="+mn-lt"/>
+                <a:ea typeface="+mn-ea"/>
+                <a:cs typeface="+mn-cs"/>
+              </a:defRPr>
+            </a:lvl9pPr>
+          </a:lstStyle>
+          <a:p>
+            <a:r>
+              <a:rPr lang="en-US" dirty="0" smtClean="0"/>
+              <a:t>© 2013 RTI </a:t>
+            </a:r>
+            <a:endParaRPr lang="en-US" dirty="0"/>
+          </a:p>
+        </p:txBody>
+      </p:sp>
     </p:spTree>
     <p:extLst>
       <p:ext uri="{BB962C8B-B14F-4D97-AF65-F5344CB8AC3E}">
-        <p14:creationId xmlns:p14="http://schemas.microsoft.com/office/powerpoint/2010/main" val="1327942204"/>
+        <p14:creationId xmlns:p14="http://schemas.microsoft.com/office/powerpoint/2010/main" val="1194123607"/>
       </p:ext>
     </p:extLst>
   </p:cSld>
@@ -8232,8 +13388,8 @@
         </p:nvSpPr>
         <p:spPr>
           <a:xfrm>
-            <a:off x="5546232" y="5486398"/>
-            <a:ext cx="3240157" cy="923330"/>
+            <a:off x="5546233" y="5486398"/>
+            <a:ext cx="1620078" cy="923330"/>
           </a:xfrm>
           <a:prstGeom prst="rect">
             <a:avLst/>
@@ -8405,10 +13561,142 @@
           </a:p>
         </p:txBody>
       </p:sp>
+      <p:sp>
+        <p:nvSpPr>
+          <p:cNvPr id="19" name="Footer Placeholder 4"/>
+          <p:cNvSpPr txBox="1">
+            <a:spLocks/>
+          </p:cNvSpPr>
+          <p:nvPr/>
+        </p:nvSpPr>
+        <p:spPr>
+          <a:xfrm>
+            <a:off x="-269073" y="6510856"/>
+            <a:ext cx="1107259" cy="365125"/>
+          </a:xfrm>
+          <a:prstGeom prst="rect">
+            <a:avLst/>
+          </a:prstGeom>
+          <a:ln w="0" cap="flat" cmpd="sng" algn="ctr">
+            <a:noFill/>
+            <a:prstDash val="solid"/>
+            <a:round/>
+            <a:headEnd type="none" w="med" len="med"/>
+            <a:tailEnd type="none" w="med" len="med"/>
+          </a:ln>
+        </p:spPr>
+        <p:txBody>
+          <a:bodyPr vert="horz" lIns="91440" tIns="45720" rIns="91440" bIns="45720" rtlCol="0" anchor="ctr"/>
+          <a:lstStyle>
+            <a:defPPr>
+              <a:defRPr lang="en-US"/>
+            </a:defPPr>
+            <a:lvl1pPr marL="0" algn="ctr" defTabSz="457200" rtl="0" eaLnBrk="1" latinLnBrk="0" hangingPunct="1">
+              <a:defRPr sz="900" kern="1200">
+                <a:solidFill>
+                  <a:schemeClr val="tx1">
+                    <a:tint val="75000"/>
+                  </a:schemeClr>
+                </a:solidFill>
+                <a:latin typeface="+mn-lt"/>
+                <a:ea typeface="+mn-ea"/>
+                <a:cs typeface="+mn-cs"/>
+              </a:defRPr>
+            </a:lvl1pPr>
+            <a:lvl2pPr marL="457200" algn="l" defTabSz="457200" rtl="0" eaLnBrk="1" latinLnBrk="0" hangingPunct="1">
+              <a:defRPr sz="1800" kern="1200">
+                <a:solidFill>
+                  <a:schemeClr val="tx1"/>
+                </a:solidFill>
+                <a:latin typeface="+mn-lt"/>
+                <a:ea typeface="+mn-ea"/>
+                <a:cs typeface="+mn-cs"/>
+              </a:defRPr>
+            </a:lvl2pPr>
+            <a:lvl3pPr marL="914400" algn="l" defTabSz="457200" rtl="0" eaLnBrk="1" latinLnBrk="0" hangingPunct="1">
+              <a:defRPr sz="1800" kern="1200">
+                <a:solidFill>
+                  <a:schemeClr val="tx1"/>
+                </a:solidFill>
+                <a:latin typeface="+mn-lt"/>
+                <a:ea typeface="+mn-ea"/>
+                <a:cs typeface="+mn-cs"/>
+              </a:defRPr>
+            </a:lvl3pPr>
+            <a:lvl4pPr marL="1371600" algn="l" defTabSz="457200" rtl="0" eaLnBrk="1" latinLnBrk="0" hangingPunct="1">
+              <a:defRPr sz="1800" kern="1200">
+                <a:solidFill>
+                  <a:schemeClr val="tx1"/>
+                </a:solidFill>
+                <a:latin typeface="+mn-lt"/>
+                <a:ea typeface="+mn-ea"/>
+                <a:cs typeface="+mn-cs"/>
+              </a:defRPr>
+            </a:lvl4pPr>
+            <a:lvl5pPr marL="1828800" algn="l" defTabSz="457200" rtl="0" eaLnBrk="1" latinLnBrk="0" hangingPunct="1">
+              <a:defRPr sz="1800" kern="1200">
+                <a:solidFill>
+                  <a:schemeClr val="tx1"/>
+                </a:solidFill>
+                <a:latin typeface="+mn-lt"/>
+                <a:ea typeface="+mn-ea"/>
+                <a:cs typeface="+mn-cs"/>
+              </a:defRPr>
+            </a:lvl5pPr>
+            <a:lvl6pPr marL="2286000" algn="l" defTabSz="457200" rtl="0" eaLnBrk="1" latinLnBrk="0" hangingPunct="1">
+              <a:defRPr sz="1800" kern="1200">
+                <a:solidFill>
+                  <a:schemeClr val="tx1"/>
+                </a:solidFill>
+                <a:latin typeface="+mn-lt"/>
+                <a:ea typeface="+mn-ea"/>
+                <a:cs typeface="+mn-cs"/>
+              </a:defRPr>
+            </a:lvl6pPr>
+            <a:lvl7pPr marL="2743200" algn="l" defTabSz="457200" rtl="0" eaLnBrk="1" latinLnBrk="0" hangingPunct="1">
+              <a:defRPr sz="1800" kern="1200">
+                <a:solidFill>
+                  <a:schemeClr val="tx1"/>
+                </a:solidFill>
+                <a:latin typeface="+mn-lt"/>
+                <a:ea typeface="+mn-ea"/>
+                <a:cs typeface="+mn-cs"/>
+              </a:defRPr>
+            </a:lvl7pPr>
+            <a:lvl8pPr marL="3200400" algn="l" defTabSz="457200" rtl="0" eaLnBrk="1" latinLnBrk="0" hangingPunct="1">
+              <a:defRPr sz="1800" kern="1200">
+                <a:solidFill>
+                  <a:schemeClr val="tx1"/>
+                </a:solidFill>
+                <a:latin typeface="+mn-lt"/>
+                <a:ea typeface="+mn-ea"/>
+                <a:cs typeface="+mn-cs"/>
+              </a:defRPr>
+            </a:lvl8pPr>
+            <a:lvl9pPr marL="3657600" algn="l" defTabSz="457200" rtl="0" eaLnBrk="1" latinLnBrk="0" hangingPunct="1">
+              <a:defRPr sz="1800" kern="1200">
+                <a:solidFill>
+                  <a:schemeClr val="tx1"/>
+                </a:solidFill>
+                <a:latin typeface="+mn-lt"/>
+                <a:ea typeface="+mn-ea"/>
+                <a:cs typeface="+mn-cs"/>
+              </a:defRPr>
+            </a:lvl9pPr>
+          </a:lstStyle>
+          <a:p>
+            <a:r>
+              <a:rPr lang="en-US" dirty="0" smtClean="0"/>
+              <a:t>© 2013 RTI </a:t>
+            </a:r>
+            <a:endParaRPr lang="en-US" dirty="0"/>
+          </a:p>
+        </p:txBody>
+      </p:sp>
     </p:spTree>
     <p:extLst>
       <p:ext uri="{BB962C8B-B14F-4D97-AF65-F5344CB8AC3E}">
-        <p14:creationId xmlns:p14="http://schemas.microsoft.com/office/powerpoint/2010/main" val="4221619984"/>
+        <p14:creationId xmlns:p14="http://schemas.microsoft.com/office/powerpoint/2010/main" val="426668542"/>
       </p:ext>
     </p:extLst>
   </p:cSld>
@@ -8500,7 +13788,6 @@
         <a:font script="Mong" typeface="Mongolian Baiti"/>
         <a:font script="Viet" typeface="Times New Roman"/>
         <a:font script="Uigh" typeface="Microsoft Uighur"/>
-        <a:font script="Geor" typeface="Sylfaen"/>
       </a:majorFont>
       <a:minorFont>
         <a:latin typeface="Calibri"/>
@@ -8535,7 +13822,6 @@
         <a:font script="Mong" typeface="Mongolian Baiti"/>
         <a:font script="Viet" typeface="Arial"/>
         <a:font script="Uigh" typeface="Microsoft Uighur"/>
-        <a:font script="Geor" typeface="Sylfaen"/>
       </a:minorFont>
     </a:fontScheme>
     <a:fmtScheme name="Office">
@@ -8570,20 +13856,16 @@
           <a:gsLst>
             <a:gs pos="0">
               <a:schemeClr val="phClr">
-                <a:shade val="51000"/>
-                <a:satMod val="130000"/>
-              </a:schemeClr>
-            </a:gs>
-            <a:gs pos="80000">
-              <a:schemeClr val="phClr">
-                <a:shade val="93000"/>
+                <a:tint val="100000"/>
+                <a:shade val="100000"/>
                 <a:satMod val="130000"/>
               </a:schemeClr>
             </a:gs>
             <a:gs pos="100000">
               <a:schemeClr val="phClr">
-                <a:shade val="94000"/>
-                <a:satMod val="135000"/>
+                <a:tint val="50000"/>
+                <a:shade val="100000"/>
+                <a:satMod val="350000"/>
               </a:schemeClr>
             </a:gs>
           </a:gsLst>
@@ -8705,7 +13987,1000 @@
       </a:bgFillStyleLst>
     </a:fmtScheme>
   </a:themeElements>
-  <a:objectDefaults/>
+  <a:objectDefaults>
+    <a:spDef>
+      <a:spPr/>
+      <a:bodyPr/>
+      <a:lstStyle/>
+      <a:style>
+        <a:lnRef idx="1">
+          <a:schemeClr val="accent1"/>
+        </a:lnRef>
+        <a:fillRef idx="3">
+          <a:schemeClr val="accent1"/>
+        </a:fillRef>
+        <a:effectRef idx="2">
+          <a:schemeClr val="accent1"/>
+        </a:effectRef>
+        <a:fontRef idx="minor">
+          <a:schemeClr val="lt1"/>
+        </a:fontRef>
+      </a:style>
+    </a:spDef>
+    <a:lnDef>
+      <a:spPr/>
+      <a:bodyPr/>
+      <a:lstStyle/>
+      <a:style>
+        <a:lnRef idx="2">
+          <a:schemeClr val="accent1"/>
+        </a:lnRef>
+        <a:fillRef idx="0">
+          <a:schemeClr val="accent1"/>
+        </a:fillRef>
+        <a:effectRef idx="1">
+          <a:schemeClr val="accent1"/>
+        </a:effectRef>
+        <a:fontRef idx="minor">
+          <a:schemeClr val="tx1"/>
+        </a:fontRef>
+      </a:style>
+    </a:lnDef>
+  </a:objectDefaults>
+  <a:extraClrSchemeLst/>
+</a:theme>
+</file>
+
+<file path=ppt/theme/theme2.xml><?xml version="1.0" encoding="utf-8"?>
+<a:theme xmlns:a="http://schemas.openxmlformats.org/drawingml/2006/main" name="Theme1">
+  <a:themeElements>
+    <a:clrScheme name="RTI 2012 COLOR THEME">
+      <a:dk1>
+        <a:sysClr val="windowText" lastClr="000000"/>
+      </a:dk1>
+      <a:lt1>
+        <a:sysClr val="window" lastClr="FFFFFF"/>
+      </a:lt1>
+      <a:dk2>
+        <a:srgbClr val="1F497D"/>
+      </a:dk2>
+      <a:lt2>
+        <a:srgbClr val="EEECE1"/>
+      </a:lt2>
+      <a:accent1>
+        <a:srgbClr val="17375E"/>
+      </a:accent1>
+      <a:accent2>
+        <a:srgbClr val="C0504D"/>
+      </a:accent2>
+      <a:accent3>
+        <a:srgbClr val="4EA000"/>
+      </a:accent3>
+      <a:accent4>
+        <a:srgbClr val="800080"/>
+      </a:accent4>
+      <a:accent5>
+        <a:srgbClr val="4BACC6"/>
+      </a:accent5>
+      <a:accent6>
+        <a:srgbClr val="F8971D"/>
+      </a:accent6>
+      <a:hlink>
+        <a:srgbClr val="0000FF"/>
+      </a:hlink>
+      <a:folHlink>
+        <a:srgbClr val="800080"/>
+      </a:folHlink>
+    </a:clrScheme>
+    <a:fontScheme name="Office">
+      <a:majorFont>
+        <a:latin typeface="Calibri"/>
+        <a:ea typeface=""/>
+        <a:cs typeface=""/>
+        <a:font script="Jpan" typeface="ＭＳ Ｐゴシック"/>
+        <a:font script="Hang" typeface="맑은 고딕"/>
+        <a:font script="Hans" typeface="宋体"/>
+        <a:font script="Hant" typeface="新細明體"/>
+        <a:font script="Arab" typeface="Times New Roman"/>
+        <a:font script="Hebr" typeface="Times New Roman"/>
+        <a:font script="Thai" typeface="Angsana New"/>
+        <a:font script="Ethi" typeface="Nyala"/>
+        <a:font script="Beng" typeface="Vrinda"/>
+        <a:font script="Gujr" typeface="Shruti"/>
+        <a:font script="Khmr" typeface="MoolBoran"/>
+        <a:font script="Knda" typeface="Tunga"/>
+        <a:font script="Guru" typeface="Raavi"/>
+        <a:font script="Cans" typeface="Euphemia"/>
+        <a:font script="Cher" typeface="Plantagenet Cherokee"/>
+        <a:font script="Yiii" typeface="Microsoft Yi Baiti"/>
+        <a:font script="Tibt" typeface="Microsoft Himalaya"/>
+        <a:font script="Thaa" typeface="MV Boli"/>
+        <a:font script="Deva" typeface="Mangal"/>
+        <a:font script="Telu" typeface="Gautami"/>
+        <a:font script="Taml" typeface="Latha"/>
+        <a:font script="Syrc" typeface="Estrangelo Edessa"/>
+        <a:font script="Orya" typeface="Kalinga"/>
+        <a:font script="Mlym" typeface="Kartika"/>
+        <a:font script="Laoo" typeface="DokChampa"/>
+        <a:font script="Sinh" typeface="Iskoola Pota"/>
+        <a:font script="Mong" typeface="Mongolian Baiti"/>
+        <a:font script="Viet" typeface="Times New Roman"/>
+        <a:font script="Uigh" typeface="Microsoft Uighur"/>
+      </a:majorFont>
+      <a:minorFont>
+        <a:latin typeface="Calibri"/>
+        <a:ea typeface=""/>
+        <a:cs typeface=""/>
+        <a:font script="Jpan" typeface="ＭＳ Ｐゴシック"/>
+        <a:font script="Hang" typeface="맑은 고딕"/>
+        <a:font script="Hans" typeface="宋体"/>
+        <a:font script="Hant" typeface="新細明體"/>
+        <a:font script="Arab" typeface="Arial"/>
+        <a:font script="Hebr" typeface="Arial"/>
+        <a:font script="Thai" typeface="Cordia New"/>
+        <a:font script="Ethi" typeface="Nyala"/>
+        <a:font script="Beng" typeface="Vrinda"/>
+        <a:font script="Gujr" typeface="Shruti"/>
+        <a:font script="Khmr" typeface="DaunPenh"/>
+        <a:font script="Knda" typeface="Tunga"/>
+        <a:font script="Guru" typeface="Raavi"/>
+        <a:font script="Cans" typeface="Euphemia"/>
+        <a:font script="Cher" typeface="Plantagenet Cherokee"/>
+        <a:font script="Yiii" typeface="Microsoft Yi Baiti"/>
+        <a:font script="Tibt" typeface="Microsoft Himalaya"/>
+        <a:font script="Thaa" typeface="MV Boli"/>
+        <a:font script="Deva" typeface="Mangal"/>
+        <a:font script="Telu" typeface="Gautami"/>
+        <a:font script="Taml" typeface="Latha"/>
+        <a:font script="Syrc" typeface="Estrangelo Edessa"/>
+        <a:font script="Orya" typeface="Kalinga"/>
+        <a:font script="Mlym" typeface="Kartika"/>
+        <a:font script="Laoo" typeface="DokChampa"/>
+        <a:font script="Sinh" typeface="Iskoola Pota"/>
+        <a:font script="Mong" typeface="Mongolian Baiti"/>
+        <a:font script="Viet" typeface="Arial"/>
+        <a:font script="Uigh" typeface="Microsoft Uighur"/>
+      </a:minorFont>
+    </a:fontScheme>
+    <a:fmtScheme name="Office">
+      <a:fillStyleLst>
+        <a:solidFill>
+          <a:schemeClr val="phClr"/>
+        </a:solidFill>
+        <a:gradFill rotWithShape="1">
+          <a:gsLst>
+            <a:gs pos="0">
+              <a:schemeClr val="phClr">
+                <a:tint val="50000"/>
+                <a:satMod val="300000"/>
+              </a:schemeClr>
+            </a:gs>
+            <a:gs pos="35000">
+              <a:schemeClr val="phClr">
+                <a:tint val="37000"/>
+                <a:satMod val="300000"/>
+              </a:schemeClr>
+            </a:gs>
+            <a:gs pos="100000">
+              <a:schemeClr val="phClr">
+                <a:tint val="15000"/>
+                <a:satMod val="350000"/>
+              </a:schemeClr>
+            </a:gs>
+          </a:gsLst>
+          <a:lin ang="16200000" scaled="1"/>
+        </a:gradFill>
+        <a:gradFill rotWithShape="1">
+          <a:gsLst>
+            <a:gs pos="0">
+              <a:schemeClr val="phClr">
+                <a:tint val="100000"/>
+                <a:shade val="100000"/>
+                <a:satMod val="130000"/>
+              </a:schemeClr>
+            </a:gs>
+            <a:gs pos="100000">
+              <a:schemeClr val="phClr">
+                <a:tint val="50000"/>
+                <a:shade val="100000"/>
+                <a:satMod val="350000"/>
+              </a:schemeClr>
+            </a:gs>
+          </a:gsLst>
+          <a:lin ang="16200000" scaled="0"/>
+        </a:gradFill>
+      </a:fillStyleLst>
+      <a:lnStyleLst>
+        <a:ln w="9525" cap="flat" cmpd="sng" algn="ctr">
+          <a:solidFill>
+            <a:schemeClr val="phClr">
+              <a:shade val="95000"/>
+              <a:satMod val="105000"/>
+            </a:schemeClr>
+          </a:solidFill>
+          <a:prstDash val="solid"/>
+        </a:ln>
+        <a:ln w="25400" cap="flat" cmpd="sng" algn="ctr">
+          <a:solidFill>
+            <a:schemeClr val="phClr"/>
+          </a:solidFill>
+          <a:prstDash val="solid"/>
+        </a:ln>
+        <a:ln w="38100" cap="flat" cmpd="sng" algn="ctr">
+          <a:solidFill>
+            <a:schemeClr val="phClr"/>
+          </a:solidFill>
+          <a:prstDash val="solid"/>
+        </a:ln>
+      </a:lnStyleLst>
+      <a:effectStyleLst>
+        <a:effectStyle>
+          <a:effectLst>
+            <a:outerShdw blurRad="40000" dist="20000" dir="5400000" rotWithShape="0">
+              <a:srgbClr val="000000">
+                <a:alpha val="38000"/>
+              </a:srgbClr>
+            </a:outerShdw>
+          </a:effectLst>
+        </a:effectStyle>
+        <a:effectStyle>
+          <a:effectLst>
+            <a:outerShdw blurRad="40000" dist="23000" dir="5400000" rotWithShape="0">
+              <a:srgbClr val="000000">
+                <a:alpha val="35000"/>
+              </a:srgbClr>
+            </a:outerShdw>
+          </a:effectLst>
+        </a:effectStyle>
+        <a:effectStyle>
+          <a:effectLst>
+            <a:outerShdw blurRad="40000" dist="23000" dir="5400000" rotWithShape="0">
+              <a:srgbClr val="000000">
+                <a:alpha val="35000"/>
+              </a:srgbClr>
+            </a:outerShdw>
+          </a:effectLst>
+          <a:scene3d>
+            <a:camera prst="orthographicFront">
+              <a:rot lat="0" lon="0" rev="0"/>
+            </a:camera>
+            <a:lightRig rig="threePt" dir="t">
+              <a:rot lat="0" lon="0" rev="1200000"/>
+            </a:lightRig>
+          </a:scene3d>
+          <a:sp3d>
+            <a:bevelT w="63500" h="25400"/>
+          </a:sp3d>
+        </a:effectStyle>
+      </a:effectStyleLst>
+      <a:bgFillStyleLst>
+        <a:solidFill>
+          <a:schemeClr val="phClr"/>
+        </a:solidFill>
+        <a:gradFill rotWithShape="1">
+          <a:gsLst>
+            <a:gs pos="0">
+              <a:schemeClr val="phClr">
+                <a:tint val="40000"/>
+                <a:satMod val="350000"/>
+              </a:schemeClr>
+            </a:gs>
+            <a:gs pos="40000">
+              <a:schemeClr val="phClr">
+                <a:tint val="45000"/>
+                <a:shade val="99000"/>
+                <a:satMod val="350000"/>
+              </a:schemeClr>
+            </a:gs>
+            <a:gs pos="100000">
+              <a:schemeClr val="phClr">
+                <a:shade val="20000"/>
+                <a:satMod val="255000"/>
+              </a:schemeClr>
+            </a:gs>
+          </a:gsLst>
+          <a:path path="circle">
+            <a:fillToRect l="50000" t="-80000" r="50000" b="180000"/>
+          </a:path>
+        </a:gradFill>
+        <a:gradFill rotWithShape="1">
+          <a:gsLst>
+            <a:gs pos="0">
+              <a:schemeClr val="phClr">
+                <a:tint val="80000"/>
+                <a:satMod val="300000"/>
+              </a:schemeClr>
+            </a:gs>
+            <a:gs pos="100000">
+              <a:schemeClr val="phClr">
+                <a:shade val="30000"/>
+                <a:satMod val="200000"/>
+              </a:schemeClr>
+            </a:gs>
+          </a:gsLst>
+          <a:path path="circle">
+            <a:fillToRect l="50000" t="50000" r="50000" b="50000"/>
+          </a:path>
+        </a:gradFill>
+      </a:bgFillStyleLst>
+    </a:fmtScheme>
+  </a:themeElements>
+  <a:objectDefaults>
+    <a:spDef>
+      <a:spPr/>
+      <a:bodyPr/>
+      <a:lstStyle/>
+      <a:style>
+        <a:lnRef idx="1">
+          <a:schemeClr val="accent1"/>
+        </a:lnRef>
+        <a:fillRef idx="3">
+          <a:schemeClr val="accent1"/>
+        </a:fillRef>
+        <a:effectRef idx="2">
+          <a:schemeClr val="accent1"/>
+        </a:effectRef>
+        <a:fontRef idx="minor">
+          <a:schemeClr val="lt1"/>
+        </a:fontRef>
+      </a:style>
+    </a:spDef>
+    <a:lnDef>
+      <a:spPr/>
+      <a:bodyPr/>
+      <a:lstStyle/>
+      <a:style>
+        <a:lnRef idx="2">
+          <a:schemeClr val="accent1"/>
+        </a:lnRef>
+        <a:fillRef idx="0">
+          <a:schemeClr val="accent1"/>
+        </a:fillRef>
+        <a:effectRef idx="1">
+          <a:schemeClr val="accent1"/>
+        </a:effectRef>
+        <a:fontRef idx="minor">
+          <a:schemeClr val="tx1"/>
+        </a:fontRef>
+      </a:style>
+    </a:lnDef>
+  </a:objectDefaults>
+  <a:extraClrSchemeLst/>
+</a:theme>
+</file>
+
+<file path=ppt/theme/theme3.xml><?xml version="1.0" encoding="utf-8"?>
+<a:theme xmlns:a="http://schemas.openxmlformats.org/drawingml/2006/main" name="Office Theme">
+  <a:themeElements>
+    <a:clrScheme name="Office">
+      <a:dk1>
+        <a:sysClr val="windowText" lastClr="000000"/>
+      </a:dk1>
+      <a:lt1>
+        <a:sysClr val="window" lastClr="FFFFFF"/>
+      </a:lt1>
+      <a:dk2>
+        <a:srgbClr val="1F497D"/>
+      </a:dk2>
+      <a:lt2>
+        <a:srgbClr val="EEECE1"/>
+      </a:lt2>
+      <a:accent1>
+        <a:srgbClr val="4F81BD"/>
+      </a:accent1>
+      <a:accent2>
+        <a:srgbClr val="C0504D"/>
+      </a:accent2>
+      <a:accent3>
+        <a:srgbClr val="9BBB59"/>
+      </a:accent3>
+      <a:accent4>
+        <a:srgbClr val="8064A2"/>
+      </a:accent4>
+      <a:accent5>
+        <a:srgbClr val="4BACC6"/>
+      </a:accent5>
+      <a:accent6>
+        <a:srgbClr val="F79646"/>
+      </a:accent6>
+      <a:hlink>
+        <a:srgbClr val="0000FF"/>
+      </a:hlink>
+      <a:folHlink>
+        <a:srgbClr val="800080"/>
+      </a:folHlink>
+    </a:clrScheme>
+    <a:fontScheme name="Office">
+      <a:majorFont>
+        <a:latin typeface="Calibri"/>
+        <a:ea typeface=""/>
+        <a:cs typeface=""/>
+        <a:font script="Jpan" typeface="ＭＳ Ｐゴシック"/>
+        <a:font script="Hang" typeface="맑은 고딕"/>
+        <a:font script="Hans" typeface="宋体"/>
+        <a:font script="Hant" typeface="新細明體"/>
+        <a:font script="Arab" typeface="Times New Roman"/>
+        <a:font script="Hebr" typeface="Times New Roman"/>
+        <a:font script="Thai" typeface="Angsana New"/>
+        <a:font script="Ethi" typeface="Nyala"/>
+        <a:font script="Beng" typeface="Vrinda"/>
+        <a:font script="Gujr" typeface="Shruti"/>
+        <a:font script="Khmr" typeface="MoolBoran"/>
+        <a:font script="Knda" typeface="Tunga"/>
+        <a:font script="Guru" typeface="Raavi"/>
+        <a:font script="Cans" typeface="Euphemia"/>
+        <a:font script="Cher" typeface="Plantagenet Cherokee"/>
+        <a:font script="Yiii" typeface="Microsoft Yi Baiti"/>
+        <a:font script="Tibt" typeface="Microsoft Himalaya"/>
+        <a:font script="Thaa" typeface="MV Boli"/>
+        <a:font script="Deva" typeface="Mangal"/>
+        <a:font script="Telu" typeface="Gautami"/>
+        <a:font script="Taml" typeface="Latha"/>
+        <a:font script="Syrc" typeface="Estrangelo Edessa"/>
+        <a:font script="Orya" typeface="Kalinga"/>
+        <a:font script="Mlym" typeface="Kartika"/>
+        <a:font script="Laoo" typeface="DokChampa"/>
+        <a:font script="Sinh" typeface="Iskoola Pota"/>
+        <a:font script="Mong" typeface="Mongolian Baiti"/>
+        <a:font script="Viet" typeface="Times New Roman"/>
+        <a:font script="Uigh" typeface="Microsoft Uighur"/>
+      </a:majorFont>
+      <a:minorFont>
+        <a:latin typeface="Calibri"/>
+        <a:ea typeface=""/>
+        <a:cs typeface=""/>
+        <a:font script="Jpan" typeface="ＭＳ Ｐゴシック"/>
+        <a:font script="Hang" typeface="맑은 고딕"/>
+        <a:font script="Hans" typeface="宋体"/>
+        <a:font script="Hant" typeface="新細明體"/>
+        <a:font script="Arab" typeface="Arial"/>
+        <a:font script="Hebr" typeface="Arial"/>
+        <a:font script="Thai" typeface="Cordia New"/>
+        <a:font script="Ethi" typeface="Nyala"/>
+        <a:font script="Beng" typeface="Vrinda"/>
+        <a:font script="Gujr" typeface="Shruti"/>
+        <a:font script="Khmr" typeface="DaunPenh"/>
+        <a:font script="Knda" typeface="Tunga"/>
+        <a:font script="Guru" typeface="Raavi"/>
+        <a:font script="Cans" typeface="Euphemia"/>
+        <a:font script="Cher" typeface="Plantagenet Cherokee"/>
+        <a:font script="Yiii" typeface="Microsoft Yi Baiti"/>
+        <a:font script="Tibt" typeface="Microsoft Himalaya"/>
+        <a:font script="Thaa" typeface="MV Boli"/>
+        <a:font script="Deva" typeface="Mangal"/>
+        <a:font script="Telu" typeface="Gautami"/>
+        <a:font script="Taml" typeface="Latha"/>
+        <a:font script="Syrc" typeface="Estrangelo Edessa"/>
+        <a:font script="Orya" typeface="Kalinga"/>
+        <a:font script="Mlym" typeface="Kartika"/>
+        <a:font script="Laoo" typeface="DokChampa"/>
+        <a:font script="Sinh" typeface="Iskoola Pota"/>
+        <a:font script="Mong" typeface="Mongolian Baiti"/>
+        <a:font script="Viet" typeface="Arial"/>
+        <a:font script="Uigh" typeface="Microsoft Uighur"/>
+      </a:minorFont>
+    </a:fontScheme>
+    <a:fmtScheme name="Office">
+      <a:fillStyleLst>
+        <a:solidFill>
+          <a:schemeClr val="phClr"/>
+        </a:solidFill>
+        <a:gradFill rotWithShape="1">
+          <a:gsLst>
+            <a:gs pos="0">
+              <a:schemeClr val="phClr">
+                <a:tint val="50000"/>
+                <a:satMod val="300000"/>
+              </a:schemeClr>
+            </a:gs>
+            <a:gs pos="35000">
+              <a:schemeClr val="phClr">
+                <a:tint val="37000"/>
+                <a:satMod val="300000"/>
+              </a:schemeClr>
+            </a:gs>
+            <a:gs pos="100000">
+              <a:schemeClr val="phClr">
+                <a:tint val="15000"/>
+                <a:satMod val="350000"/>
+              </a:schemeClr>
+            </a:gs>
+          </a:gsLst>
+          <a:lin ang="16200000" scaled="1"/>
+        </a:gradFill>
+        <a:gradFill rotWithShape="1">
+          <a:gsLst>
+            <a:gs pos="0">
+              <a:schemeClr val="phClr">
+                <a:tint val="100000"/>
+                <a:shade val="100000"/>
+                <a:satMod val="130000"/>
+              </a:schemeClr>
+            </a:gs>
+            <a:gs pos="100000">
+              <a:schemeClr val="phClr">
+                <a:tint val="50000"/>
+                <a:shade val="100000"/>
+                <a:satMod val="350000"/>
+              </a:schemeClr>
+            </a:gs>
+          </a:gsLst>
+          <a:lin ang="16200000" scaled="0"/>
+        </a:gradFill>
+      </a:fillStyleLst>
+      <a:lnStyleLst>
+        <a:ln w="9525" cap="flat" cmpd="sng" algn="ctr">
+          <a:solidFill>
+            <a:schemeClr val="phClr">
+              <a:shade val="95000"/>
+              <a:satMod val="105000"/>
+            </a:schemeClr>
+          </a:solidFill>
+          <a:prstDash val="solid"/>
+        </a:ln>
+        <a:ln w="25400" cap="flat" cmpd="sng" algn="ctr">
+          <a:solidFill>
+            <a:schemeClr val="phClr"/>
+          </a:solidFill>
+          <a:prstDash val="solid"/>
+        </a:ln>
+        <a:ln w="38100" cap="flat" cmpd="sng" algn="ctr">
+          <a:solidFill>
+            <a:schemeClr val="phClr"/>
+          </a:solidFill>
+          <a:prstDash val="solid"/>
+        </a:ln>
+      </a:lnStyleLst>
+      <a:effectStyleLst>
+        <a:effectStyle>
+          <a:effectLst>
+            <a:outerShdw blurRad="40000" dist="20000" dir="5400000" rotWithShape="0">
+              <a:srgbClr val="000000">
+                <a:alpha val="38000"/>
+              </a:srgbClr>
+            </a:outerShdw>
+          </a:effectLst>
+        </a:effectStyle>
+        <a:effectStyle>
+          <a:effectLst>
+            <a:outerShdw blurRad="40000" dist="23000" dir="5400000" rotWithShape="0">
+              <a:srgbClr val="000000">
+                <a:alpha val="35000"/>
+              </a:srgbClr>
+            </a:outerShdw>
+          </a:effectLst>
+        </a:effectStyle>
+        <a:effectStyle>
+          <a:effectLst>
+            <a:outerShdw blurRad="40000" dist="23000" dir="5400000" rotWithShape="0">
+              <a:srgbClr val="000000">
+                <a:alpha val="35000"/>
+              </a:srgbClr>
+            </a:outerShdw>
+          </a:effectLst>
+          <a:scene3d>
+            <a:camera prst="orthographicFront">
+              <a:rot lat="0" lon="0" rev="0"/>
+            </a:camera>
+            <a:lightRig rig="threePt" dir="t">
+              <a:rot lat="0" lon="0" rev="1200000"/>
+            </a:lightRig>
+          </a:scene3d>
+          <a:sp3d>
+            <a:bevelT w="63500" h="25400"/>
+          </a:sp3d>
+        </a:effectStyle>
+      </a:effectStyleLst>
+      <a:bgFillStyleLst>
+        <a:solidFill>
+          <a:schemeClr val="phClr"/>
+        </a:solidFill>
+        <a:gradFill rotWithShape="1">
+          <a:gsLst>
+            <a:gs pos="0">
+              <a:schemeClr val="phClr">
+                <a:tint val="40000"/>
+                <a:satMod val="350000"/>
+              </a:schemeClr>
+            </a:gs>
+            <a:gs pos="40000">
+              <a:schemeClr val="phClr">
+                <a:tint val="45000"/>
+                <a:shade val="99000"/>
+                <a:satMod val="350000"/>
+              </a:schemeClr>
+            </a:gs>
+            <a:gs pos="100000">
+              <a:schemeClr val="phClr">
+                <a:shade val="20000"/>
+                <a:satMod val="255000"/>
+              </a:schemeClr>
+            </a:gs>
+          </a:gsLst>
+          <a:path path="circle">
+            <a:fillToRect l="50000" t="-80000" r="50000" b="180000"/>
+          </a:path>
+        </a:gradFill>
+        <a:gradFill rotWithShape="1">
+          <a:gsLst>
+            <a:gs pos="0">
+              <a:schemeClr val="phClr">
+                <a:tint val="80000"/>
+                <a:satMod val="300000"/>
+              </a:schemeClr>
+            </a:gs>
+            <a:gs pos="100000">
+              <a:schemeClr val="phClr">
+                <a:shade val="30000"/>
+                <a:satMod val="200000"/>
+              </a:schemeClr>
+            </a:gs>
+          </a:gsLst>
+          <a:path path="circle">
+            <a:fillToRect l="50000" t="50000" r="50000" b="50000"/>
+          </a:path>
+        </a:gradFill>
+      </a:bgFillStyleLst>
+    </a:fmtScheme>
+  </a:themeElements>
+  <a:objectDefaults>
+    <a:spDef>
+      <a:spPr/>
+      <a:bodyPr/>
+      <a:lstStyle/>
+      <a:style>
+        <a:lnRef idx="1">
+          <a:schemeClr val="accent1"/>
+        </a:lnRef>
+        <a:fillRef idx="3">
+          <a:schemeClr val="accent1"/>
+        </a:fillRef>
+        <a:effectRef idx="2">
+          <a:schemeClr val="accent1"/>
+        </a:effectRef>
+        <a:fontRef idx="minor">
+          <a:schemeClr val="lt1"/>
+        </a:fontRef>
+      </a:style>
+    </a:spDef>
+    <a:lnDef>
+      <a:spPr/>
+      <a:bodyPr/>
+      <a:lstStyle/>
+      <a:style>
+        <a:lnRef idx="2">
+          <a:schemeClr val="accent1"/>
+        </a:lnRef>
+        <a:fillRef idx="0">
+          <a:schemeClr val="accent1"/>
+        </a:fillRef>
+        <a:effectRef idx="1">
+          <a:schemeClr val="accent1"/>
+        </a:effectRef>
+        <a:fontRef idx="minor">
+          <a:schemeClr val="tx1"/>
+        </a:fontRef>
+      </a:style>
+    </a:lnDef>
+  </a:objectDefaults>
+  <a:extraClrSchemeLst/>
+</a:theme>
+</file>
+
+<file path=ppt/theme/theme4.xml><?xml version="1.0" encoding="utf-8"?>
+<a:theme xmlns:a="http://schemas.openxmlformats.org/drawingml/2006/main" name="Office Theme">
+  <a:themeElements>
+    <a:clrScheme name="Office">
+      <a:dk1>
+        <a:sysClr val="windowText" lastClr="000000"/>
+      </a:dk1>
+      <a:lt1>
+        <a:sysClr val="window" lastClr="FFFFFF"/>
+      </a:lt1>
+      <a:dk2>
+        <a:srgbClr val="1F497D"/>
+      </a:dk2>
+      <a:lt2>
+        <a:srgbClr val="EEECE1"/>
+      </a:lt2>
+      <a:accent1>
+        <a:srgbClr val="4F81BD"/>
+      </a:accent1>
+      <a:accent2>
+        <a:srgbClr val="C0504D"/>
+      </a:accent2>
+      <a:accent3>
+        <a:srgbClr val="9BBB59"/>
+      </a:accent3>
+      <a:accent4>
+        <a:srgbClr val="8064A2"/>
+      </a:accent4>
+      <a:accent5>
+        <a:srgbClr val="4BACC6"/>
+      </a:accent5>
+      <a:accent6>
+        <a:srgbClr val="F79646"/>
+      </a:accent6>
+      <a:hlink>
+        <a:srgbClr val="0000FF"/>
+      </a:hlink>
+      <a:folHlink>
+        <a:srgbClr val="800080"/>
+      </a:folHlink>
+    </a:clrScheme>
+    <a:fontScheme name="Office">
+      <a:majorFont>
+        <a:latin typeface="Calibri"/>
+        <a:ea typeface=""/>
+        <a:cs typeface=""/>
+        <a:font script="Jpan" typeface="ＭＳ Ｐゴシック"/>
+        <a:font script="Hang" typeface="맑은 고딕"/>
+        <a:font script="Hans" typeface="宋体"/>
+        <a:font script="Hant" typeface="新細明體"/>
+        <a:font script="Arab" typeface="Times New Roman"/>
+        <a:font script="Hebr" typeface="Times New Roman"/>
+        <a:font script="Thai" typeface="Angsana New"/>
+        <a:font script="Ethi" typeface="Nyala"/>
+        <a:font script="Beng" typeface="Vrinda"/>
+        <a:font script="Gujr" typeface="Shruti"/>
+        <a:font script="Khmr" typeface="MoolBoran"/>
+        <a:font script="Knda" typeface="Tunga"/>
+        <a:font script="Guru" typeface="Raavi"/>
+        <a:font script="Cans" typeface="Euphemia"/>
+        <a:font script="Cher" typeface="Plantagenet Cherokee"/>
+        <a:font script="Yiii" typeface="Microsoft Yi Baiti"/>
+        <a:font script="Tibt" typeface="Microsoft Himalaya"/>
+        <a:font script="Thaa" typeface="MV Boli"/>
+        <a:font script="Deva" typeface="Mangal"/>
+        <a:font script="Telu" typeface="Gautami"/>
+        <a:font script="Taml" typeface="Latha"/>
+        <a:font script="Syrc" typeface="Estrangelo Edessa"/>
+        <a:font script="Orya" typeface="Kalinga"/>
+        <a:font script="Mlym" typeface="Kartika"/>
+        <a:font script="Laoo" typeface="DokChampa"/>
+        <a:font script="Sinh" typeface="Iskoola Pota"/>
+        <a:font script="Mong" typeface="Mongolian Baiti"/>
+        <a:font script="Viet" typeface="Times New Roman"/>
+        <a:font script="Uigh" typeface="Microsoft Uighur"/>
+      </a:majorFont>
+      <a:minorFont>
+        <a:latin typeface="Calibri"/>
+        <a:ea typeface=""/>
+        <a:cs typeface=""/>
+        <a:font script="Jpan" typeface="ＭＳ Ｐゴシック"/>
+        <a:font script="Hang" typeface="맑은 고딕"/>
+        <a:font script="Hans" typeface="宋体"/>
+        <a:font script="Hant" typeface="新細明體"/>
+        <a:font script="Arab" typeface="Arial"/>
+        <a:font script="Hebr" typeface="Arial"/>
+        <a:font script="Thai" typeface="Cordia New"/>
+        <a:font script="Ethi" typeface="Nyala"/>
+        <a:font script="Beng" typeface="Vrinda"/>
+        <a:font script="Gujr" typeface="Shruti"/>
+        <a:font script="Khmr" typeface="DaunPenh"/>
+        <a:font script="Knda" typeface="Tunga"/>
+        <a:font script="Guru" typeface="Raavi"/>
+        <a:font script="Cans" typeface="Euphemia"/>
+        <a:font script="Cher" typeface="Plantagenet Cherokee"/>
+        <a:font script="Yiii" typeface="Microsoft Yi Baiti"/>
+        <a:font script="Tibt" typeface="Microsoft Himalaya"/>
+        <a:font script="Thaa" typeface="MV Boli"/>
+        <a:font script="Deva" typeface="Mangal"/>
+        <a:font script="Telu" typeface="Gautami"/>
+        <a:font script="Taml" typeface="Latha"/>
+        <a:font script="Syrc" typeface="Estrangelo Edessa"/>
+        <a:font script="Orya" typeface="Kalinga"/>
+        <a:font script="Mlym" typeface="Kartika"/>
+        <a:font script="Laoo" typeface="DokChampa"/>
+        <a:font script="Sinh" typeface="Iskoola Pota"/>
+        <a:font script="Mong" typeface="Mongolian Baiti"/>
+        <a:font script="Viet" typeface="Arial"/>
+        <a:font script="Uigh" typeface="Microsoft Uighur"/>
+      </a:minorFont>
+    </a:fontScheme>
+    <a:fmtScheme name="Office">
+      <a:fillStyleLst>
+        <a:solidFill>
+          <a:schemeClr val="phClr"/>
+        </a:solidFill>
+        <a:gradFill rotWithShape="1">
+          <a:gsLst>
+            <a:gs pos="0">
+              <a:schemeClr val="phClr">
+                <a:tint val="50000"/>
+                <a:satMod val="300000"/>
+              </a:schemeClr>
+            </a:gs>
+            <a:gs pos="35000">
+              <a:schemeClr val="phClr">
+                <a:tint val="37000"/>
+                <a:satMod val="300000"/>
+              </a:schemeClr>
+            </a:gs>
+            <a:gs pos="100000">
+              <a:schemeClr val="phClr">
+                <a:tint val="15000"/>
+                <a:satMod val="350000"/>
+              </a:schemeClr>
+            </a:gs>
+          </a:gsLst>
+          <a:lin ang="16200000" scaled="1"/>
+        </a:gradFill>
+        <a:gradFill rotWithShape="1">
+          <a:gsLst>
+            <a:gs pos="0">
+              <a:schemeClr val="phClr">
+                <a:tint val="100000"/>
+                <a:shade val="100000"/>
+                <a:satMod val="130000"/>
+              </a:schemeClr>
+            </a:gs>
+            <a:gs pos="100000">
+              <a:schemeClr val="phClr">
+                <a:tint val="50000"/>
+                <a:shade val="100000"/>
+                <a:satMod val="350000"/>
+              </a:schemeClr>
+            </a:gs>
+          </a:gsLst>
+          <a:lin ang="16200000" scaled="0"/>
+        </a:gradFill>
+      </a:fillStyleLst>
+      <a:lnStyleLst>
+        <a:ln w="9525" cap="flat" cmpd="sng" algn="ctr">
+          <a:solidFill>
+            <a:schemeClr val="phClr">
+              <a:shade val="95000"/>
+              <a:satMod val="105000"/>
+            </a:schemeClr>
+          </a:solidFill>
+          <a:prstDash val="solid"/>
+        </a:ln>
+        <a:ln w="25400" cap="flat" cmpd="sng" algn="ctr">
+          <a:solidFill>
+            <a:schemeClr val="phClr"/>
+          </a:solidFill>
+          <a:prstDash val="solid"/>
+        </a:ln>
+        <a:ln w="38100" cap="flat" cmpd="sng" algn="ctr">
+          <a:solidFill>
+            <a:schemeClr val="phClr"/>
+          </a:solidFill>
+          <a:prstDash val="solid"/>
+        </a:ln>
+      </a:lnStyleLst>
+      <a:effectStyleLst>
+        <a:effectStyle>
+          <a:effectLst>
+            <a:outerShdw blurRad="40000" dist="20000" dir="5400000" rotWithShape="0">
+              <a:srgbClr val="000000">
+                <a:alpha val="38000"/>
+              </a:srgbClr>
+            </a:outerShdw>
+          </a:effectLst>
+        </a:effectStyle>
+        <a:effectStyle>
+          <a:effectLst>
+            <a:outerShdw blurRad="40000" dist="23000" dir="5400000" rotWithShape="0">
+              <a:srgbClr val="000000">
+                <a:alpha val="35000"/>
+              </a:srgbClr>
+            </a:outerShdw>
+          </a:effectLst>
+        </a:effectStyle>
+        <a:effectStyle>
+          <a:effectLst>
+            <a:outerShdw blurRad="40000" dist="23000" dir="5400000" rotWithShape="0">
+              <a:srgbClr val="000000">
+                <a:alpha val="35000"/>
+              </a:srgbClr>
+            </a:outerShdw>
+          </a:effectLst>
+          <a:scene3d>
+            <a:camera prst="orthographicFront">
+              <a:rot lat="0" lon="0" rev="0"/>
+            </a:camera>
+            <a:lightRig rig="threePt" dir="t">
+              <a:rot lat="0" lon="0" rev="1200000"/>
+            </a:lightRig>
+          </a:scene3d>
+          <a:sp3d>
+            <a:bevelT w="63500" h="25400"/>
+          </a:sp3d>
+        </a:effectStyle>
+      </a:effectStyleLst>
+      <a:bgFillStyleLst>
+        <a:solidFill>
+          <a:schemeClr val="phClr"/>
+        </a:solidFill>
+        <a:gradFill rotWithShape="1">
+          <a:gsLst>
+            <a:gs pos="0">
+              <a:schemeClr val="phClr">
+                <a:tint val="40000"/>
+                <a:satMod val="350000"/>
+              </a:schemeClr>
+            </a:gs>
+            <a:gs pos="40000">
+              <a:schemeClr val="phClr">
+                <a:tint val="45000"/>
+                <a:shade val="99000"/>
+                <a:satMod val="350000"/>
+              </a:schemeClr>
+            </a:gs>
+            <a:gs pos="100000">
+              <a:schemeClr val="phClr">
+                <a:shade val="20000"/>
+                <a:satMod val="255000"/>
+              </a:schemeClr>
+            </a:gs>
+          </a:gsLst>
+          <a:path path="circle">
+            <a:fillToRect l="50000" t="-80000" r="50000" b="180000"/>
+          </a:path>
+        </a:gradFill>
+        <a:gradFill rotWithShape="1">
+          <a:gsLst>
+            <a:gs pos="0">
+              <a:schemeClr val="phClr">
+                <a:tint val="80000"/>
+                <a:satMod val="300000"/>
+              </a:schemeClr>
+            </a:gs>
+            <a:gs pos="100000">
+              <a:schemeClr val="phClr">
+                <a:shade val="30000"/>
+                <a:satMod val="200000"/>
+              </a:schemeClr>
+            </a:gs>
+          </a:gsLst>
+          <a:path path="circle">
+            <a:fillToRect l="50000" t="50000" r="50000" b="50000"/>
+          </a:path>
+        </a:gradFill>
+      </a:bgFillStyleLst>
+    </a:fmtScheme>
+  </a:themeElements>
+  <a:objectDefaults>
+    <a:spDef>
+      <a:spPr/>
+      <a:bodyPr/>
+      <a:lstStyle/>
+      <a:style>
+        <a:lnRef idx="1">
+          <a:schemeClr val="accent1"/>
+        </a:lnRef>
+        <a:fillRef idx="3">
+          <a:schemeClr val="accent1"/>
+        </a:fillRef>
+        <a:effectRef idx="2">
+          <a:schemeClr val="accent1"/>
+        </a:effectRef>
+        <a:fontRef idx="minor">
+          <a:schemeClr val="lt1"/>
+        </a:fontRef>
+      </a:style>
+    </a:spDef>
+    <a:lnDef>
+      <a:spPr/>
+      <a:bodyPr/>
+      <a:lstStyle/>
+      <a:style>
+        <a:lnRef idx="2">
+          <a:schemeClr val="accent1"/>
+        </a:lnRef>
+        <a:fillRef idx="0">
+          <a:schemeClr val="accent1"/>
+        </a:fillRef>
+        <a:effectRef idx="1">
+          <a:schemeClr val="accent1"/>
+        </a:effectRef>
+        <a:fontRef idx="minor">
+          <a:schemeClr val="tx1"/>
+        </a:fontRef>
+      </a:style>
+    </a:lnDef>
+  </a:objectDefaults>
   <a:extraClrSchemeLst/>
 </a:theme>
 </file>